--- a/00.Doc/01.제출용 문서/4조_브이아이_190508_16.pptx
+++ b/00.Doc/01.제출용 문서/4조_브이아이_190508_16.pptx
@@ -5,7 +5,7 @@
     <p:sldMasterId id="2147483648" r:id="rId1"/>
   </p:sldMasterIdLst>
   <p:notesMasterIdLst>
-    <p:notesMasterId r:id="rId34"/>
+    <p:notesMasterId r:id="rId35"/>
   </p:notesMasterIdLst>
   <p:sldIdLst>
     <p:sldId id="257" r:id="rId2"/>
@@ -15,31 +15,32 @@
     <p:sldId id="870" r:id="rId6"/>
     <p:sldId id="843" r:id="rId7"/>
     <p:sldId id="844" r:id="rId8"/>
-    <p:sldId id="850" r:id="rId9"/>
-    <p:sldId id="851" r:id="rId10"/>
-    <p:sldId id="855" r:id="rId11"/>
-    <p:sldId id="852" r:id="rId12"/>
-    <p:sldId id="854" r:id="rId13"/>
-    <p:sldId id="856" r:id="rId14"/>
-    <p:sldId id="858" r:id="rId15"/>
-    <p:sldId id="859" r:id="rId16"/>
-    <p:sldId id="847" r:id="rId17"/>
-    <p:sldId id="860" r:id="rId18"/>
-    <p:sldId id="872" r:id="rId19"/>
-    <p:sldId id="845" r:id="rId20"/>
-    <p:sldId id="871" r:id="rId21"/>
-    <p:sldId id="861" r:id="rId22"/>
-    <p:sldId id="865" r:id="rId23"/>
-    <p:sldId id="869" r:id="rId24"/>
-    <p:sldId id="873" r:id="rId25"/>
-    <p:sldId id="867" r:id="rId26"/>
-    <p:sldId id="868" r:id="rId27"/>
-    <p:sldId id="866" r:id="rId28"/>
-    <p:sldId id="874" r:id="rId29"/>
-    <p:sldId id="877" r:id="rId30"/>
-    <p:sldId id="875" r:id="rId31"/>
-    <p:sldId id="876" r:id="rId32"/>
-    <p:sldId id="864" r:id="rId33"/>
+    <p:sldId id="878" r:id="rId9"/>
+    <p:sldId id="850" r:id="rId10"/>
+    <p:sldId id="851" r:id="rId11"/>
+    <p:sldId id="855" r:id="rId12"/>
+    <p:sldId id="852" r:id="rId13"/>
+    <p:sldId id="854" r:id="rId14"/>
+    <p:sldId id="856" r:id="rId15"/>
+    <p:sldId id="858" r:id="rId16"/>
+    <p:sldId id="859" r:id="rId17"/>
+    <p:sldId id="847" r:id="rId18"/>
+    <p:sldId id="860" r:id="rId19"/>
+    <p:sldId id="872" r:id="rId20"/>
+    <p:sldId id="845" r:id="rId21"/>
+    <p:sldId id="871" r:id="rId22"/>
+    <p:sldId id="861" r:id="rId23"/>
+    <p:sldId id="865" r:id="rId24"/>
+    <p:sldId id="869" r:id="rId25"/>
+    <p:sldId id="873" r:id="rId26"/>
+    <p:sldId id="867" r:id="rId27"/>
+    <p:sldId id="868" r:id="rId28"/>
+    <p:sldId id="866" r:id="rId29"/>
+    <p:sldId id="874" r:id="rId30"/>
+    <p:sldId id="877" r:id="rId31"/>
+    <p:sldId id="875" r:id="rId32"/>
+    <p:sldId id="876" r:id="rId33"/>
+    <p:sldId id="864" r:id="rId34"/>
   </p:sldIdLst>
   <p:sldSz cx="12192000" cy="6858000"/>
   <p:notesSz cx="6858000" cy="9144000"/>
@@ -228,7 +229,7 @@
           <a:p>
             <a:fld id="{80209719-D61E-457A-9568-B68383E774C7}" type="datetimeFigureOut">
               <a:rPr lang="ko-KR" altLang="en-US" smtClean="0"/>
-              <a:t>2019-05-08</a:t>
+              <a:t>2019-05-09</a:t>
             </a:fld>
             <a:endParaRPr lang="ko-KR" altLang="en-US"/>
           </a:p>
@@ -705,7 +706,7 @@
     </p:spTree>
     <p:extLst>
       <p:ext uri="{BB962C8B-B14F-4D97-AF65-F5344CB8AC3E}">
-        <p14:creationId xmlns:p14="http://schemas.microsoft.com/office/powerpoint/2010/main" val="54281033"/>
+        <p14:creationId xmlns:p14="http://schemas.microsoft.com/office/powerpoint/2010/main" val="4258562892"/>
       </p:ext>
     </p:extLst>
   </p:cSld>
@@ -815,7 +816,7 @@
     </p:spTree>
     <p:extLst>
       <p:ext uri="{BB962C8B-B14F-4D97-AF65-F5344CB8AC3E}">
-        <p14:creationId xmlns:p14="http://schemas.microsoft.com/office/powerpoint/2010/main" val="2617681037"/>
+        <p14:creationId xmlns:p14="http://schemas.microsoft.com/office/powerpoint/2010/main" val="54281033"/>
       </p:ext>
     </p:extLst>
   </p:cSld>
@@ -925,7 +926,7 @@
     </p:spTree>
     <p:extLst>
       <p:ext uri="{BB962C8B-B14F-4D97-AF65-F5344CB8AC3E}">
-        <p14:creationId xmlns:p14="http://schemas.microsoft.com/office/powerpoint/2010/main" val="1740891059"/>
+        <p14:creationId xmlns:p14="http://schemas.microsoft.com/office/powerpoint/2010/main" val="2617681037"/>
       </p:ext>
     </p:extLst>
   </p:cSld>
@@ -1035,7 +1036,7 @@
     </p:spTree>
     <p:extLst>
       <p:ext uri="{BB962C8B-B14F-4D97-AF65-F5344CB8AC3E}">
-        <p14:creationId xmlns:p14="http://schemas.microsoft.com/office/powerpoint/2010/main" val="310450249"/>
+        <p14:creationId xmlns:p14="http://schemas.microsoft.com/office/powerpoint/2010/main" val="1740891059"/>
       </p:ext>
     </p:extLst>
   </p:cSld>
@@ -1145,7 +1146,7 @@
     </p:spTree>
     <p:extLst>
       <p:ext uri="{BB962C8B-B14F-4D97-AF65-F5344CB8AC3E}">
-        <p14:creationId xmlns:p14="http://schemas.microsoft.com/office/powerpoint/2010/main" val="3519754113"/>
+        <p14:creationId xmlns:p14="http://schemas.microsoft.com/office/powerpoint/2010/main" val="310450249"/>
       </p:ext>
     </p:extLst>
   </p:cSld>
@@ -1255,7 +1256,7 @@
     </p:spTree>
     <p:extLst>
       <p:ext uri="{BB962C8B-B14F-4D97-AF65-F5344CB8AC3E}">
-        <p14:creationId xmlns:p14="http://schemas.microsoft.com/office/powerpoint/2010/main" val="431133046"/>
+        <p14:creationId xmlns:p14="http://schemas.microsoft.com/office/powerpoint/2010/main" val="3519754113"/>
       </p:ext>
     </p:extLst>
   </p:cSld>
@@ -1365,7 +1366,7 @@
     </p:spTree>
     <p:extLst>
       <p:ext uri="{BB962C8B-B14F-4D97-AF65-F5344CB8AC3E}">
-        <p14:creationId xmlns:p14="http://schemas.microsoft.com/office/powerpoint/2010/main" val="2199928094"/>
+        <p14:creationId xmlns:p14="http://schemas.microsoft.com/office/powerpoint/2010/main" val="431133046"/>
       </p:ext>
     </p:extLst>
   </p:cSld>
@@ -1475,7 +1476,7 @@
     </p:spTree>
     <p:extLst>
       <p:ext uri="{BB962C8B-B14F-4D97-AF65-F5344CB8AC3E}">
-        <p14:creationId xmlns:p14="http://schemas.microsoft.com/office/powerpoint/2010/main" val="1893922089"/>
+        <p14:creationId xmlns:p14="http://schemas.microsoft.com/office/powerpoint/2010/main" val="2199928094"/>
       </p:ext>
     </p:extLst>
   </p:cSld>
@@ -1585,7 +1586,7 @@
     </p:spTree>
     <p:extLst>
       <p:ext uri="{BB962C8B-B14F-4D97-AF65-F5344CB8AC3E}">
-        <p14:creationId xmlns:p14="http://schemas.microsoft.com/office/powerpoint/2010/main" val="2951482911"/>
+        <p14:creationId xmlns:p14="http://schemas.microsoft.com/office/powerpoint/2010/main" val="1893922089"/>
       </p:ext>
     </p:extLst>
   </p:cSld>
@@ -1695,7 +1696,7 @@
     </p:spTree>
     <p:extLst>
       <p:ext uri="{BB962C8B-B14F-4D97-AF65-F5344CB8AC3E}">
-        <p14:creationId xmlns:p14="http://schemas.microsoft.com/office/powerpoint/2010/main" val="819069012"/>
+        <p14:creationId xmlns:p14="http://schemas.microsoft.com/office/powerpoint/2010/main" val="2951482911"/>
       </p:ext>
     </p:extLst>
   </p:cSld>
@@ -1915,7 +1916,7 @@
     </p:spTree>
     <p:extLst>
       <p:ext uri="{BB962C8B-B14F-4D97-AF65-F5344CB8AC3E}">
-        <p14:creationId xmlns:p14="http://schemas.microsoft.com/office/powerpoint/2010/main" val="4116745951"/>
+        <p14:creationId xmlns:p14="http://schemas.microsoft.com/office/powerpoint/2010/main" val="819069012"/>
       </p:ext>
     </p:extLst>
   </p:cSld>
@@ -2025,7 +2026,7 @@
     </p:spTree>
     <p:extLst>
       <p:ext uri="{BB962C8B-B14F-4D97-AF65-F5344CB8AC3E}">
-        <p14:creationId xmlns:p14="http://schemas.microsoft.com/office/powerpoint/2010/main" val="1181598599"/>
+        <p14:creationId xmlns:p14="http://schemas.microsoft.com/office/powerpoint/2010/main" val="4116745951"/>
       </p:ext>
     </p:extLst>
   </p:cSld>
@@ -2135,7 +2136,7 @@
     </p:spTree>
     <p:extLst>
       <p:ext uri="{BB962C8B-B14F-4D97-AF65-F5344CB8AC3E}">
-        <p14:creationId xmlns:p14="http://schemas.microsoft.com/office/powerpoint/2010/main" val="1063025329"/>
+        <p14:creationId xmlns:p14="http://schemas.microsoft.com/office/powerpoint/2010/main" val="1181598599"/>
       </p:ext>
     </p:extLst>
   </p:cSld>
@@ -2245,7 +2246,7 @@
     </p:spTree>
     <p:extLst>
       <p:ext uri="{BB962C8B-B14F-4D97-AF65-F5344CB8AC3E}">
-        <p14:creationId xmlns:p14="http://schemas.microsoft.com/office/powerpoint/2010/main" val="3448542149"/>
+        <p14:creationId xmlns:p14="http://schemas.microsoft.com/office/powerpoint/2010/main" val="1063025329"/>
       </p:ext>
     </p:extLst>
   </p:cSld>
@@ -2355,7 +2356,7 @@
     </p:spTree>
     <p:extLst>
       <p:ext uri="{BB962C8B-B14F-4D97-AF65-F5344CB8AC3E}">
-        <p14:creationId xmlns:p14="http://schemas.microsoft.com/office/powerpoint/2010/main" val="2711106326"/>
+        <p14:creationId xmlns:p14="http://schemas.microsoft.com/office/powerpoint/2010/main" val="3448542149"/>
       </p:ext>
     </p:extLst>
   </p:cSld>
@@ -2465,7 +2466,7 @@
     </p:spTree>
     <p:extLst>
       <p:ext uri="{BB962C8B-B14F-4D97-AF65-F5344CB8AC3E}">
-        <p14:creationId xmlns:p14="http://schemas.microsoft.com/office/powerpoint/2010/main" val="1226852999"/>
+        <p14:creationId xmlns:p14="http://schemas.microsoft.com/office/powerpoint/2010/main" val="2711106326"/>
       </p:ext>
     </p:extLst>
   </p:cSld>
@@ -2575,7 +2576,7 @@
     </p:spTree>
     <p:extLst>
       <p:ext uri="{BB962C8B-B14F-4D97-AF65-F5344CB8AC3E}">
-        <p14:creationId xmlns:p14="http://schemas.microsoft.com/office/powerpoint/2010/main" val="3601827991"/>
+        <p14:creationId xmlns:p14="http://schemas.microsoft.com/office/powerpoint/2010/main" val="1226852999"/>
       </p:ext>
     </p:extLst>
   </p:cSld>
@@ -2685,7 +2686,7 @@
     </p:spTree>
     <p:extLst>
       <p:ext uri="{BB962C8B-B14F-4D97-AF65-F5344CB8AC3E}">
-        <p14:creationId xmlns:p14="http://schemas.microsoft.com/office/powerpoint/2010/main" val="4019950645"/>
+        <p14:creationId xmlns:p14="http://schemas.microsoft.com/office/powerpoint/2010/main" val="3601827991"/>
       </p:ext>
     </p:extLst>
   </p:cSld>
@@ -2795,7 +2796,7 @@
     </p:spTree>
     <p:extLst>
       <p:ext uri="{BB962C8B-B14F-4D97-AF65-F5344CB8AC3E}">
-        <p14:creationId xmlns:p14="http://schemas.microsoft.com/office/powerpoint/2010/main" val="3480755701"/>
+        <p14:creationId xmlns:p14="http://schemas.microsoft.com/office/powerpoint/2010/main" val="4019950645"/>
       </p:ext>
     </p:extLst>
   </p:cSld>
@@ -2905,7 +2906,7 @@
     </p:spTree>
     <p:extLst>
       <p:ext uri="{BB962C8B-B14F-4D97-AF65-F5344CB8AC3E}">
-        <p14:creationId xmlns:p14="http://schemas.microsoft.com/office/powerpoint/2010/main" val="3245961493"/>
+        <p14:creationId xmlns:p14="http://schemas.microsoft.com/office/powerpoint/2010/main" val="3480755701"/>
       </p:ext>
     </p:extLst>
   </p:cSld>
@@ -3125,7 +3126,7 @@
     </p:spTree>
     <p:extLst>
       <p:ext uri="{BB962C8B-B14F-4D97-AF65-F5344CB8AC3E}">
-        <p14:creationId xmlns:p14="http://schemas.microsoft.com/office/powerpoint/2010/main" val="3779168329"/>
+        <p14:creationId xmlns:p14="http://schemas.microsoft.com/office/powerpoint/2010/main" val="3245961493"/>
       </p:ext>
     </p:extLst>
   </p:cSld>
@@ -3227,6 +3228,116 @@
             <a:fld id="{608C3DEF-A4BD-490E-A075-E423F0025E30}" type="slidenum">
               <a:rPr lang="ko-KR" altLang="en-US" smtClean="0"/>
               <a:t>32</a:t>
+            </a:fld>
+            <a:endParaRPr lang="ko-KR" altLang="en-US"/>
+          </a:p>
+        </p:txBody>
+      </p:sp>
+    </p:spTree>
+    <p:extLst>
+      <p:ext uri="{BB962C8B-B14F-4D97-AF65-F5344CB8AC3E}">
+        <p14:creationId xmlns:p14="http://schemas.microsoft.com/office/powerpoint/2010/main" val="3779168329"/>
+      </p:ext>
+    </p:extLst>
+  </p:cSld>
+  <p:clrMapOvr>
+    <a:masterClrMapping/>
+  </p:clrMapOvr>
+</p:notes>
+</file>
+
+<file path=ppt/notesSlides/notesSlide32.xml><?xml version="1.0" encoding="utf-8"?>
+<p:notes xmlns:a="http://schemas.openxmlformats.org/drawingml/2006/main" xmlns:r="http://schemas.openxmlformats.org/officeDocument/2006/relationships" xmlns:p="http://schemas.openxmlformats.org/presentationml/2006/main">
+  <p:cSld>
+    <p:spTree>
+      <p:nvGrpSpPr>
+        <p:cNvPr id="1" name=""/>
+        <p:cNvGrpSpPr/>
+        <p:nvPr/>
+      </p:nvGrpSpPr>
+      <p:grpSpPr>
+        <a:xfrm>
+          <a:off x="0" y="0"/>
+          <a:ext cx="0" cy="0"/>
+          <a:chOff x="0" y="0"/>
+          <a:chExt cx="0" cy="0"/>
+        </a:xfrm>
+      </p:grpSpPr>
+      <p:sp>
+        <p:nvSpPr>
+          <p:cNvPr id="2" name="슬라이드 이미지 개체 틀 1"/>
+          <p:cNvSpPr>
+            <a:spLocks noGrp="1" noRot="1" noChangeAspect="1"/>
+          </p:cNvSpPr>
+          <p:nvPr>
+            <p:ph type="sldImg"/>
+          </p:nvPr>
+        </p:nvSpPr>
+        <p:spPr/>
+      </p:sp>
+      <p:sp>
+        <p:nvSpPr>
+          <p:cNvPr id="3" name="슬라이드 노트 개체 틀 2"/>
+          <p:cNvSpPr>
+            <a:spLocks noGrp="1"/>
+          </p:cNvSpPr>
+          <p:nvPr>
+            <p:ph type="body" idx="1"/>
+          </p:nvPr>
+        </p:nvSpPr>
+        <p:spPr/>
+        <p:txBody>
+          <a:bodyPr/>
+          <a:lstStyle/>
+          <a:p>
+            <a:pPr marL="0" marR="0" lvl="0" indent="0" algn="l" defTabSz="914400" rtl="0" eaLnBrk="1" fontAlgn="auto" latinLnBrk="1" hangingPunct="1">
+              <a:lnSpc>
+                <a:spcPct val="100000"/>
+              </a:lnSpc>
+              <a:spcBef>
+                <a:spcPts val="0"/>
+              </a:spcBef>
+              <a:spcAft>
+                <a:spcPts val="0"/>
+              </a:spcAft>
+              <a:buClrTx/>
+              <a:buSzTx/>
+              <a:buFontTx/>
+              <a:buNone/>
+              <a:tabLst/>
+              <a:defRPr/>
+            </a:pPr>
+            <a:endParaRPr lang="en-US" altLang="ko-KR" sz="1200" dirty="0">
+              <a:solidFill>
+                <a:schemeClr val="bg2">
+                  <a:lumMod val="50000"/>
+                </a:schemeClr>
+              </a:solidFill>
+              <a:latin typeface="조선일보명조" panose="02030304000000000000" pitchFamily="18" charset="-127"/>
+              <a:ea typeface="조선일보명조" panose="02030304000000000000" pitchFamily="18" charset="-127"/>
+              <a:cs typeface="조선일보명조" panose="02030304000000000000" pitchFamily="18" charset="-127"/>
+            </a:endParaRPr>
+          </a:p>
+        </p:txBody>
+      </p:sp>
+      <p:sp>
+        <p:nvSpPr>
+          <p:cNvPr id="4" name="슬라이드 번호 개체 틀 3"/>
+          <p:cNvSpPr>
+            <a:spLocks noGrp="1"/>
+          </p:cNvSpPr>
+          <p:nvPr>
+            <p:ph type="sldNum" sz="quarter" idx="5"/>
+          </p:nvPr>
+        </p:nvSpPr>
+        <p:spPr/>
+        <p:txBody>
+          <a:bodyPr/>
+          <a:lstStyle/>
+          <a:p>
+            <a:fld id="{608C3DEF-A4BD-490E-A075-E423F0025E30}" type="slidenum">
+              <a:rPr lang="ko-KR" altLang="en-US" smtClean="0"/>
+              <a:t>33</a:t>
             </a:fld>
             <a:endParaRPr lang="ko-KR" altLang="en-US"/>
           </a:p>
@@ -3675,7 +3786,7 @@
     </p:spTree>
     <p:extLst>
       <p:ext uri="{BB962C8B-B14F-4D97-AF65-F5344CB8AC3E}">
-        <p14:creationId xmlns:p14="http://schemas.microsoft.com/office/powerpoint/2010/main" val="510941699"/>
+        <p14:creationId xmlns:p14="http://schemas.microsoft.com/office/powerpoint/2010/main" val="3114854558"/>
       </p:ext>
     </p:extLst>
   </p:cSld>
@@ -3785,7 +3896,7 @@
     </p:spTree>
     <p:extLst>
       <p:ext uri="{BB962C8B-B14F-4D97-AF65-F5344CB8AC3E}">
-        <p14:creationId xmlns:p14="http://schemas.microsoft.com/office/powerpoint/2010/main" val="4140526053"/>
+        <p14:creationId xmlns:p14="http://schemas.microsoft.com/office/powerpoint/2010/main" val="510941699"/>
       </p:ext>
     </p:extLst>
   </p:cSld>
@@ -3895,7 +4006,7 @@
     </p:spTree>
     <p:extLst>
       <p:ext uri="{BB962C8B-B14F-4D97-AF65-F5344CB8AC3E}">
-        <p14:creationId xmlns:p14="http://schemas.microsoft.com/office/powerpoint/2010/main" val="4258562892"/>
+        <p14:creationId xmlns:p14="http://schemas.microsoft.com/office/powerpoint/2010/main" val="4140526053"/>
       </p:ext>
     </p:extLst>
   </p:cSld>
@@ -4052,7 +4163,7 @@
           <a:p>
             <a:fld id="{85AABC5B-CDB6-4C1B-84E4-11EC51EF39C6}" type="datetimeFigureOut">
               <a:rPr lang="ko-KR" altLang="en-US" smtClean="0"/>
-              <a:t>2019-05-08</a:t>
+              <a:t>2019-05-09</a:t>
             </a:fld>
             <a:endParaRPr lang="ko-KR" altLang="en-US"/>
           </a:p>
@@ -4250,7 +4361,7 @@
           <a:p>
             <a:fld id="{85AABC5B-CDB6-4C1B-84E4-11EC51EF39C6}" type="datetimeFigureOut">
               <a:rPr lang="ko-KR" altLang="en-US" smtClean="0"/>
-              <a:t>2019-05-08</a:t>
+              <a:t>2019-05-09</a:t>
             </a:fld>
             <a:endParaRPr lang="ko-KR" altLang="en-US"/>
           </a:p>
@@ -4458,7 +4569,7 @@
           <a:p>
             <a:fld id="{85AABC5B-CDB6-4C1B-84E4-11EC51EF39C6}" type="datetimeFigureOut">
               <a:rPr lang="ko-KR" altLang="en-US" smtClean="0"/>
-              <a:t>2019-05-08</a:t>
+              <a:t>2019-05-09</a:t>
             </a:fld>
             <a:endParaRPr lang="ko-KR" altLang="en-US"/>
           </a:p>
@@ -4656,7 +4767,7 @@
           <a:p>
             <a:fld id="{85AABC5B-CDB6-4C1B-84E4-11EC51EF39C6}" type="datetimeFigureOut">
               <a:rPr lang="ko-KR" altLang="en-US" smtClean="0"/>
-              <a:t>2019-05-08</a:t>
+              <a:t>2019-05-09</a:t>
             </a:fld>
             <a:endParaRPr lang="ko-KR" altLang="en-US"/>
           </a:p>
@@ -4931,7 +5042,7 @@
           <a:p>
             <a:fld id="{85AABC5B-CDB6-4C1B-84E4-11EC51EF39C6}" type="datetimeFigureOut">
               <a:rPr lang="ko-KR" altLang="en-US" smtClean="0"/>
-              <a:t>2019-05-08</a:t>
+              <a:t>2019-05-09</a:t>
             </a:fld>
             <a:endParaRPr lang="ko-KR" altLang="en-US"/>
           </a:p>
@@ -5196,7 +5307,7 @@
           <a:p>
             <a:fld id="{85AABC5B-CDB6-4C1B-84E4-11EC51EF39C6}" type="datetimeFigureOut">
               <a:rPr lang="ko-KR" altLang="en-US" smtClean="0"/>
-              <a:t>2019-05-08</a:t>
+              <a:t>2019-05-09</a:t>
             </a:fld>
             <a:endParaRPr lang="ko-KR" altLang="en-US"/>
           </a:p>
@@ -5608,7 +5719,7 @@
           <a:p>
             <a:fld id="{85AABC5B-CDB6-4C1B-84E4-11EC51EF39C6}" type="datetimeFigureOut">
               <a:rPr lang="ko-KR" altLang="en-US" smtClean="0"/>
-              <a:t>2019-05-08</a:t>
+              <a:t>2019-05-09</a:t>
             </a:fld>
             <a:endParaRPr lang="ko-KR" altLang="en-US"/>
           </a:p>
@@ -5749,7 +5860,7 @@
           <a:p>
             <a:fld id="{85AABC5B-CDB6-4C1B-84E4-11EC51EF39C6}" type="datetimeFigureOut">
               <a:rPr lang="ko-KR" altLang="en-US" smtClean="0"/>
-              <a:t>2019-05-08</a:t>
+              <a:t>2019-05-09</a:t>
             </a:fld>
             <a:endParaRPr lang="ko-KR" altLang="en-US"/>
           </a:p>
@@ -5862,7 +5973,7 @@
           <a:p>
             <a:fld id="{85AABC5B-CDB6-4C1B-84E4-11EC51EF39C6}" type="datetimeFigureOut">
               <a:rPr lang="ko-KR" altLang="en-US" smtClean="0"/>
-              <a:t>2019-05-08</a:t>
+              <a:t>2019-05-09</a:t>
             </a:fld>
             <a:endParaRPr lang="ko-KR" altLang="en-US"/>
           </a:p>
@@ -6173,7 +6284,7 @@
           <a:p>
             <a:fld id="{85AABC5B-CDB6-4C1B-84E4-11EC51EF39C6}" type="datetimeFigureOut">
               <a:rPr lang="ko-KR" altLang="en-US" smtClean="0"/>
-              <a:t>2019-05-08</a:t>
+              <a:t>2019-05-09</a:t>
             </a:fld>
             <a:endParaRPr lang="ko-KR" altLang="en-US"/>
           </a:p>
@@ -6461,7 +6572,7 @@
           <a:p>
             <a:fld id="{85AABC5B-CDB6-4C1B-84E4-11EC51EF39C6}" type="datetimeFigureOut">
               <a:rPr lang="ko-KR" altLang="en-US" smtClean="0"/>
-              <a:t>2019-05-08</a:t>
+              <a:t>2019-05-09</a:t>
             </a:fld>
             <a:endParaRPr lang="ko-KR" altLang="en-US"/>
           </a:p>
@@ -6710,7 +6821,7 @@
           <a:p>
             <a:fld id="{85AABC5B-CDB6-4C1B-84E4-11EC51EF39C6}" type="datetimeFigureOut">
               <a:rPr lang="ko-KR" altLang="en-US" smtClean="0"/>
-              <a:t>2019-05-08</a:t>
+              <a:t>2019-05-09</a:t>
             </a:fld>
             <a:endParaRPr lang="ko-KR" altLang="en-US"/>
           </a:p>
@@ -7353,123 +7464,6 @@
               <a:latin typeface="조선일보명조" panose="02030304000000000000" pitchFamily="18" charset="-127"/>
               <a:ea typeface="조선일보명조" panose="02030304000000000000" pitchFamily="18" charset="-127"/>
               <a:cs typeface="조선일보명조" panose="02030304000000000000" pitchFamily="18" charset="-127"/>
-            </a:endParaRPr>
-          </a:p>
-        </p:txBody>
-      </p:sp>
-      <p:sp>
-        <p:nvSpPr>
-          <p:cNvPr id="15" name="TextBox 14">
-            <a:extLst>
-              <a:ext uri="{FF2B5EF4-FFF2-40B4-BE49-F238E27FC236}">
-                <a16:creationId xmlns:a16="http://schemas.microsoft.com/office/drawing/2014/main" id="{402C5255-0E1E-49A7-809D-46993A33F5C7}"/>
-              </a:ext>
-            </a:extLst>
-          </p:cNvPr>
-          <p:cNvSpPr txBox="1"/>
-          <p:nvPr/>
-        </p:nvSpPr>
-        <p:spPr>
-          <a:xfrm>
-            <a:off x="4916209" y="6437868"/>
-            <a:ext cx="7224991" cy="369332"/>
-          </a:xfrm>
-          <a:prstGeom prst="rect">
-            <a:avLst/>
-          </a:prstGeom>
-          <a:noFill/>
-        </p:spPr>
-        <p:txBody>
-          <a:bodyPr wrap="none" rtlCol="0">
-            <a:spAutoFit/>
-          </a:bodyPr>
-          <a:lstStyle/>
-          <a:p>
-            <a:pPr algn="r"/>
-            <a:r>
-              <a:rPr lang="en-US" altLang="ko-KR" dirty="0">
-                <a:solidFill>
-                  <a:sysClr val="windowText" lastClr="000000"/>
-                </a:solidFill>
-              </a:rPr>
-              <a:t>Project</a:t>
-            </a:r>
-            <a:r>
-              <a:rPr lang="ko-KR" altLang="en-US" dirty="0">
-                <a:solidFill>
-                  <a:sysClr val="windowText" lastClr="000000"/>
-                </a:solidFill>
-              </a:rPr>
-              <a:t> </a:t>
-            </a:r>
-            <a:r>
-              <a:rPr lang="en-US" altLang="ko-KR" dirty="0" err="1">
-                <a:solidFill>
-                  <a:sysClr val="windowText" lastClr="000000"/>
-                </a:solidFill>
-              </a:rPr>
-              <a:t>Github</a:t>
-            </a:r>
-            <a:r>
-              <a:rPr lang="en-US" altLang="ko-KR" dirty="0">
-                <a:solidFill>
-                  <a:sysClr val="windowText" lastClr="000000"/>
-                </a:solidFill>
-              </a:rPr>
-              <a:t> URL: https://</a:t>
-            </a:r>
-            <a:r>
-              <a:rPr lang="en-US" altLang="ko-KR" dirty="0" err="1">
-                <a:solidFill>
-                  <a:sysClr val="windowText" lastClr="000000"/>
-                </a:solidFill>
-              </a:rPr>
-              <a:t>github.com</a:t>
-            </a:r>
-            <a:r>
-              <a:rPr lang="en-US" altLang="ko-KR" dirty="0">
-                <a:solidFill>
-                  <a:sysClr val="windowText" lastClr="000000"/>
-                </a:solidFill>
-              </a:rPr>
-              <a:t>/</a:t>
-            </a:r>
-            <a:r>
-              <a:rPr lang="en-US" altLang="ko-KR" dirty="0" err="1">
-                <a:solidFill>
-                  <a:sysClr val="windowText" lastClr="000000"/>
-                </a:solidFill>
-              </a:rPr>
-              <a:t>SeokJune</a:t>
-            </a:r>
-            <a:r>
-              <a:rPr lang="en-US" altLang="ko-KR" dirty="0">
-                <a:solidFill>
-                  <a:sysClr val="windowText" lastClr="000000"/>
-                </a:solidFill>
-              </a:rPr>
-              <a:t>/</a:t>
-            </a:r>
-            <a:r>
-              <a:rPr lang="en-US" altLang="ko-KR" dirty="0" err="1">
-                <a:solidFill>
-                  <a:sysClr val="windowText" lastClr="000000"/>
-                </a:solidFill>
-              </a:rPr>
-              <a:t>BigData_VI_T</a:t>
-            </a:r>
-            <a:r>
-              <a:rPr lang="en-US" altLang="ko-KR" dirty="0">
-                <a:solidFill>
-                  <a:sysClr val="windowText" lastClr="000000"/>
-                </a:solidFill>
-              </a:rPr>
-              <a:t>-SA/</a:t>
-            </a:r>
-            <a:endParaRPr lang="ko-KR" altLang="en-US" dirty="0">
-              <a:solidFill>
-                <a:sysClr val="windowText" lastClr="000000"/>
-              </a:solidFill>
             </a:endParaRPr>
           </a:p>
         </p:txBody>
@@ -8198,6 +8192,53 @@
           </p:txBody>
         </p:sp>
       </p:grpSp>
+      <p:sp>
+        <p:nvSpPr>
+          <p:cNvPr id="4" name="TextBox 3">
+            <a:extLst>
+              <a:ext uri="{FF2B5EF4-FFF2-40B4-BE49-F238E27FC236}">
+                <a16:creationId xmlns:a16="http://schemas.microsoft.com/office/drawing/2014/main" id="{94B7DFA7-0AA9-4D05-8090-CDE3A5ECF2B5}"/>
+              </a:ext>
+            </a:extLst>
+          </p:cNvPr>
+          <p:cNvSpPr txBox="1"/>
+          <p:nvPr/>
+        </p:nvSpPr>
+        <p:spPr>
+          <a:xfrm>
+            <a:off x="6022181" y="6115050"/>
+            <a:ext cx="1835759" cy="369332"/>
+          </a:xfrm>
+          <a:prstGeom prst="rect">
+            <a:avLst/>
+          </a:prstGeom>
+          <a:noFill/>
+        </p:spPr>
+        <p:txBody>
+          <a:bodyPr wrap="none" rtlCol="0">
+            <a:spAutoFit/>
+          </a:bodyPr>
+          <a:lstStyle/>
+          <a:p>
+            <a:r>
+              <a:rPr lang="ko-KR" altLang="en-US" dirty="0"/>
+              <a:t>팀원</a:t>
+            </a:r>
+            <a:r>
+              <a:rPr lang="en-US" altLang="ko-KR" dirty="0"/>
+              <a:t>, </a:t>
+            </a:r>
+            <a:r>
+              <a:rPr lang="ko-KR" altLang="en-US" dirty="0"/>
+              <a:t>조장 추가</a:t>
+            </a:r>
+            <a:r>
+              <a:rPr lang="en-US" altLang="ko-KR" dirty="0"/>
+              <a:t>.</a:t>
+            </a:r>
+          </a:p>
+        </p:txBody>
+      </p:sp>
     </p:spTree>
     <p:extLst>
       <p:ext uri="{BB962C8B-B14F-4D97-AF65-F5344CB8AC3E}">
@@ -8402,6 +8443,928 @@
       </p:sp>
       <p:sp>
         <p:nvSpPr>
+          <p:cNvPr id="2" name="직사각형 1">
+            <a:extLst>
+              <a:ext uri="{FF2B5EF4-FFF2-40B4-BE49-F238E27FC236}">
+                <a16:creationId xmlns:a16="http://schemas.microsoft.com/office/drawing/2014/main" id="{8C0CEE3F-124D-4B16-8F60-1D47716DCE7B}"/>
+              </a:ext>
+            </a:extLst>
+          </p:cNvPr>
+          <p:cNvSpPr/>
+          <p:nvPr/>
+        </p:nvSpPr>
+        <p:spPr>
+          <a:xfrm>
+            <a:off x="2429435" y="1563190"/>
+            <a:ext cx="9278471" cy="2823882"/>
+          </a:xfrm>
+          <a:prstGeom prst="rect">
+            <a:avLst/>
+          </a:prstGeom>
+          <a:ln w="19050"/>
+        </p:spPr>
+        <p:style>
+          <a:lnRef idx="2">
+            <a:schemeClr val="dk1"/>
+          </a:lnRef>
+          <a:fillRef idx="1">
+            <a:schemeClr val="lt1"/>
+          </a:fillRef>
+          <a:effectRef idx="0">
+            <a:schemeClr val="dk1"/>
+          </a:effectRef>
+          <a:fontRef idx="minor">
+            <a:schemeClr val="dk1"/>
+          </a:fontRef>
+        </p:style>
+        <p:txBody>
+          <a:bodyPr rtlCol="0" anchor="ctr"/>
+          <a:lstStyle/>
+          <a:p>
+            <a:pPr marL="285750" indent="-285750">
+              <a:buFontTx/>
+              <a:buChar char="-"/>
+            </a:pPr>
+            <a:r>
+              <a:rPr lang="en-US" altLang="ko-KR" dirty="0"/>
+              <a:t>MariaDB</a:t>
+            </a:r>
+            <a:r>
+              <a:rPr lang="ko-KR" altLang="ko-KR" dirty="0"/>
+              <a:t>는</a:t>
+            </a:r>
+            <a:r>
+              <a:rPr lang="en-US" altLang="ko-KR" dirty="0"/>
+              <a:t> MySQL</a:t>
+            </a:r>
+            <a:r>
+              <a:rPr lang="ko-KR" altLang="ko-KR" dirty="0"/>
+              <a:t>의 발전된 형태의 대체제로써</a:t>
+            </a:r>
+            <a:r>
+              <a:rPr lang="en-US" altLang="ko-KR" dirty="0"/>
+              <a:t>, https://downloads.mariadb.org/</a:t>
+            </a:r>
+            <a:r>
+              <a:rPr lang="ko-KR" altLang="ko-KR" dirty="0"/>
+              <a:t>에서 다운로드 받을 수 있으며</a:t>
+            </a:r>
+            <a:r>
+              <a:rPr lang="en-US" altLang="ko-KR" dirty="0"/>
+              <a:t>, GPL v2 </a:t>
+            </a:r>
+            <a:r>
+              <a:rPr lang="ko-KR" altLang="ko-KR" dirty="0"/>
+              <a:t>라이선스로 유지되고 있고</a:t>
+            </a:r>
+            <a:r>
+              <a:rPr lang="en-US" altLang="ko-KR" dirty="0"/>
+              <a:t>, MariaDB </a:t>
+            </a:r>
+            <a:r>
+              <a:rPr lang="ko-KR" altLang="ko-KR" dirty="0"/>
+              <a:t>커뮤니티와</a:t>
+            </a:r>
+            <a:r>
+              <a:rPr lang="en-US" altLang="ko-KR" dirty="0"/>
+              <a:t> MariaDB </a:t>
+            </a:r>
+            <a:r>
+              <a:rPr lang="ko-KR" altLang="ko-KR" dirty="0"/>
+              <a:t>재단이 주축이 되어 개발되고 있다</a:t>
+            </a:r>
+            <a:r>
+              <a:rPr lang="en-US" altLang="ko-KR" dirty="0"/>
+              <a:t>.</a:t>
+            </a:r>
+          </a:p>
+          <a:p>
+            <a:pPr marL="285750" indent="-285750">
+              <a:buFontTx/>
+              <a:buChar char="-"/>
+            </a:pPr>
+            <a:endParaRPr lang="en-US" altLang="ko-KR" dirty="0"/>
+          </a:p>
+          <a:p>
+            <a:pPr marL="285750" indent="-285750">
+              <a:buFontTx/>
+              <a:buChar char="-"/>
+            </a:pPr>
+            <a:r>
+              <a:rPr lang="en-US" altLang="ko-KR" dirty="0"/>
+              <a:t>MariaDB</a:t>
+            </a:r>
+            <a:r>
+              <a:rPr lang="ko-KR" altLang="ko-KR" dirty="0"/>
+              <a:t>는 현재까지 최신의</a:t>
+            </a:r>
+            <a:r>
+              <a:rPr lang="en-US" altLang="ko-KR" dirty="0"/>
+              <a:t> </a:t>
+            </a:r>
+            <a:r>
+              <a:rPr lang="en-US" altLang="ko-KR" dirty="0" err="1"/>
+              <a:t>MaySQL</a:t>
+            </a:r>
+            <a:r>
+              <a:rPr lang="ko-KR" altLang="ko-KR" dirty="0"/>
+              <a:t>과 같은 </a:t>
+            </a:r>
+            <a:r>
+              <a:rPr lang="ko-KR" altLang="ko-KR" dirty="0" err="1"/>
+              <a:t>브랜치로부터</a:t>
+            </a:r>
+            <a:r>
+              <a:rPr lang="ko-KR" altLang="ko-KR" dirty="0"/>
+              <a:t> </a:t>
+            </a:r>
+            <a:r>
+              <a:rPr lang="ko-KR" altLang="ko-KR" dirty="0" err="1"/>
+              <a:t>릴리즈되며</a:t>
+            </a:r>
+            <a:r>
+              <a:rPr lang="en-US" altLang="ko-KR" dirty="0"/>
+              <a:t>, </a:t>
+            </a:r>
+            <a:r>
+              <a:rPr lang="ko-KR" altLang="ko-KR" dirty="0"/>
+              <a:t>대개의 경우</a:t>
+            </a:r>
+            <a:r>
+              <a:rPr lang="en-US" altLang="ko-KR" dirty="0"/>
+              <a:t> MySQL</a:t>
+            </a:r>
+            <a:r>
+              <a:rPr lang="ko-KR" altLang="ko-KR" dirty="0"/>
+              <a:t>과 마찬가지로 동작한다</a:t>
+            </a:r>
+            <a:r>
+              <a:rPr lang="en-US" altLang="ko-KR" dirty="0"/>
+              <a:t>. MySQL</a:t>
+            </a:r>
+            <a:r>
+              <a:rPr lang="ko-KR" altLang="ko-KR" dirty="0"/>
+              <a:t>의 모든 명령어</a:t>
+            </a:r>
+            <a:r>
+              <a:rPr lang="en-US" altLang="ko-KR" dirty="0"/>
+              <a:t>, </a:t>
+            </a:r>
+            <a:r>
+              <a:rPr lang="ko-KR" altLang="ko-KR" dirty="0"/>
+              <a:t>인터페이스</a:t>
+            </a:r>
+            <a:r>
+              <a:rPr lang="en-US" altLang="ko-KR" dirty="0"/>
+              <a:t>, </a:t>
+            </a:r>
+            <a:r>
+              <a:rPr lang="ko-KR" altLang="ko-KR" dirty="0"/>
+              <a:t>라이브러리와</a:t>
+            </a:r>
+            <a:r>
+              <a:rPr lang="en-US" altLang="ko-KR" dirty="0"/>
+              <a:t> API</a:t>
+            </a:r>
+            <a:r>
+              <a:rPr lang="ko-KR" altLang="ko-KR" dirty="0"/>
+              <a:t>가</a:t>
+            </a:r>
+            <a:r>
+              <a:rPr lang="en-US" altLang="ko-KR" dirty="0"/>
+              <a:t> MariaDB</a:t>
+            </a:r>
+            <a:r>
+              <a:rPr lang="ko-KR" altLang="ko-KR" dirty="0"/>
+              <a:t>에도 존재한다</a:t>
+            </a:r>
+            <a:r>
+              <a:rPr lang="en-US" altLang="ko-KR" dirty="0"/>
+              <a:t>. </a:t>
+            </a:r>
+            <a:r>
+              <a:rPr lang="ko-KR" altLang="ko-KR" dirty="0"/>
+              <a:t>또한</a:t>
+            </a:r>
+            <a:r>
+              <a:rPr lang="en-US" altLang="ko-KR" dirty="0"/>
+              <a:t> MariaDB</a:t>
+            </a:r>
+            <a:r>
+              <a:rPr lang="ko-KR" altLang="ko-KR" dirty="0"/>
+              <a:t>로 데이터베이스를 변환할 필요도 없다</a:t>
+            </a:r>
+            <a:r>
+              <a:rPr lang="en-US" altLang="ko-KR" dirty="0"/>
+              <a:t>.</a:t>
+            </a:r>
+            <a:endParaRPr lang="ko-KR" altLang="en-US" dirty="0"/>
+          </a:p>
+        </p:txBody>
+      </p:sp>
+      <p:sp>
+        <p:nvSpPr>
+          <p:cNvPr id="11" name="직사각형 10">
+            <a:extLst>
+              <a:ext uri="{FF2B5EF4-FFF2-40B4-BE49-F238E27FC236}">
+                <a16:creationId xmlns:a16="http://schemas.microsoft.com/office/drawing/2014/main" id="{5F0F362E-884C-48D1-9E70-F66EE5A0B636}"/>
+              </a:ext>
+            </a:extLst>
+          </p:cNvPr>
+          <p:cNvSpPr/>
+          <p:nvPr/>
+        </p:nvSpPr>
+        <p:spPr>
+          <a:xfrm>
+            <a:off x="349623" y="4529200"/>
+            <a:ext cx="11358283" cy="2104682"/>
+          </a:xfrm>
+          <a:prstGeom prst="rect">
+            <a:avLst/>
+          </a:prstGeom>
+          <a:ln w="19050"/>
+        </p:spPr>
+        <p:style>
+          <a:lnRef idx="2">
+            <a:schemeClr val="dk1"/>
+          </a:lnRef>
+          <a:fillRef idx="1">
+            <a:schemeClr val="lt1"/>
+          </a:fillRef>
+          <a:effectRef idx="0">
+            <a:schemeClr val="dk1"/>
+          </a:effectRef>
+          <a:fontRef idx="minor">
+            <a:schemeClr val="dk1"/>
+          </a:fontRef>
+        </p:style>
+        <p:txBody>
+          <a:bodyPr rtlCol="0" anchor="ctr"/>
+          <a:lstStyle/>
+          <a:p>
+            <a:r>
+              <a:rPr lang="en-US" altLang="ko-KR" b="1" dirty="0"/>
+              <a:t>MariaDB site </a:t>
+            </a:r>
+          </a:p>
+          <a:p>
+            <a:r>
+              <a:rPr lang="en-US" altLang="ko-KR" dirty="0">
+                <a:ea typeface="조선일보명조" panose="02030304000000000000" pitchFamily="18" charset="-127"/>
+                <a:cs typeface="조선일보명조" panose="02030304000000000000" pitchFamily="18" charset="-127"/>
+                <a:hlinkClick r:id="rId3"/>
+              </a:rPr>
+              <a:t>https://www.python.org/</a:t>
+            </a:r>
+            <a:endParaRPr lang="en-US" altLang="ko-KR" dirty="0">
+              <a:ea typeface="조선일보명조" panose="02030304000000000000" pitchFamily="18" charset="-127"/>
+              <a:cs typeface="조선일보명조" panose="02030304000000000000" pitchFamily="18" charset="-127"/>
+            </a:endParaRPr>
+          </a:p>
+          <a:p>
+            <a:r>
+              <a:rPr lang="en-US" altLang="ko-KR" dirty="0"/>
+              <a:t> </a:t>
+            </a:r>
+            <a:endParaRPr lang="ko-KR" altLang="ko-KR" dirty="0"/>
+          </a:p>
+        </p:txBody>
+      </p:sp>
+      <p:grpSp>
+        <p:nvGrpSpPr>
+          <p:cNvPr id="12" name="그룹 11">
+            <a:extLst>
+              <a:ext uri="{FF2B5EF4-FFF2-40B4-BE49-F238E27FC236}">
+                <a16:creationId xmlns:a16="http://schemas.microsoft.com/office/drawing/2014/main" id="{2AA7B08A-E0AB-4FCF-A47E-C5E89F0CC4B6}"/>
+              </a:ext>
+            </a:extLst>
+          </p:cNvPr>
+          <p:cNvGrpSpPr/>
+          <p:nvPr/>
+        </p:nvGrpSpPr>
+        <p:grpSpPr>
+          <a:xfrm>
+            <a:off x="349623" y="1563190"/>
+            <a:ext cx="1870685" cy="2823882"/>
+            <a:chOff x="4148764" y="2652260"/>
+            <a:chExt cx="1870685" cy="2823882"/>
+          </a:xfrm>
+        </p:grpSpPr>
+        <p:grpSp>
+          <p:nvGrpSpPr>
+            <p:cNvPr id="13" name="그룹 12">
+              <a:extLst>
+                <a:ext uri="{FF2B5EF4-FFF2-40B4-BE49-F238E27FC236}">
+                  <a16:creationId xmlns:a16="http://schemas.microsoft.com/office/drawing/2014/main" id="{32671FD3-A5AE-4D55-A961-319A01EBA055}"/>
+                </a:ext>
+              </a:extLst>
+            </p:cNvPr>
+            <p:cNvGrpSpPr/>
+            <p:nvPr/>
+          </p:nvGrpSpPr>
+          <p:grpSpPr>
+            <a:xfrm>
+              <a:off x="4148764" y="2652260"/>
+              <a:ext cx="1870685" cy="2823882"/>
+              <a:chOff x="1700944" y="1867157"/>
+              <a:chExt cx="1870685" cy="2823882"/>
+            </a:xfrm>
+          </p:grpSpPr>
+          <p:sp>
+            <p:nvSpPr>
+              <p:cNvPr id="16" name="직사각형 15">
+                <a:extLst>
+                  <a:ext uri="{FF2B5EF4-FFF2-40B4-BE49-F238E27FC236}">
+                    <a16:creationId xmlns:a16="http://schemas.microsoft.com/office/drawing/2014/main" id="{F0214E57-C967-47CB-B257-658F6D3221C6}"/>
+                  </a:ext>
+                </a:extLst>
+              </p:cNvPr>
+              <p:cNvSpPr/>
+              <p:nvPr/>
+            </p:nvSpPr>
+            <p:spPr>
+              <a:xfrm>
+                <a:off x="1700944" y="1867157"/>
+                <a:ext cx="1864659" cy="2823882"/>
+              </a:xfrm>
+              <a:prstGeom prst="rect">
+                <a:avLst/>
+              </a:prstGeom>
+              <a:noFill/>
+              <a:ln w="19050">
+                <a:solidFill>
+                  <a:schemeClr val="accent1">
+                    <a:lumMod val="50000"/>
+                  </a:schemeClr>
+                </a:solidFill>
+              </a:ln>
+            </p:spPr>
+            <p:style>
+              <a:lnRef idx="2">
+                <a:schemeClr val="accent1">
+                  <a:shade val="50000"/>
+                </a:schemeClr>
+              </a:lnRef>
+              <a:fillRef idx="1">
+                <a:schemeClr val="accent1"/>
+              </a:fillRef>
+              <a:effectRef idx="0">
+                <a:schemeClr val="accent1"/>
+              </a:effectRef>
+              <a:fontRef idx="minor">
+                <a:schemeClr val="lt1"/>
+              </a:fontRef>
+            </p:style>
+            <p:txBody>
+              <a:bodyPr rtlCol="0" anchor="ctr"/>
+              <a:lstStyle>
+                <a:defPPr>
+                  <a:defRPr lang="ko-KR"/>
+                </a:defPPr>
+                <a:lvl1pPr marL="0" algn="l" defTabSz="914400" rtl="0" eaLnBrk="1" latinLnBrk="1" hangingPunct="1">
+                  <a:defRPr sz="1800" kern="1200">
+                    <a:solidFill>
+                      <a:schemeClr val="lt1"/>
+                    </a:solidFill>
+                    <a:latin typeface="+mn-lt"/>
+                    <a:ea typeface="+mn-ea"/>
+                    <a:cs typeface="+mn-cs"/>
+                  </a:defRPr>
+                </a:lvl1pPr>
+                <a:lvl2pPr marL="457200" algn="l" defTabSz="914400" rtl="0" eaLnBrk="1" latinLnBrk="1" hangingPunct="1">
+                  <a:defRPr sz="1800" kern="1200">
+                    <a:solidFill>
+                      <a:schemeClr val="lt1"/>
+                    </a:solidFill>
+                    <a:latin typeface="+mn-lt"/>
+                    <a:ea typeface="+mn-ea"/>
+                    <a:cs typeface="+mn-cs"/>
+                  </a:defRPr>
+                </a:lvl2pPr>
+                <a:lvl3pPr marL="914400" algn="l" defTabSz="914400" rtl="0" eaLnBrk="1" latinLnBrk="1" hangingPunct="1">
+                  <a:defRPr sz="1800" kern="1200">
+                    <a:solidFill>
+                      <a:schemeClr val="lt1"/>
+                    </a:solidFill>
+                    <a:latin typeface="+mn-lt"/>
+                    <a:ea typeface="+mn-ea"/>
+                    <a:cs typeface="+mn-cs"/>
+                  </a:defRPr>
+                </a:lvl3pPr>
+                <a:lvl4pPr marL="1371600" algn="l" defTabSz="914400" rtl="0" eaLnBrk="1" latinLnBrk="1" hangingPunct="1">
+                  <a:defRPr sz="1800" kern="1200">
+                    <a:solidFill>
+                      <a:schemeClr val="lt1"/>
+                    </a:solidFill>
+                    <a:latin typeface="+mn-lt"/>
+                    <a:ea typeface="+mn-ea"/>
+                    <a:cs typeface="+mn-cs"/>
+                  </a:defRPr>
+                </a:lvl4pPr>
+                <a:lvl5pPr marL="1828800" algn="l" defTabSz="914400" rtl="0" eaLnBrk="1" latinLnBrk="1" hangingPunct="1">
+                  <a:defRPr sz="1800" kern="1200">
+                    <a:solidFill>
+                      <a:schemeClr val="lt1"/>
+                    </a:solidFill>
+                    <a:latin typeface="+mn-lt"/>
+                    <a:ea typeface="+mn-ea"/>
+                    <a:cs typeface="+mn-cs"/>
+                  </a:defRPr>
+                </a:lvl5pPr>
+                <a:lvl6pPr marL="2286000" algn="l" defTabSz="914400" rtl="0" eaLnBrk="1" latinLnBrk="1" hangingPunct="1">
+                  <a:defRPr sz="1800" kern="1200">
+                    <a:solidFill>
+                      <a:schemeClr val="lt1"/>
+                    </a:solidFill>
+                    <a:latin typeface="+mn-lt"/>
+                    <a:ea typeface="+mn-ea"/>
+                    <a:cs typeface="+mn-cs"/>
+                  </a:defRPr>
+                </a:lvl6pPr>
+                <a:lvl7pPr marL="2743200" algn="l" defTabSz="914400" rtl="0" eaLnBrk="1" latinLnBrk="1" hangingPunct="1">
+                  <a:defRPr sz="1800" kern="1200">
+                    <a:solidFill>
+                      <a:schemeClr val="lt1"/>
+                    </a:solidFill>
+                    <a:latin typeface="+mn-lt"/>
+                    <a:ea typeface="+mn-ea"/>
+                    <a:cs typeface="+mn-cs"/>
+                  </a:defRPr>
+                </a:lvl7pPr>
+                <a:lvl8pPr marL="3200400" algn="l" defTabSz="914400" rtl="0" eaLnBrk="1" latinLnBrk="1" hangingPunct="1">
+                  <a:defRPr sz="1800" kern="1200">
+                    <a:solidFill>
+                      <a:schemeClr val="lt1"/>
+                    </a:solidFill>
+                    <a:latin typeface="+mn-lt"/>
+                    <a:ea typeface="+mn-ea"/>
+                    <a:cs typeface="+mn-cs"/>
+                  </a:defRPr>
+                </a:lvl8pPr>
+                <a:lvl9pPr marL="3657600" algn="l" defTabSz="914400" rtl="0" eaLnBrk="1" latinLnBrk="1" hangingPunct="1">
+                  <a:defRPr sz="1800" kern="1200">
+                    <a:solidFill>
+                      <a:schemeClr val="lt1"/>
+                    </a:solidFill>
+                    <a:latin typeface="+mn-lt"/>
+                    <a:ea typeface="+mn-ea"/>
+                    <a:cs typeface="+mn-cs"/>
+                  </a:defRPr>
+                </a:lvl9pPr>
+              </a:lstStyle>
+              <a:p>
+                <a:pPr algn="ctr"/>
+                <a:endParaRPr lang="ko-KR" altLang="en-US"/>
+              </a:p>
+            </p:txBody>
+          </p:sp>
+          <p:sp>
+            <p:nvSpPr>
+              <p:cNvPr id="17" name="직사각형 16">
+                <a:extLst>
+                  <a:ext uri="{FF2B5EF4-FFF2-40B4-BE49-F238E27FC236}">
+                    <a16:creationId xmlns:a16="http://schemas.microsoft.com/office/drawing/2014/main" id="{426AC91B-3FF7-494C-AE11-2B1304078183}"/>
+                  </a:ext>
+                </a:extLst>
+              </p:cNvPr>
+              <p:cNvSpPr/>
+              <p:nvPr/>
+            </p:nvSpPr>
+            <p:spPr>
+              <a:xfrm>
+                <a:off x="1706970" y="4260734"/>
+                <a:ext cx="1864659" cy="430305"/>
+              </a:xfrm>
+              <a:prstGeom prst="rect">
+                <a:avLst/>
+              </a:prstGeom>
+              <a:solidFill>
+                <a:schemeClr val="accent1">
+                  <a:lumMod val="50000"/>
+                </a:schemeClr>
+              </a:solidFill>
+              <a:ln w="19050">
+                <a:noFill/>
+              </a:ln>
+            </p:spPr>
+            <p:style>
+              <a:lnRef idx="2">
+                <a:schemeClr val="accent1">
+                  <a:shade val="50000"/>
+                </a:schemeClr>
+              </a:lnRef>
+              <a:fillRef idx="1">
+                <a:schemeClr val="accent1"/>
+              </a:fillRef>
+              <a:effectRef idx="0">
+                <a:schemeClr val="accent1"/>
+              </a:effectRef>
+              <a:fontRef idx="minor">
+                <a:schemeClr val="lt1"/>
+              </a:fontRef>
+            </p:style>
+            <p:txBody>
+              <a:bodyPr rtlCol="0" anchor="t"/>
+              <a:lstStyle>
+                <a:defPPr>
+                  <a:defRPr lang="ko-KR"/>
+                </a:defPPr>
+                <a:lvl1pPr marL="0" algn="l" defTabSz="914400" rtl="0" eaLnBrk="1" latinLnBrk="1" hangingPunct="1">
+                  <a:defRPr sz="1800" kern="1200">
+                    <a:solidFill>
+                      <a:schemeClr val="lt1"/>
+                    </a:solidFill>
+                    <a:latin typeface="+mn-lt"/>
+                    <a:ea typeface="+mn-ea"/>
+                    <a:cs typeface="+mn-cs"/>
+                  </a:defRPr>
+                </a:lvl1pPr>
+                <a:lvl2pPr marL="457200" algn="l" defTabSz="914400" rtl="0" eaLnBrk="1" latinLnBrk="1" hangingPunct="1">
+                  <a:defRPr sz="1800" kern="1200">
+                    <a:solidFill>
+                      <a:schemeClr val="lt1"/>
+                    </a:solidFill>
+                    <a:latin typeface="+mn-lt"/>
+                    <a:ea typeface="+mn-ea"/>
+                    <a:cs typeface="+mn-cs"/>
+                  </a:defRPr>
+                </a:lvl2pPr>
+                <a:lvl3pPr marL="914400" algn="l" defTabSz="914400" rtl="0" eaLnBrk="1" latinLnBrk="1" hangingPunct="1">
+                  <a:defRPr sz="1800" kern="1200">
+                    <a:solidFill>
+                      <a:schemeClr val="lt1"/>
+                    </a:solidFill>
+                    <a:latin typeface="+mn-lt"/>
+                    <a:ea typeface="+mn-ea"/>
+                    <a:cs typeface="+mn-cs"/>
+                  </a:defRPr>
+                </a:lvl3pPr>
+                <a:lvl4pPr marL="1371600" algn="l" defTabSz="914400" rtl="0" eaLnBrk="1" latinLnBrk="1" hangingPunct="1">
+                  <a:defRPr sz="1800" kern="1200">
+                    <a:solidFill>
+                      <a:schemeClr val="lt1"/>
+                    </a:solidFill>
+                    <a:latin typeface="+mn-lt"/>
+                    <a:ea typeface="+mn-ea"/>
+                    <a:cs typeface="+mn-cs"/>
+                  </a:defRPr>
+                </a:lvl4pPr>
+                <a:lvl5pPr marL="1828800" algn="l" defTabSz="914400" rtl="0" eaLnBrk="1" latinLnBrk="1" hangingPunct="1">
+                  <a:defRPr sz="1800" kern="1200">
+                    <a:solidFill>
+                      <a:schemeClr val="lt1"/>
+                    </a:solidFill>
+                    <a:latin typeface="+mn-lt"/>
+                    <a:ea typeface="+mn-ea"/>
+                    <a:cs typeface="+mn-cs"/>
+                  </a:defRPr>
+                </a:lvl5pPr>
+                <a:lvl6pPr marL="2286000" algn="l" defTabSz="914400" rtl="0" eaLnBrk="1" latinLnBrk="1" hangingPunct="1">
+                  <a:defRPr sz="1800" kern="1200">
+                    <a:solidFill>
+                      <a:schemeClr val="lt1"/>
+                    </a:solidFill>
+                    <a:latin typeface="+mn-lt"/>
+                    <a:ea typeface="+mn-ea"/>
+                    <a:cs typeface="+mn-cs"/>
+                  </a:defRPr>
+                </a:lvl6pPr>
+                <a:lvl7pPr marL="2743200" algn="l" defTabSz="914400" rtl="0" eaLnBrk="1" latinLnBrk="1" hangingPunct="1">
+                  <a:defRPr sz="1800" kern="1200">
+                    <a:solidFill>
+                      <a:schemeClr val="lt1"/>
+                    </a:solidFill>
+                    <a:latin typeface="+mn-lt"/>
+                    <a:ea typeface="+mn-ea"/>
+                    <a:cs typeface="+mn-cs"/>
+                  </a:defRPr>
+                </a:lvl7pPr>
+                <a:lvl8pPr marL="3200400" algn="l" defTabSz="914400" rtl="0" eaLnBrk="1" latinLnBrk="1" hangingPunct="1">
+                  <a:defRPr sz="1800" kern="1200">
+                    <a:solidFill>
+                      <a:schemeClr val="lt1"/>
+                    </a:solidFill>
+                    <a:latin typeface="+mn-lt"/>
+                    <a:ea typeface="+mn-ea"/>
+                    <a:cs typeface="+mn-cs"/>
+                  </a:defRPr>
+                </a:lvl8pPr>
+                <a:lvl9pPr marL="3657600" algn="l" defTabSz="914400" rtl="0" eaLnBrk="1" latinLnBrk="1" hangingPunct="1">
+                  <a:defRPr sz="1800" kern="1200">
+                    <a:solidFill>
+                      <a:schemeClr val="lt1"/>
+                    </a:solidFill>
+                    <a:latin typeface="+mn-lt"/>
+                    <a:ea typeface="+mn-ea"/>
+                    <a:cs typeface="+mn-cs"/>
+                  </a:defRPr>
+                </a:lvl9pPr>
+              </a:lstStyle>
+              <a:p>
+                <a:pPr lvl="0" algn="ctr">
+                  <a:lnSpc>
+                    <a:spcPct val="150000"/>
+                  </a:lnSpc>
+                </a:pPr>
+                <a:r>
+                  <a:rPr lang="en-US" altLang="ko-KR" sz="1500" b="1">
+                    <a:solidFill>
+                      <a:schemeClr val="bg1"/>
+                    </a:solidFill>
+                    <a:latin typeface="조선일보명조" panose="02030304000000000000" pitchFamily="18" charset="-127"/>
+                    <a:ea typeface="조선일보명조" panose="02030304000000000000" pitchFamily="18" charset="-127"/>
+                    <a:cs typeface="조선일보명조" panose="02030304000000000000" pitchFamily="18" charset="-127"/>
+                  </a:rPr>
+                  <a:t>10.1.38</a:t>
+                </a:r>
+                <a:endParaRPr lang="en-US" altLang="ko-KR" sz="1500" b="1" dirty="0">
+                  <a:solidFill>
+                    <a:schemeClr val="bg1"/>
+                  </a:solidFill>
+                  <a:latin typeface="조선일보명조" panose="02030304000000000000" pitchFamily="18" charset="-127"/>
+                  <a:ea typeface="조선일보명조" panose="02030304000000000000" pitchFamily="18" charset="-127"/>
+                  <a:cs typeface="조선일보명조" panose="02030304000000000000" pitchFamily="18" charset="-127"/>
+                </a:endParaRPr>
+              </a:p>
+            </p:txBody>
+          </p:sp>
+        </p:grpSp>
+        <p:pic>
+          <p:nvPicPr>
+            <p:cNvPr id="14" name="그림 13">
+              <a:extLst>
+                <a:ext uri="{FF2B5EF4-FFF2-40B4-BE49-F238E27FC236}">
+                  <a16:creationId xmlns:a16="http://schemas.microsoft.com/office/drawing/2014/main" id="{044FDD70-64ED-4237-8D56-FCC975B52DA0}"/>
+                </a:ext>
+              </a:extLst>
+            </p:cNvPr>
+            <p:cNvPicPr>
+              <a:picLocks noChangeAspect="1"/>
+            </p:cNvPicPr>
+            <p:nvPr/>
+          </p:nvPicPr>
+          <p:blipFill rotWithShape="1">
+            <a:blip r:embed="rId4">
+              <a:extLst>
+                <a:ext uri="{28A0092B-C50C-407E-A947-70E740481C1C}">
+                  <a14:useLocalDpi xmlns:a14="http://schemas.microsoft.com/office/drawing/2010/main" val="0"/>
+                </a:ext>
+              </a:extLst>
+            </a:blip>
+            <a:srcRect l="-3633" r="-3633"/>
+            <a:stretch/>
+          </p:blipFill>
+          <p:spPr>
+            <a:xfrm>
+              <a:off x="4148764" y="2652260"/>
+              <a:ext cx="1864800" cy="536400"/>
+            </a:xfrm>
+            <a:prstGeom prst="rect">
+              <a:avLst/>
+            </a:prstGeom>
+          </p:spPr>
+        </p:pic>
+        <p:pic>
+          <p:nvPicPr>
+            <p:cNvPr id="15" name="그림 14">
+              <a:extLst>
+                <a:ext uri="{FF2B5EF4-FFF2-40B4-BE49-F238E27FC236}">
+                  <a16:creationId xmlns:a16="http://schemas.microsoft.com/office/drawing/2014/main" id="{A27D9935-6B66-48ED-B9AF-6B04F09414C0}"/>
+                </a:ext>
+              </a:extLst>
+            </p:cNvPr>
+            <p:cNvPicPr>
+              <a:picLocks/>
+            </p:cNvPicPr>
+            <p:nvPr/>
+          </p:nvPicPr>
+          <p:blipFill>
+            <a:blip r:embed="rId5">
+              <a:extLst>
+                <a:ext uri="{28A0092B-C50C-407E-A947-70E740481C1C}">
+                  <a14:useLocalDpi xmlns:a14="http://schemas.microsoft.com/office/drawing/2010/main" val="0"/>
+                </a:ext>
+              </a:extLst>
+            </a:blip>
+            <a:stretch>
+              <a:fillRect/>
+            </a:stretch>
+          </p:blipFill>
+          <p:spPr>
+            <a:xfrm>
+              <a:off x="4364106" y="3577036"/>
+              <a:ext cx="1440000" cy="1080000"/>
+            </a:xfrm>
+            <a:prstGeom prst="rect">
+              <a:avLst/>
+            </a:prstGeom>
+          </p:spPr>
+        </p:pic>
+      </p:grpSp>
+    </p:spTree>
+    <p:extLst>
+      <p:ext uri="{BB962C8B-B14F-4D97-AF65-F5344CB8AC3E}">
+        <p14:creationId xmlns:p14="http://schemas.microsoft.com/office/powerpoint/2010/main" val="2289209633"/>
+      </p:ext>
+    </p:extLst>
+  </p:cSld>
+  <p:clrMapOvr>
+    <a:masterClrMapping/>
+  </p:clrMapOvr>
+</p:sld>
+</file>
+
+<file path=ppt/slides/slide11.xml><?xml version="1.0" encoding="utf-8"?>
+<p:sld xmlns:a="http://schemas.openxmlformats.org/drawingml/2006/main" xmlns:r="http://schemas.openxmlformats.org/officeDocument/2006/relationships" xmlns:p="http://schemas.openxmlformats.org/presentationml/2006/main">
+  <p:cSld>
+    <p:spTree>
+      <p:nvGrpSpPr>
+        <p:cNvPr id="1" name=""/>
+        <p:cNvGrpSpPr/>
+        <p:nvPr/>
+      </p:nvGrpSpPr>
+      <p:grpSpPr>
+        <a:xfrm>
+          <a:off x="0" y="0"/>
+          <a:ext cx="0" cy="0"/>
+          <a:chOff x="0" y="0"/>
+          <a:chExt cx="0" cy="0"/>
+        </a:xfrm>
+      </p:grpSpPr>
+      <p:sp>
+        <p:nvSpPr>
+          <p:cNvPr id="4" name="직사각형 3">
+            <a:extLst>
+              <a:ext uri="{FF2B5EF4-FFF2-40B4-BE49-F238E27FC236}">
+                <a16:creationId xmlns:a16="http://schemas.microsoft.com/office/drawing/2014/main" id="{C6884EF8-13B8-4906-AFA1-F7D11047E8A5}"/>
+              </a:ext>
+            </a:extLst>
+          </p:cNvPr>
+          <p:cNvSpPr/>
+          <p:nvPr/>
+        </p:nvSpPr>
+        <p:spPr>
+          <a:xfrm>
+            <a:off x="349623" y="432111"/>
+            <a:ext cx="125506" cy="807913"/>
+          </a:xfrm>
+          <a:prstGeom prst="rect">
+            <a:avLst/>
+          </a:prstGeom>
+          <a:solidFill>
+            <a:srgbClr val="C00000"/>
+          </a:solidFill>
+          <a:ln>
+            <a:noFill/>
+          </a:ln>
+        </p:spPr>
+        <p:style>
+          <a:lnRef idx="2">
+            <a:schemeClr val="accent1">
+              <a:shade val="50000"/>
+            </a:schemeClr>
+          </a:lnRef>
+          <a:fillRef idx="1">
+            <a:schemeClr val="accent1"/>
+          </a:fillRef>
+          <a:effectRef idx="0">
+            <a:schemeClr val="accent1"/>
+          </a:effectRef>
+          <a:fontRef idx="minor">
+            <a:schemeClr val="lt1"/>
+          </a:fontRef>
+        </p:style>
+        <p:txBody>
+          <a:bodyPr rtlCol="0" anchor="ctr"/>
+          <a:lstStyle/>
+          <a:p>
+            <a:pPr algn="ctr"/>
+            <a:endParaRPr lang="ko-KR" altLang="en-US"/>
+          </a:p>
+        </p:txBody>
+      </p:sp>
+      <p:sp>
+        <p:nvSpPr>
+          <p:cNvPr id="6" name="직사각형 5">
+            <a:extLst>
+              <a:ext uri="{FF2B5EF4-FFF2-40B4-BE49-F238E27FC236}">
+                <a16:creationId xmlns:a16="http://schemas.microsoft.com/office/drawing/2014/main" id="{B2E0AF2E-A9E8-4669-AA0E-A190B65FCAD7}"/>
+              </a:ext>
+            </a:extLst>
+          </p:cNvPr>
+          <p:cNvSpPr/>
+          <p:nvPr/>
+        </p:nvSpPr>
+        <p:spPr>
+          <a:xfrm>
+            <a:off x="475129" y="333862"/>
+            <a:ext cx="7028330" cy="646331"/>
+          </a:xfrm>
+          <a:prstGeom prst="rect">
+            <a:avLst/>
+          </a:prstGeom>
+        </p:spPr>
+        <p:txBody>
+          <a:bodyPr wrap="square">
+            <a:spAutoFit/>
+          </a:bodyPr>
+          <a:lstStyle/>
+          <a:p>
+            <a:r>
+              <a:rPr lang="en-US" altLang="ko-KR" sz="3600" b="1" dirty="0">
+                <a:latin typeface="조선일보명조" panose="02030304000000000000" pitchFamily="18" charset="-127"/>
+                <a:ea typeface="조선일보명조" panose="02030304000000000000" pitchFamily="18" charset="-127"/>
+                <a:cs typeface="조선일보명조" panose="02030304000000000000" pitchFamily="18" charset="-127"/>
+              </a:rPr>
+              <a:t>T-SA: </a:t>
+            </a:r>
+            <a:r>
+              <a:rPr lang="en-US" altLang="ko-KR" sz="2400" b="1" dirty="0">
+                <a:solidFill>
+                  <a:sysClr val="windowText" lastClr="000000"/>
+                </a:solidFill>
+                <a:latin typeface="조선일보명조" panose="02030304000000000000" pitchFamily="18" charset="-127"/>
+                <a:ea typeface="조선일보명조" panose="02030304000000000000" pitchFamily="18" charset="-127"/>
+                <a:cs typeface="조선일보명조" panose="02030304000000000000" pitchFamily="18" charset="-127"/>
+              </a:rPr>
+              <a:t>Development Environment</a:t>
+            </a:r>
+            <a:r>
+              <a:rPr lang="en-US" altLang="ko-KR" sz="2800" b="1" dirty="0">
+                <a:latin typeface="조선일보명조" panose="02030304000000000000" pitchFamily="18" charset="-127"/>
+                <a:ea typeface="조선일보명조" panose="02030304000000000000" pitchFamily="18" charset="-127"/>
+                <a:cs typeface="조선일보명조" panose="02030304000000000000" pitchFamily="18" charset="-127"/>
+              </a:rPr>
+              <a:t> </a:t>
+            </a:r>
+            <a:endParaRPr lang="ko-KR" altLang="en-US" sz="2400" b="1" dirty="0">
+              <a:latin typeface="조선일보명조" panose="02030304000000000000" pitchFamily="18" charset="-127"/>
+              <a:ea typeface="조선일보명조" panose="02030304000000000000" pitchFamily="18" charset="-127"/>
+              <a:cs typeface="조선일보명조" panose="02030304000000000000" pitchFamily="18" charset="-127"/>
+            </a:endParaRPr>
+          </a:p>
+        </p:txBody>
+      </p:sp>
+      <p:sp>
+        <p:nvSpPr>
+          <p:cNvPr id="91" name="TextBox 90">
+            <a:extLst>
+              <a:ext uri="{FF2B5EF4-FFF2-40B4-BE49-F238E27FC236}">
+                <a16:creationId xmlns:a16="http://schemas.microsoft.com/office/drawing/2014/main" id="{88E709A0-853A-4DCC-908E-0927D452C587}"/>
+              </a:ext>
+            </a:extLst>
+          </p:cNvPr>
+          <p:cNvSpPr txBox="1"/>
+          <p:nvPr/>
+        </p:nvSpPr>
+        <p:spPr>
+          <a:xfrm>
+            <a:off x="475129" y="916859"/>
+            <a:ext cx="4379725" cy="323165"/>
+          </a:xfrm>
+          <a:prstGeom prst="rect">
+            <a:avLst/>
+          </a:prstGeom>
+          <a:noFill/>
+        </p:spPr>
+        <p:txBody>
+          <a:bodyPr wrap="none" rtlCol="0">
+            <a:spAutoFit/>
+          </a:bodyPr>
+          <a:lstStyle/>
+          <a:p>
+            <a:pPr algn="ctr"/>
+            <a:r>
+              <a:rPr lang="en-US" altLang="ko-KR" sz="1500" dirty="0">
+                <a:solidFill>
+                  <a:schemeClr val="bg1">
+                    <a:lumMod val="65000"/>
+                  </a:schemeClr>
+                </a:solidFill>
+                <a:latin typeface="나눔바른고딕" panose="020B0603020101020101" pitchFamily="50" charset="-127"/>
+                <a:ea typeface="나눔바른고딕" panose="020B0603020101020101" pitchFamily="50" charset="-127"/>
+                <a:cs typeface="조선일보명조" panose="02030304000000000000" pitchFamily="18" charset="-127"/>
+              </a:rPr>
+              <a:t>Twitter</a:t>
+            </a:r>
+            <a:r>
+              <a:rPr lang="en-US" altLang="ko-KR" sz="1500" dirty="0">
+                <a:solidFill>
+                  <a:schemeClr val="bg1">
+                    <a:lumMod val="65000"/>
+                  </a:schemeClr>
+                </a:solidFill>
+                <a:latin typeface="조선일보명조" panose="02030304000000000000" pitchFamily="18" charset="-127"/>
+                <a:ea typeface="조선일보명조" panose="02030304000000000000" pitchFamily="18" charset="-127"/>
+                <a:cs typeface="조선일보명조" panose="02030304000000000000" pitchFamily="18" charset="-127"/>
+              </a:rPr>
+              <a:t> Keyword Search API based Tweet Analysis</a:t>
+            </a:r>
+          </a:p>
+        </p:txBody>
+      </p:sp>
+      <p:sp>
+        <p:nvSpPr>
           <p:cNvPr id="11" name="직사각형 10">
             <a:extLst>
               <a:ext uri="{FF2B5EF4-FFF2-40B4-BE49-F238E27FC236}">
@@ -8831,7 +9794,7 @@
 </p:sld>
 </file>
 
-<file path=ppt/slides/slide11.xml><?xml version="1.0" encoding="utf-8"?>
+<file path=ppt/slides/slide12.xml><?xml version="1.0" encoding="utf-8"?>
 <p:sld xmlns:a="http://schemas.openxmlformats.org/drawingml/2006/main" xmlns:r="http://schemas.openxmlformats.org/officeDocument/2006/relationships" xmlns:p="http://schemas.openxmlformats.org/presentationml/2006/main">
   <p:cSld>
     <p:spTree>
@@ -10196,7 +11159,7 @@
 </p:sld>
 </file>
 
-<file path=ppt/slides/slide12.xml><?xml version="1.0" encoding="utf-8"?>
+<file path=ppt/slides/slide13.xml><?xml version="1.0" encoding="utf-8"?>
 <p:sld xmlns:a="http://schemas.openxmlformats.org/drawingml/2006/main" xmlns:r="http://schemas.openxmlformats.org/officeDocument/2006/relationships" xmlns:p="http://schemas.openxmlformats.org/presentationml/2006/main">
   <p:cSld>
     <p:spTree>
@@ -11627,7 +12590,7 @@
 </p:sld>
 </file>
 
-<file path=ppt/slides/slide13.xml><?xml version="1.0" encoding="utf-8"?>
+<file path=ppt/slides/slide14.xml><?xml version="1.0" encoding="utf-8"?>
 <p:sld xmlns:a="http://schemas.openxmlformats.org/drawingml/2006/main" xmlns:r="http://schemas.openxmlformats.org/officeDocument/2006/relationships" xmlns:p="http://schemas.openxmlformats.org/presentationml/2006/main">
   <p:cSld>
     <p:spTree>
@@ -12726,7 +13689,7 @@
 </p:sld>
 </file>
 
-<file path=ppt/slides/slide14.xml><?xml version="1.0" encoding="utf-8"?>
+<file path=ppt/slides/slide15.xml><?xml version="1.0" encoding="utf-8"?>
 <p:sld xmlns:a="http://schemas.openxmlformats.org/drawingml/2006/main" xmlns:r="http://schemas.openxmlformats.org/officeDocument/2006/relationships" xmlns:p="http://schemas.openxmlformats.org/presentationml/2006/main">
   <p:cSld>
     <p:spTree>
@@ -13988,7 +14951,7 @@
 </p:sld>
 </file>
 
-<file path=ppt/slides/slide15.xml><?xml version="1.0" encoding="utf-8"?>
+<file path=ppt/slides/slide16.xml><?xml version="1.0" encoding="utf-8"?>
 <p:sld xmlns:a="http://schemas.openxmlformats.org/drawingml/2006/main" xmlns:r="http://schemas.openxmlformats.org/officeDocument/2006/relationships" xmlns:p="http://schemas.openxmlformats.org/presentationml/2006/main">
   <p:cSld>
     <p:spTree>
@@ -15008,7 +15971,7 @@
 </p:sld>
 </file>
 
-<file path=ppt/slides/slide16.xml><?xml version="1.0" encoding="utf-8"?>
+<file path=ppt/slides/slide17.xml><?xml version="1.0" encoding="utf-8"?>
 <p:sld xmlns:a="http://schemas.openxmlformats.org/drawingml/2006/main" xmlns:r="http://schemas.openxmlformats.org/officeDocument/2006/relationships" xmlns:p="http://schemas.openxmlformats.org/presentationml/2006/main">
   <p:cSld>
     <p:spTree>
@@ -15847,7 +16810,7 @@
 </p:sld>
 </file>
 
-<file path=ppt/slides/slide17.xml><?xml version="1.0" encoding="utf-8"?>
+<file path=ppt/slides/slide18.xml><?xml version="1.0" encoding="utf-8"?>
 <p:sld xmlns:a="http://schemas.openxmlformats.org/drawingml/2006/main" xmlns:r="http://schemas.openxmlformats.org/officeDocument/2006/relationships" xmlns:p="http://schemas.openxmlformats.org/presentationml/2006/main">
   <p:cSld>
     <p:spTree>
@@ -16775,7 +17738,7 @@
 </p:sld>
 </file>
 
-<file path=ppt/slides/slide18.xml><?xml version="1.0" encoding="utf-8"?>
+<file path=ppt/slides/slide19.xml><?xml version="1.0" encoding="utf-8"?>
 <p:sld xmlns:a="http://schemas.openxmlformats.org/drawingml/2006/main" xmlns:r="http://schemas.openxmlformats.org/officeDocument/2006/relationships" xmlns:p="http://schemas.openxmlformats.org/presentationml/2006/main">
   <p:cSld>
     <p:spTree>
@@ -17666,7 +18629,626 @@
 </p:sld>
 </file>
 
-<file path=ppt/slides/slide19.xml><?xml version="1.0" encoding="utf-8"?>
+<file path=ppt/slides/slide2.xml><?xml version="1.0" encoding="utf-8"?>
+<p:sld xmlns:a="http://schemas.openxmlformats.org/drawingml/2006/main" xmlns:r="http://schemas.openxmlformats.org/officeDocument/2006/relationships" xmlns:p="http://schemas.openxmlformats.org/presentationml/2006/main">
+  <p:cSld>
+    <p:spTree>
+      <p:nvGrpSpPr>
+        <p:cNvPr id="1" name=""/>
+        <p:cNvGrpSpPr/>
+        <p:nvPr/>
+      </p:nvGrpSpPr>
+      <p:grpSpPr>
+        <a:xfrm>
+          <a:off x="0" y="0"/>
+          <a:ext cx="0" cy="0"/>
+          <a:chOff x="0" y="0"/>
+          <a:chExt cx="0" cy="0"/>
+        </a:xfrm>
+      </p:grpSpPr>
+      <p:sp>
+        <p:nvSpPr>
+          <p:cNvPr id="3" name="직사각형 2">
+            <a:extLst>
+              <a:ext uri="{FF2B5EF4-FFF2-40B4-BE49-F238E27FC236}">
+                <a16:creationId xmlns:a16="http://schemas.microsoft.com/office/drawing/2014/main" id="{F07A5010-5379-4186-90C6-5C796160708A}"/>
+              </a:ext>
+            </a:extLst>
+          </p:cNvPr>
+          <p:cNvSpPr/>
+          <p:nvPr/>
+        </p:nvSpPr>
+        <p:spPr>
+          <a:xfrm>
+            <a:off x="349623" y="1445433"/>
+            <a:ext cx="6096000" cy="4678204"/>
+          </a:xfrm>
+          <a:prstGeom prst="rect">
+            <a:avLst/>
+          </a:prstGeom>
+        </p:spPr>
+        <p:txBody>
+          <a:bodyPr>
+            <a:spAutoFit/>
+          </a:bodyPr>
+          <a:lstStyle/>
+          <a:p>
+            <a:r>
+              <a:rPr lang="en-US" altLang="ko-KR" sz="2400" b="1" dirty="0">
+                <a:solidFill>
+                  <a:sysClr val="windowText" lastClr="000000"/>
+                </a:solidFill>
+                <a:latin typeface="조선일보명조" panose="02030304000000000000" pitchFamily="18" charset="-127"/>
+                <a:ea typeface="조선일보명조" panose="02030304000000000000" pitchFamily="18" charset="-127"/>
+                <a:cs typeface="조선일보명조" panose="02030304000000000000" pitchFamily="18" charset="-127"/>
+              </a:rPr>
+              <a:t>  </a:t>
+            </a:r>
+            <a:r>
+              <a:rPr lang="en-US" altLang="ko-KR" sz="3200" b="1" dirty="0">
+                <a:solidFill>
+                  <a:sysClr val="windowText" lastClr="000000"/>
+                </a:solidFill>
+                <a:latin typeface="조선일보명조" panose="02030304000000000000" pitchFamily="18" charset="-127"/>
+                <a:ea typeface="조선일보명조" panose="02030304000000000000" pitchFamily="18" charset="-127"/>
+                <a:cs typeface="조선일보명조" panose="02030304000000000000" pitchFamily="18" charset="-127"/>
+              </a:rPr>
+              <a:t>1. T-SA:</a:t>
+            </a:r>
+            <a:r>
+              <a:rPr lang="en-US" altLang="ko-KR" sz="2400" b="1" dirty="0">
+                <a:solidFill>
+                  <a:sysClr val="windowText" lastClr="000000"/>
+                </a:solidFill>
+                <a:latin typeface="조선일보명조" panose="02030304000000000000" pitchFamily="18" charset="-127"/>
+                <a:ea typeface="조선일보명조" panose="02030304000000000000" pitchFamily="18" charset="-127"/>
+                <a:cs typeface="조선일보명조" panose="02030304000000000000" pitchFamily="18" charset="-127"/>
+              </a:rPr>
+              <a:t> Team Introduction</a:t>
+            </a:r>
+            <a:endParaRPr lang="ko-KR" altLang="en-US" sz="1000" b="1" dirty="0">
+              <a:solidFill>
+                <a:sysClr val="windowText" lastClr="000000"/>
+              </a:solidFill>
+              <a:latin typeface="조선일보명조" panose="02030304000000000000" pitchFamily="18" charset="-127"/>
+              <a:ea typeface="조선일보명조" panose="02030304000000000000" pitchFamily="18" charset="-127"/>
+              <a:cs typeface="조선일보명조" panose="02030304000000000000" pitchFamily="18" charset="-127"/>
+            </a:endParaRPr>
+          </a:p>
+          <a:p>
+            <a:r>
+              <a:rPr lang="en-US" altLang="ko-KR" sz="2400" b="1" dirty="0">
+                <a:solidFill>
+                  <a:sysClr val="windowText" lastClr="000000"/>
+                </a:solidFill>
+                <a:latin typeface="조선일보명조" panose="02030304000000000000" pitchFamily="18" charset="-127"/>
+                <a:ea typeface="조선일보명조" panose="02030304000000000000" pitchFamily="18" charset="-127"/>
+                <a:cs typeface="조선일보명조" panose="02030304000000000000" pitchFamily="18" charset="-127"/>
+              </a:rPr>
+              <a:t>  </a:t>
+            </a:r>
+            <a:r>
+              <a:rPr lang="en-US" altLang="ko-KR" sz="3200" b="1" dirty="0">
+                <a:solidFill>
+                  <a:sysClr val="windowText" lastClr="000000"/>
+                </a:solidFill>
+                <a:latin typeface="조선일보명조" panose="02030304000000000000" pitchFamily="18" charset="-127"/>
+                <a:ea typeface="조선일보명조" panose="02030304000000000000" pitchFamily="18" charset="-127"/>
+                <a:cs typeface="조선일보명조" panose="02030304000000000000" pitchFamily="18" charset="-127"/>
+              </a:rPr>
+              <a:t>2. T-SA:</a:t>
+            </a:r>
+            <a:r>
+              <a:rPr lang="en-US" altLang="ko-KR" sz="2400" b="1" dirty="0">
+                <a:solidFill>
+                  <a:sysClr val="windowText" lastClr="000000"/>
+                </a:solidFill>
+                <a:latin typeface="조선일보명조" panose="02030304000000000000" pitchFamily="18" charset="-127"/>
+                <a:ea typeface="조선일보명조" panose="02030304000000000000" pitchFamily="18" charset="-127"/>
+                <a:cs typeface="조선일보명조" panose="02030304000000000000" pitchFamily="18" charset="-127"/>
+              </a:rPr>
+              <a:t> Purpose of Development</a:t>
+            </a:r>
+            <a:endParaRPr lang="ko-KR" altLang="en-US" sz="1000" b="1" dirty="0">
+              <a:solidFill>
+                <a:sysClr val="windowText" lastClr="000000"/>
+              </a:solidFill>
+              <a:latin typeface="조선일보명조" panose="02030304000000000000" pitchFamily="18" charset="-127"/>
+              <a:ea typeface="조선일보명조" panose="02030304000000000000" pitchFamily="18" charset="-127"/>
+              <a:cs typeface="조선일보명조" panose="02030304000000000000" pitchFamily="18" charset="-127"/>
+            </a:endParaRPr>
+          </a:p>
+          <a:p>
+            <a:r>
+              <a:rPr lang="en-US" altLang="ko-KR" sz="2400" b="1" dirty="0">
+                <a:solidFill>
+                  <a:sysClr val="windowText" lastClr="000000"/>
+                </a:solidFill>
+                <a:latin typeface="조선일보명조" panose="02030304000000000000" pitchFamily="18" charset="-127"/>
+                <a:ea typeface="조선일보명조" panose="02030304000000000000" pitchFamily="18" charset="-127"/>
+                <a:cs typeface="조선일보명조" panose="02030304000000000000" pitchFamily="18" charset="-127"/>
+              </a:rPr>
+              <a:t>  </a:t>
+            </a:r>
+            <a:r>
+              <a:rPr lang="en-US" altLang="ko-KR" sz="3200" b="1" dirty="0">
+                <a:solidFill>
+                  <a:sysClr val="windowText" lastClr="000000"/>
+                </a:solidFill>
+                <a:latin typeface="조선일보명조" panose="02030304000000000000" pitchFamily="18" charset="-127"/>
+                <a:ea typeface="조선일보명조" panose="02030304000000000000" pitchFamily="18" charset="-127"/>
+                <a:cs typeface="조선일보명조" panose="02030304000000000000" pitchFamily="18" charset="-127"/>
+              </a:rPr>
+              <a:t>3. T-SA:</a:t>
+            </a:r>
+            <a:r>
+              <a:rPr lang="en-US" altLang="ko-KR" sz="2400" b="1" dirty="0">
+                <a:solidFill>
+                  <a:sysClr val="windowText" lastClr="000000"/>
+                </a:solidFill>
+                <a:latin typeface="조선일보명조" panose="02030304000000000000" pitchFamily="18" charset="-127"/>
+                <a:ea typeface="조선일보명조" panose="02030304000000000000" pitchFamily="18" charset="-127"/>
+                <a:cs typeface="조선일보명조" panose="02030304000000000000" pitchFamily="18" charset="-127"/>
+              </a:rPr>
+              <a:t> Related Works</a:t>
+            </a:r>
+            <a:endParaRPr lang="en-US" altLang="ko-KR" sz="1000" b="1" dirty="0">
+              <a:solidFill>
+                <a:sysClr val="windowText" lastClr="000000"/>
+              </a:solidFill>
+              <a:latin typeface="조선일보명조" panose="02030304000000000000" pitchFamily="18" charset="-127"/>
+              <a:ea typeface="조선일보명조" panose="02030304000000000000" pitchFamily="18" charset="-127"/>
+              <a:cs typeface="조선일보명조" panose="02030304000000000000" pitchFamily="18" charset="-127"/>
+            </a:endParaRPr>
+          </a:p>
+          <a:p>
+            <a:r>
+              <a:rPr lang="en-US" altLang="ko-KR" sz="2400" b="1" dirty="0">
+                <a:solidFill>
+                  <a:sysClr val="windowText" lastClr="000000"/>
+                </a:solidFill>
+                <a:latin typeface="조선일보명조" panose="02030304000000000000" pitchFamily="18" charset="-127"/>
+                <a:ea typeface="조선일보명조" panose="02030304000000000000" pitchFamily="18" charset="-127"/>
+                <a:cs typeface="조선일보명조" panose="02030304000000000000" pitchFamily="18" charset="-127"/>
+              </a:rPr>
+              <a:t>  </a:t>
+            </a:r>
+            <a:r>
+              <a:rPr lang="en-US" altLang="ko-KR" sz="3200" b="1" dirty="0">
+                <a:solidFill>
+                  <a:sysClr val="windowText" lastClr="000000"/>
+                </a:solidFill>
+                <a:latin typeface="조선일보명조" panose="02030304000000000000" pitchFamily="18" charset="-127"/>
+                <a:ea typeface="조선일보명조" panose="02030304000000000000" pitchFamily="18" charset="-127"/>
+                <a:cs typeface="조선일보명조" panose="02030304000000000000" pitchFamily="18" charset="-127"/>
+              </a:rPr>
+              <a:t>4. T-SA:</a:t>
+            </a:r>
+            <a:r>
+              <a:rPr lang="en-US" altLang="ko-KR" sz="2400" b="1" dirty="0">
+                <a:solidFill>
+                  <a:sysClr val="windowText" lastClr="000000"/>
+                </a:solidFill>
+                <a:latin typeface="조선일보명조" panose="02030304000000000000" pitchFamily="18" charset="-127"/>
+                <a:ea typeface="조선일보명조" panose="02030304000000000000" pitchFamily="18" charset="-127"/>
+                <a:cs typeface="조선일보명조" panose="02030304000000000000" pitchFamily="18" charset="-127"/>
+              </a:rPr>
+              <a:t> Development Environment</a:t>
+            </a:r>
+            <a:endParaRPr lang="en-US" altLang="ko-KR" sz="1000" b="1" dirty="0">
+              <a:solidFill>
+                <a:sysClr val="windowText" lastClr="000000"/>
+              </a:solidFill>
+              <a:latin typeface="조선일보명조" panose="02030304000000000000" pitchFamily="18" charset="-127"/>
+              <a:ea typeface="조선일보명조" panose="02030304000000000000" pitchFamily="18" charset="-127"/>
+              <a:cs typeface="조선일보명조" panose="02030304000000000000" pitchFamily="18" charset="-127"/>
+            </a:endParaRPr>
+          </a:p>
+          <a:p>
+            <a:r>
+              <a:rPr lang="en-US" altLang="ko-KR" sz="2400" b="1" dirty="0">
+                <a:solidFill>
+                  <a:sysClr val="windowText" lastClr="000000"/>
+                </a:solidFill>
+                <a:latin typeface="조선일보명조" panose="02030304000000000000" pitchFamily="18" charset="-127"/>
+                <a:ea typeface="조선일보명조" panose="02030304000000000000" pitchFamily="18" charset="-127"/>
+                <a:cs typeface="조선일보명조" panose="02030304000000000000" pitchFamily="18" charset="-127"/>
+              </a:rPr>
+              <a:t>  </a:t>
+            </a:r>
+            <a:r>
+              <a:rPr lang="en-US" altLang="ko-KR" sz="3200" b="1" dirty="0">
+                <a:solidFill>
+                  <a:sysClr val="windowText" lastClr="000000"/>
+                </a:solidFill>
+                <a:latin typeface="조선일보명조" panose="02030304000000000000" pitchFamily="18" charset="-127"/>
+                <a:ea typeface="조선일보명조" panose="02030304000000000000" pitchFamily="18" charset="-127"/>
+                <a:cs typeface="조선일보명조" panose="02030304000000000000" pitchFamily="18" charset="-127"/>
+              </a:rPr>
+              <a:t>5. T-SA:</a:t>
+            </a:r>
+            <a:r>
+              <a:rPr lang="en-US" altLang="ko-KR" sz="2400" b="1" dirty="0">
+                <a:solidFill>
+                  <a:sysClr val="windowText" lastClr="000000"/>
+                </a:solidFill>
+                <a:latin typeface="조선일보명조" panose="02030304000000000000" pitchFamily="18" charset="-127"/>
+                <a:ea typeface="조선일보명조" panose="02030304000000000000" pitchFamily="18" charset="-127"/>
+                <a:cs typeface="조선일보명조" panose="02030304000000000000" pitchFamily="18" charset="-127"/>
+              </a:rPr>
+              <a:t> Program Flowchart</a:t>
+            </a:r>
+            <a:endParaRPr lang="en-US" altLang="ko-KR" sz="1000" b="1" dirty="0">
+              <a:solidFill>
+                <a:sysClr val="windowText" lastClr="000000"/>
+              </a:solidFill>
+              <a:latin typeface="조선일보명조" panose="02030304000000000000" pitchFamily="18" charset="-127"/>
+              <a:ea typeface="조선일보명조" panose="02030304000000000000" pitchFamily="18" charset="-127"/>
+              <a:cs typeface="조선일보명조" panose="02030304000000000000" pitchFamily="18" charset="-127"/>
+            </a:endParaRPr>
+          </a:p>
+          <a:p>
+            <a:r>
+              <a:rPr lang="en-US" altLang="ko-KR" sz="2400" b="1" dirty="0">
+                <a:solidFill>
+                  <a:sysClr val="windowText" lastClr="000000"/>
+                </a:solidFill>
+                <a:latin typeface="조선일보명조" panose="02030304000000000000" pitchFamily="18" charset="-127"/>
+                <a:ea typeface="조선일보명조" panose="02030304000000000000" pitchFamily="18" charset="-127"/>
+                <a:cs typeface="조선일보명조" panose="02030304000000000000" pitchFamily="18" charset="-127"/>
+              </a:rPr>
+              <a:t>  </a:t>
+            </a:r>
+            <a:r>
+              <a:rPr lang="en-US" altLang="ko-KR" sz="3200" b="1" dirty="0">
+                <a:solidFill>
+                  <a:sysClr val="windowText" lastClr="000000"/>
+                </a:solidFill>
+                <a:latin typeface="조선일보명조" panose="02030304000000000000" pitchFamily="18" charset="-127"/>
+                <a:ea typeface="조선일보명조" panose="02030304000000000000" pitchFamily="18" charset="-127"/>
+                <a:cs typeface="조선일보명조" panose="02030304000000000000" pitchFamily="18" charset="-127"/>
+              </a:rPr>
+              <a:t>6. T-SA:</a:t>
+            </a:r>
+            <a:r>
+              <a:rPr lang="en-US" altLang="ko-KR" sz="2400" b="1" dirty="0">
+                <a:solidFill>
+                  <a:sysClr val="windowText" lastClr="000000"/>
+                </a:solidFill>
+                <a:latin typeface="조선일보명조" panose="02030304000000000000" pitchFamily="18" charset="-127"/>
+                <a:ea typeface="조선일보명조" panose="02030304000000000000" pitchFamily="18" charset="-127"/>
+                <a:cs typeface="조선일보명조" panose="02030304000000000000" pitchFamily="18" charset="-127"/>
+              </a:rPr>
+              <a:t> Implementation</a:t>
+            </a:r>
+            <a:endParaRPr lang="en-US" altLang="ko-KR" sz="1000" b="1" dirty="0">
+              <a:solidFill>
+                <a:sysClr val="windowText" lastClr="000000"/>
+              </a:solidFill>
+              <a:latin typeface="조선일보명조" panose="02030304000000000000" pitchFamily="18" charset="-127"/>
+              <a:ea typeface="조선일보명조" panose="02030304000000000000" pitchFamily="18" charset="-127"/>
+              <a:cs typeface="조선일보명조" panose="02030304000000000000" pitchFamily="18" charset="-127"/>
+            </a:endParaRPr>
+          </a:p>
+          <a:p>
+            <a:r>
+              <a:rPr lang="en-US" altLang="ko-KR" sz="2400" b="1" dirty="0">
+                <a:solidFill>
+                  <a:sysClr val="windowText" lastClr="000000"/>
+                </a:solidFill>
+                <a:latin typeface="조선일보명조" panose="02030304000000000000" pitchFamily="18" charset="-127"/>
+                <a:ea typeface="조선일보명조" panose="02030304000000000000" pitchFamily="18" charset="-127"/>
+                <a:cs typeface="조선일보명조" panose="02030304000000000000" pitchFamily="18" charset="-127"/>
+              </a:rPr>
+              <a:t>  </a:t>
+            </a:r>
+            <a:r>
+              <a:rPr lang="en-US" altLang="ko-KR" sz="3200" b="1" dirty="0">
+                <a:solidFill>
+                  <a:sysClr val="windowText" lastClr="000000"/>
+                </a:solidFill>
+                <a:latin typeface="조선일보명조" panose="02030304000000000000" pitchFamily="18" charset="-127"/>
+                <a:ea typeface="조선일보명조" panose="02030304000000000000" pitchFamily="18" charset="-127"/>
+                <a:cs typeface="조선일보명조" panose="02030304000000000000" pitchFamily="18" charset="-127"/>
+              </a:rPr>
+              <a:t>7. T-SA:</a:t>
+            </a:r>
+            <a:r>
+              <a:rPr lang="en-US" altLang="ko-KR" sz="2400" b="1" dirty="0">
+                <a:solidFill>
+                  <a:sysClr val="windowText" lastClr="000000"/>
+                </a:solidFill>
+                <a:latin typeface="조선일보명조" panose="02030304000000000000" pitchFamily="18" charset="-127"/>
+                <a:ea typeface="조선일보명조" panose="02030304000000000000" pitchFamily="18" charset="-127"/>
+                <a:cs typeface="조선일보명조" panose="02030304000000000000" pitchFamily="18" charset="-127"/>
+              </a:rPr>
+              <a:t> Result</a:t>
+            </a:r>
+            <a:endParaRPr lang="en-US" altLang="ko-KR" sz="1000" b="1" dirty="0">
+              <a:solidFill>
+                <a:sysClr val="windowText" lastClr="000000"/>
+              </a:solidFill>
+              <a:latin typeface="조선일보명조" panose="02030304000000000000" pitchFamily="18" charset="-127"/>
+              <a:ea typeface="조선일보명조" panose="02030304000000000000" pitchFamily="18" charset="-127"/>
+              <a:cs typeface="조선일보명조" panose="02030304000000000000" pitchFamily="18" charset="-127"/>
+            </a:endParaRPr>
+          </a:p>
+          <a:p>
+            <a:r>
+              <a:rPr lang="en-US" altLang="ko-KR" sz="2400" b="1" dirty="0">
+                <a:solidFill>
+                  <a:sysClr val="windowText" lastClr="000000"/>
+                </a:solidFill>
+                <a:latin typeface="조선일보명조" panose="02030304000000000000" pitchFamily="18" charset="-127"/>
+                <a:ea typeface="조선일보명조" panose="02030304000000000000" pitchFamily="18" charset="-127"/>
+                <a:cs typeface="조선일보명조" panose="02030304000000000000" pitchFamily="18" charset="-127"/>
+              </a:rPr>
+              <a:t>  </a:t>
+            </a:r>
+            <a:r>
+              <a:rPr lang="en-US" altLang="ko-KR" sz="3200" b="1" dirty="0">
+                <a:solidFill>
+                  <a:sysClr val="windowText" lastClr="000000"/>
+                </a:solidFill>
+                <a:latin typeface="조선일보명조" panose="02030304000000000000" pitchFamily="18" charset="-127"/>
+                <a:ea typeface="조선일보명조" panose="02030304000000000000" pitchFamily="18" charset="-127"/>
+                <a:cs typeface="조선일보명조" panose="02030304000000000000" pitchFamily="18" charset="-127"/>
+              </a:rPr>
+              <a:t>8. T-SA:</a:t>
+            </a:r>
+            <a:r>
+              <a:rPr lang="en-US" altLang="ko-KR" sz="2400" b="1" dirty="0">
+                <a:solidFill>
+                  <a:sysClr val="windowText" lastClr="000000"/>
+                </a:solidFill>
+                <a:latin typeface="조선일보명조" panose="02030304000000000000" pitchFamily="18" charset="-127"/>
+                <a:ea typeface="조선일보명조" panose="02030304000000000000" pitchFamily="18" charset="-127"/>
+                <a:cs typeface="조선일보명조" panose="02030304000000000000" pitchFamily="18" charset="-127"/>
+              </a:rPr>
+              <a:t> Reference</a:t>
+            </a:r>
+            <a:endParaRPr lang="en-US" altLang="ko-KR" sz="1000" b="1" dirty="0">
+              <a:solidFill>
+                <a:sysClr val="windowText" lastClr="000000"/>
+              </a:solidFill>
+              <a:latin typeface="조선일보명조" panose="02030304000000000000" pitchFamily="18" charset="-127"/>
+              <a:ea typeface="조선일보명조" panose="02030304000000000000" pitchFamily="18" charset="-127"/>
+              <a:cs typeface="조선일보명조" panose="02030304000000000000" pitchFamily="18" charset="-127"/>
+            </a:endParaRPr>
+          </a:p>
+          <a:p>
+            <a:r>
+              <a:rPr lang="en-US" altLang="ko-KR" sz="2400" b="1" dirty="0">
+                <a:solidFill>
+                  <a:sysClr val="windowText" lastClr="000000"/>
+                </a:solidFill>
+                <a:latin typeface="조선일보명조" panose="02030304000000000000" pitchFamily="18" charset="-127"/>
+                <a:ea typeface="조선일보명조" panose="02030304000000000000" pitchFamily="18" charset="-127"/>
+                <a:cs typeface="조선일보명조" panose="02030304000000000000" pitchFamily="18" charset="-127"/>
+              </a:rPr>
+              <a:t>  </a:t>
+            </a:r>
+            <a:r>
+              <a:rPr lang="en-US" altLang="ko-KR" sz="3200" b="1" dirty="0">
+                <a:solidFill>
+                  <a:sysClr val="windowText" lastClr="000000"/>
+                </a:solidFill>
+                <a:latin typeface="조선일보명조" panose="02030304000000000000" pitchFamily="18" charset="-127"/>
+                <a:ea typeface="조선일보명조" panose="02030304000000000000" pitchFamily="18" charset="-127"/>
+                <a:cs typeface="조선일보명조" panose="02030304000000000000" pitchFamily="18" charset="-127"/>
+              </a:rPr>
+              <a:t>9. T-SA:</a:t>
+            </a:r>
+            <a:r>
+              <a:rPr lang="en-US" altLang="ko-KR" sz="2400" b="1" dirty="0">
+                <a:solidFill>
+                  <a:sysClr val="windowText" lastClr="000000"/>
+                </a:solidFill>
+                <a:latin typeface="조선일보명조" panose="02030304000000000000" pitchFamily="18" charset="-127"/>
+                <a:ea typeface="조선일보명조" panose="02030304000000000000" pitchFamily="18" charset="-127"/>
+                <a:cs typeface="조선일보명조" panose="02030304000000000000" pitchFamily="18" charset="-127"/>
+              </a:rPr>
+              <a:t> Impression</a:t>
+            </a:r>
+          </a:p>
+          <a:p>
+            <a:r>
+              <a:rPr lang="en-US" altLang="ko-KR" sz="1000" b="1" dirty="0">
+                <a:solidFill>
+                  <a:sysClr val="windowText" lastClr="000000"/>
+                </a:solidFill>
+                <a:latin typeface="조선일보명조" panose="02030304000000000000" pitchFamily="18" charset="-127"/>
+                <a:ea typeface="조선일보명조" panose="02030304000000000000" pitchFamily="18" charset="-127"/>
+                <a:cs typeface="조선일보명조" panose="02030304000000000000" pitchFamily="18" charset="-127"/>
+              </a:rPr>
+              <a:t> </a:t>
+            </a:r>
+          </a:p>
+        </p:txBody>
+      </p:sp>
+      <p:sp>
+        <p:nvSpPr>
+          <p:cNvPr id="91" name="TextBox 90">
+            <a:extLst>
+              <a:ext uri="{FF2B5EF4-FFF2-40B4-BE49-F238E27FC236}">
+                <a16:creationId xmlns:a16="http://schemas.microsoft.com/office/drawing/2014/main" id="{88E709A0-853A-4DCC-908E-0927D452C587}"/>
+              </a:ext>
+            </a:extLst>
+          </p:cNvPr>
+          <p:cNvSpPr txBox="1"/>
+          <p:nvPr/>
+        </p:nvSpPr>
+        <p:spPr>
+          <a:xfrm>
+            <a:off x="475129" y="916859"/>
+            <a:ext cx="4379725" cy="323165"/>
+          </a:xfrm>
+          <a:prstGeom prst="rect">
+            <a:avLst/>
+          </a:prstGeom>
+          <a:noFill/>
+        </p:spPr>
+        <p:txBody>
+          <a:bodyPr wrap="none" rtlCol="0">
+            <a:spAutoFit/>
+          </a:bodyPr>
+          <a:lstStyle/>
+          <a:p>
+            <a:pPr algn="ctr"/>
+            <a:r>
+              <a:rPr lang="en-US" altLang="ko-KR" sz="1500" dirty="0">
+                <a:solidFill>
+                  <a:schemeClr val="bg1">
+                    <a:lumMod val="65000"/>
+                  </a:schemeClr>
+                </a:solidFill>
+                <a:latin typeface="나눔바른고딕" panose="020B0603020101020101" pitchFamily="50" charset="-127"/>
+                <a:ea typeface="나눔바른고딕" panose="020B0603020101020101" pitchFamily="50" charset="-127"/>
+                <a:cs typeface="조선일보명조" panose="02030304000000000000" pitchFamily="18" charset="-127"/>
+              </a:rPr>
+              <a:t>Twitter</a:t>
+            </a:r>
+            <a:r>
+              <a:rPr lang="en-US" altLang="ko-KR" sz="1500" dirty="0">
+                <a:solidFill>
+                  <a:schemeClr val="bg1">
+                    <a:lumMod val="65000"/>
+                  </a:schemeClr>
+                </a:solidFill>
+                <a:latin typeface="조선일보명조" panose="02030304000000000000" pitchFamily="18" charset="-127"/>
+                <a:ea typeface="조선일보명조" panose="02030304000000000000" pitchFamily="18" charset="-127"/>
+                <a:cs typeface="조선일보명조" panose="02030304000000000000" pitchFamily="18" charset="-127"/>
+              </a:rPr>
+              <a:t> Keyword Search API based Tweet Analysis</a:t>
+            </a:r>
+          </a:p>
+        </p:txBody>
+      </p:sp>
+      <p:sp>
+        <p:nvSpPr>
+          <p:cNvPr id="4" name="직사각형 3">
+            <a:extLst>
+              <a:ext uri="{FF2B5EF4-FFF2-40B4-BE49-F238E27FC236}">
+                <a16:creationId xmlns:a16="http://schemas.microsoft.com/office/drawing/2014/main" id="{C6884EF8-13B8-4906-AFA1-F7D11047E8A5}"/>
+              </a:ext>
+            </a:extLst>
+          </p:cNvPr>
+          <p:cNvSpPr/>
+          <p:nvPr/>
+        </p:nvSpPr>
+        <p:spPr>
+          <a:xfrm>
+            <a:off x="349623" y="432111"/>
+            <a:ext cx="125506" cy="807913"/>
+          </a:xfrm>
+          <a:prstGeom prst="rect">
+            <a:avLst/>
+          </a:prstGeom>
+          <a:solidFill>
+            <a:srgbClr val="C00000"/>
+          </a:solidFill>
+          <a:ln>
+            <a:noFill/>
+          </a:ln>
+        </p:spPr>
+        <p:style>
+          <a:lnRef idx="2">
+            <a:schemeClr val="accent1">
+              <a:shade val="50000"/>
+            </a:schemeClr>
+          </a:lnRef>
+          <a:fillRef idx="1">
+            <a:schemeClr val="accent1"/>
+          </a:fillRef>
+          <a:effectRef idx="0">
+            <a:schemeClr val="accent1"/>
+          </a:effectRef>
+          <a:fontRef idx="minor">
+            <a:schemeClr val="lt1"/>
+          </a:fontRef>
+        </p:style>
+        <p:txBody>
+          <a:bodyPr rtlCol="0" anchor="ctr"/>
+          <a:lstStyle/>
+          <a:p>
+            <a:pPr algn="ctr"/>
+            <a:endParaRPr lang="ko-KR" altLang="en-US"/>
+          </a:p>
+        </p:txBody>
+      </p:sp>
+      <p:sp>
+        <p:nvSpPr>
+          <p:cNvPr id="6" name="직사각형 5">
+            <a:extLst>
+              <a:ext uri="{FF2B5EF4-FFF2-40B4-BE49-F238E27FC236}">
+                <a16:creationId xmlns:a16="http://schemas.microsoft.com/office/drawing/2014/main" id="{B2E0AF2E-A9E8-4669-AA0E-A190B65FCAD7}"/>
+              </a:ext>
+            </a:extLst>
+          </p:cNvPr>
+          <p:cNvSpPr/>
+          <p:nvPr/>
+        </p:nvSpPr>
+        <p:spPr>
+          <a:xfrm>
+            <a:off x="475129" y="333862"/>
+            <a:ext cx="2696572" cy="646331"/>
+          </a:xfrm>
+          <a:prstGeom prst="rect">
+            <a:avLst/>
+          </a:prstGeom>
+        </p:spPr>
+        <p:txBody>
+          <a:bodyPr wrap="none">
+            <a:spAutoFit/>
+          </a:bodyPr>
+          <a:lstStyle/>
+          <a:p>
+            <a:r>
+              <a:rPr lang="en-US" altLang="ko-KR" sz="3600" b="1" dirty="0">
+                <a:latin typeface="조선일보명조" panose="02030304000000000000" pitchFamily="18" charset="-127"/>
+                <a:ea typeface="조선일보명조" panose="02030304000000000000" pitchFamily="18" charset="-127"/>
+                <a:cs typeface="조선일보명조" panose="02030304000000000000" pitchFamily="18" charset="-127"/>
+              </a:rPr>
+              <a:t>T-SA:</a:t>
+            </a:r>
+            <a:r>
+              <a:rPr lang="en-US" altLang="ko-KR" sz="2800" b="1" dirty="0">
+                <a:latin typeface="조선일보명조" panose="02030304000000000000" pitchFamily="18" charset="-127"/>
+                <a:ea typeface="조선일보명조" panose="02030304000000000000" pitchFamily="18" charset="-127"/>
+                <a:cs typeface="조선일보명조" panose="02030304000000000000" pitchFamily="18" charset="-127"/>
+              </a:rPr>
+              <a:t> </a:t>
+            </a:r>
+            <a:r>
+              <a:rPr lang="en-US" altLang="ko-KR" sz="2400" b="1" dirty="0">
+                <a:latin typeface="조선일보명조" panose="02030304000000000000" pitchFamily="18" charset="-127"/>
+                <a:ea typeface="조선일보명조" panose="02030304000000000000" pitchFamily="18" charset="-127"/>
+                <a:cs typeface="조선일보명조" panose="02030304000000000000" pitchFamily="18" charset="-127"/>
+              </a:rPr>
+              <a:t>Contents</a:t>
+            </a:r>
+            <a:endParaRPr lang="ko-KR" altLang="en-US" sz="2400" b="1" dirty="0">
+              <a:latin typeface="조선일보명조" panose="02030304000000000000" pitchFamily="18" charset="-127"/>
+              <a:ea typeface="조선일보명조" panose="02030304000000000000" pitchFamily="18" charset="-127"/>
+              <a:cs typeface="조선일보명조" panose="02030304000000000000" pitchFamily="18" charset="-127"/>
+            </a:endParaRPr>
+          </a:p>
+        </p:txBody>
+      </p:sp>
+    </p:spTree>
+    <p:extLst>
+      <p:ext uri="{BB962C8B-B14F-4D97-AF65-F5344CB8AC3E}">
+        <p14:creationId xmlns:p14="http://schemas.microsoft.com/office/powerpoint/2010/main" val="3112992047"/>
+      </p:ext>
+    </p:extLst>
+  </p:cSld>
+  <p:clrMapOvr>
+    <a:masterClrMapping/>
+  </p:clrMapOvr>
+</p:sld>
+</file>
+
+<file path=ppt/slides/slide20.xml><?xml version="1.0" encoding="utf-8"?>
 <p:sld xmlns:a="http://schemas.openxmlformats.org/drawingml/2006/main" xmlns:r="http://schemas.openxmlformats.org/officeDocument/2006/relationships" xmlns:p="http://schemas.openxmlformats.org/presentationml/2006/main">
   <p:cSld>
     <p:spTree>
@@ -18996,626 +20578,7 @@
 </p:sld>
 </file>
 
-<file path=ppt/slides/slide2.xml><?xml version="1.0" encoding="utf-8"?>
-<p:sld xmlns:a="http://schemas.openxmlformats.org/drawingml/2006/main" xmlns:r="http://schemas.openxmlformats.org/officeDocument/2006/relationships" xmlns:p="http://schemas.openxmlformats.org/presentationml/2006/main">
-  <p:cSld>
-    <p:spTree>
-      <p:nvGrpSpPr>
-        <p:cNvPr id="1" name=""/>
-        <p:cNvGrpSpPr/>
-        <p:nvPr/>
-      </p:nvGrpSpPr>
-      <p:grpSpPr>
-        <a:xfrm>
-          <a:off x="0" y="0"/>
-          <a:ext cx="0" cy="0"/>
-          <a:chOff x="0" y="0"/>
-          <a:chExt cx="0" cy="0"/>
-        </a:xfrm>
-      </p:grpSpPr>
-      <p:sp>
-        <p:nvSpPr>
-          <p:cNvPr id="3" name="직사각형 2">
-            <a:extLst>
-              <a:ext uri="{FF2B5EF4-FFF2-40B4-BE49-F238E27FC236}">
-                <a16:creationId xmlns:a16="http://schemas.microsoft.com/office/drawing/2014/main" id="{F07A5010-5379-4186-90C6-5C796160708A}"/>
-              </a:ext>
-            </a:extLst>
-          </p:cNvPr>
-          <p:cNvSpPr/>
-          <p:nvPr/>
-        </p:nvSpPr>
-        <p:spPr>
-          <a:xfrm>
-            <a:off x="349623" y="1445433"/>
-            <a:ext cx="6096000" cy="4678204"/>
-          </a:xfrm>
-          <a:prstGeom prst="rect">
-            <a:avLst/>
-          </a:prstGeom>
-        </p:spPr>
-        <p:txBody>
-          <a:bodyPr>
-            <a:spAutoFit/>
-          </a:bodyPr>
-          <a:lstStyle/>
-          <a:p>
-            <a:r>
-              <a:rPr lang="en-US" altLang="ko-KR" sz="2400" b="1" dirty="0">
-                <a:solidFill>
-                  <a:sysClr val="windowText" lastClr="000000"/>
-                </a:solidFill>
-                <a:latin typeface="조선일보명조" panose="02030304000000000000" pitchFamily="18" charset="-127"/>
-                <a:ea typeface="조선일보명조" panose="02030304000000000000" pitchFamily="18" charset="-127"/>
-                <a:cs typeface="조선일보명조" panose="02030304000000000000" pitchFamily="18" charset="-127"/>
-              </a:rPr>
-              <a:t>  </a:t>
-            </a:r>
-            <a:r>
-              <a:rPr lang="en-US" altLang="ko-KR" sz="3200" b="1" dirty="0">
-                <a:solidFill>
-                  <a:sysClr val="windowText" lastClr="000000"/>
-                </a:solidFill>
-                <a:latin typeface="조선일보명조" panose="02030304000000000000" pitchFamily="18" charset="-127"/>
-                <a:ea typeface="조선일보명조" panose="02030304000000000000" pitchFamily="18" charset="-127"/>
-                <a:cs typeface="조선일보명조" panose="02030304000000000000" pitchFamily="18" charset="-127"/>
-              </a:rPr>
-              <a:t>1. T-SA:</a:t>
-            </a:r>
-            <a:r>
-              <a:rPr lang="en-US" altLang="ko-KR" sz="2400" b="1" dirty="0">
-                <a:solidFill>
-                  <a:sysClr val="windowText" lastClr="000000"/>
-                </a:solidFill>
-                <a:latin typeface="조선일보명조" panose="02030304000000000000" pitchFamily="18" charset="-127"/>
-                <a:ea typeface="조선일보명조" panose="02030304000000000000" pitchFamily="18" charset="-127"/>
-                <a:cs typeface="조선일보명조" panose="02030304000000000000" pitchFamily="18" charset="-127"/>
-              </a:rPr>
-              <a:t> Team Introduction</a:t>
-            </a:r>
-            <a:endParaRPr lang="ko-KR" altLang="en-US" sz="1000" b="1" dirty="0">
-              <a:solidFill>
-                <a:sysClr val="windowText" lastClr="000000"/>
-              </a:solidFill>
-              <a:latin typeface="조선일보명조" panose="02030304000000000000" pitchFamily="18" charset="-127"/>
-              <a:ea typeface="조선일보명조" panose="02030304000000000000" pitchFamily="18" charset="-127"/>
-              <a:cs typeface="조선일보명조" panose="02030304000000000000" pitchFamily="18" charset="-127"/>
-            </a:endParaRPr>
-          </a:p>
-          <a:p>
-            <a:r>
-              <a:rPr lang="en-US" altLang="ko-KR" sz="2400" b="1" dirty="0">
-                <a:solidFill>
-                  <a:sysClr val="windowText" lastClr="000000"/>
-                </a:solidFill>
-                <a:latin typeface="조선일보명조" panose="02030304000000000000" pitchFamily="18" charset="-127"/>
-                <a:ea typeface="조선일보명조" panose="02030304000000000000" pitchFamily="18" charset="-127"/>
-                <a:cs typeface="조선일보명조" panose="02030304000000000000" pitchFamily="18" charset="-127"/>
-              </a:rPr>
-              <a:t>  </a:t>
-            </a:r>
-            <a:r>
-              <a:rPr lang="en-US" altLang="ko-KR" sz="3200" b="1" dirty="0">
-                <a:solidFill>
-                  <a:sysClr val="windowText" lastClr="000000"/>
-                </a:solidFill>
-                <a:latin typeface="조선일보명조" panose="02030304000000000000" pitchFamily="18" charset="-127"/>
-                <a:ea typeface="조선일보명조" panose="02030304000000000000" pitchFamily="18" charset="-127"/>
-                <a:cs typeface="조선일보명조" panose="02030304000000000000" pitchFamily="18" charset="-127"/>
-              </a:rPr>
-              <a:t>2. T-SA:</a:t>
-            </a:r>
-            <a:r>
-              <a:rPr lang="en-US" altLang="ko-KR" sz="2400" b="1" dirty="0">
-                <a:solidFill>
-                  <a:sysClr val="windowText" lastClr="000000"/>
-                </a:solidFill>
-                <a:latin typeface="조선일보명조" panose="02030304000000000000" pitchFamily="18" charset="-127"/>
-                <a:ea typeface="조선일보명조" panose="02030304000000000000" pitchFamily="18" charset="-127"/>
-                <a:cs typeface="조선일보명조" panose="02030304000000000000" pitchFamily="18" charset="-127"/>
-              </a:rPr>
-              <a:t> Purpose of Development</a:t>
-            </a:r>
-            <a:endParaRPr lang="ko-KR" altLang="en-US" sz="1000" b="1" dirty="0">
-              <a:solidFill>
-                <a:sysClr val="windowText" lastClr="000000"/>
-              </a:solidFill>
-              <a:latin typeface="조선일보명조" panose="02030304000000000000" pitchFamily="18" charset="-127"/>
-              <a:ea typeface="조선일보명조" panose="02030304000000000000" pitchFamily="18" charset="-127"/>
-              <a:cs typeface="조선일보명조" panose="02030304000000000000" pitchFamily="18" charset="-127"/>
-            </a:endParaRPr>
-          </a:p>
-          <a:p>
-            <a:r>
-              <a:rPr lang="en-US" altLang="ko-KR" sz="2400" b="1" dirty="0">
-                <a:solidFill>
-                  <a:sysClr val="windowText" lastClr="000000"/>
-                </a:solidFill>
-                <a:latin typeface="조선일보명조" panose="02030304000000000000" pitchFamily="18" charset="-127"/>
-                <a:ea typeface="조선일보명조" panose="02030304000000000000" pitchFamily="18" charset="-127"/>
-                <a:cs typeface="조선일보명조" panose="02030304000000000000" pitchFamily="18" charset="-127"/>
-              </a:rPr>
-              <a:t>  </a:t>
-            </a:r>
-            <a:r>
-              <a:rPr lang="en-US" altLang="ko-KR" sz="3200" b="1" dirty="0">
-                <a:solidFill>
-                  <a:sysClr val="windowText" lastClr="000000"/>
-                </a:solidFill>
-                <a:latin typeface="조선일보명조" panose="02030304000000000000" pitchFamily="18" charset="-127"/>
-                <a:ea typeface="조선일보명조" panose="02030304000000000000" pitchFamily="18" charset="-127"/>
-                <a:cs typeface="조선일보명조" panose="02030304000000000000" pitchFamily="18" charset="-127"/>
-              </a:rPr>
-              <a:t>3. T-SA:</a:t>
-            </a:r>
-            <a:r>
-              <a:rPr lang="en-US" altLang="ko-KR" sz="2400" b="1" dirty="0">
-                <a:solidFill>
-                  <a:sysClr val="windowText" lastClr="000000"/>
-                </a:solidFill>
-                <a:latin typeface="조선일보명조" panose="02030304000000000000" pitchFamily="18" charset="-127"/>
-                <a:ea typeface="조선일보명조" panose="02030304000000000000" pitchFamily="18" charset="-127"/>
-                <a:cs typeface="조선일보명조" panose="02030304000000000000" pitchFamily="18" charset="-127"/>
-              </a:rPr>
-              <a:t> Related Works</a:t>
-            </a:r>
-            <a:endParaRPr lang="en-US" altLang="ko-KR" sz="1000" b="1" dirty="0">
-              <a:solidFill>
-                <a:sysClr val="windowText" lastClr="000000"/>
-              </a:solidFill>
-              <a:latin typeface="조선일보명조" panose="02030304000000000000" pitchFamily="18" charset="-127"/>
-              <a:ea typeface="조선일보명조" panose="02030304000000000000" pitchFamily="18" charset="-127"/>
-              <a:cs typeface="조선일보명조" panose="02030304000000000000" pitchFamily="18" charset="-127"/>
-            </a:endParaRPr>
-          </a:p>
-          <a:p>
-            <a:r>
-              <a:rPr lang="en-US" altLang="ko-KR" sz="2400" b="1" dirty="0">
-                <a:solidFill>
-                  <a:sysClr val="windowText" lastClr="000000"/>
-                </a:solidFill>
-                <a:latin typeface="조선일보명조" panose="02030304000000000000" pitchFamily="18" charset="-127"/>
-                <a:ea typeface="조선일보명조" panose="02030304000000000000" pitchFamily="18" charset="-127"/>
-                <a:cs typeface="조선일보명조" panose="02030304000000000000" pitchFamily="18" charset="-127"/>
-              </a:rPr>
-              <a:t>  </a:t>
-            </a:r>
-            <a:r>
-              <a:rPr lang="en-US" altLang="ko-KR" sz="3200" b="1" dirty="0">
-                <a:solidFill>
-                  <a:sysClr val="windowText" lastClr="000000"/>
-                </a:solidFill>
-                <a:latin typeface="조선일보명조" panose="02030304000000000000" pitchFamily="18" charset="-127"/>
-                <a:ea typeface="조선일보명조" panose="02030304000000000000" pitchFamily="18" charset="-127"/>
-                <a:cs typeface="조선일보명조" panose="02030304000000000000" pitchFamily="18" charset="-127"/>
-              </a:rPr>
-              <a:t>4. T-SA:</a:t>
-            </a:r>
-            <a:r>
-              <a:rPr lang="en-US" altLang="ko-KR" sz="2400" b="1" dirty="0">
-                <a:solidFill>
-                  <a:sysClr val="windowText" lastClr="000000"/>
-                </a:solidFill>
-                <a:latin typeface="조선일보명조" panose="02030304000000000000" pitchFamily="18" charset="-127"/>
-                <a:ea typeface="조선일보명조" panose="02030304000000000000" pitchFamily="18" charset="-127"/>
-                <a:cs typeface="조선일보명조" panose="02030304000000000000" pitchFamily="18" charset="-127"/>
-              </a:rPr>
-              <a:t> Development Environment</a:t>
-            </a:r>
-            <a:endParaRPr lang="en-US" altLang="ko-KR" sz="1000" b="1" dirty="0">
-              <a:solidFill>
-                <a:sysClr val="windowText" lastClr="000000"/>
-              </a:solidFill>
-              <a:latin typeface="조선일보명조" panose="02030304000000000000" pitchFamily="18" charset="-127"/>
-              <a:ea typeface="조선일보명조" panose="02030304000000000000" pitchFamily="18" charset="-127"/>
-              <a:cs typeface="조선일보명조" panose="02030304000000000000" pitchFamily="18" charset="-127"/>
-            </a:endParaRPr>
-          </a:p>
-          <a:p>
-            <a:r>
-              <a:rPr lang="en-US" altLang="ko-KR" sz="2400" b="1" dirty="0">
-                <a:solidFill>
-                  <a:sysClr val="windowText" lastClr="000000"/>
-                </a:solidFill>
-                <a:latin typeface="조선일보명조" panose="02030304000000000000" pitchFamily="18" charset="-127"/>
-                <a:ea typeface="조선일보명조" panose="02030304000000000000" pitchFamily="18" charset="-127"/>
-                <a:cs typeface="조선일보명조" panose="02030304000000000000" pitchFamily="18" charset="-127"/>
-              </a:rPr>
-              <a:t>  </a:t>
-            </a:r>
-            <a:r>
-              <a:rPr lang="en-US" altLang="ko-KR" sz="3200" b="1" dirty="0">
-                <a:solidFill>
-                  <a:sysClr val="windowText" lastClr="000000"/>
-                </a:solidFill>
-                <a:latin typeface="조선일보명조" panose="02030304000000000000" pitchFamily="18" charset="-127"/>
-                <a:ea typeface="조선일보명조" panose="02030304000000000000" pitchFamily="18" charset="-127"/>
-                <a:cs typeface="조선일보명조" panose="02030304000000000000" pitchFamily="18" charset="-127"/>
-              </a:rPr>
-              <a:t>5. T-SA:</a:t>
-            </a:r>
-            <a:r>
-              <a:rPr lang="en-US" altLang="ko-KR" sz="2400" b="1" dirty="0">
-                <a:solidFill>
-                  <a:sysClr val="windowText" lastClr="000000"/>
-                </a:solidFill>
-                <a:latin typeface="조선일보명조" panose="02030304000000000000" pitchFamily="18" charset="-127"/>
-                <a:ea typeface="조선일보명조" panose="02030304000000000000" pitchFamily="18" charset="-127"/>
-                <a:cs typeface="조선일보명조" panose="02030304000000000000" pitchFamily="18" charset="-127"/>
-              </a:rPr>
-              <a:t> Program Flowchart</a:t>
-            </a:r>
-            <a:endParaRPr lang="en-US" altLang="ko-KR" sz="1000" b="1" dirty="0">
-              <a:solidFill>
-                <a:sysClr val="windowText" lastClr="000000"/>
-              </a:solidFill>
-              <a:latin typeface="조선일보명조" panose="02030304000000000000" pitchFamily="18" charset="-127"/>
-              <a:ea typeface="조선일보명조" panose="02030304000000000000" pitchFamily="18" charset="-127"/>
-              <a:cs typeface="조선일보명조" panose="02030304000000000000" pitchFamily="18" charset="-127"/>
-            </a:endParaRPr>
-          </a:p>
-          <a:p>
-            <a:r>
-              <a:rPr lang="en-US" altLang="ko-KR" sz="2400" b="1" dirty="0">
-                <a:solidFill>
-                  <a:sysClr val="windowText" lastClr="000000"/>
-                </a:solidFill>
-                <a:latin typeface="조선일보명조" panose="02030304000000000000" pitchFamily="18" charset="-127"/>
-                <a:ea typeface="조선일보명조" panose="02030304000000000000" pitchFamily="18" charset="-127"/>
-                <a:cs typeface="조선일보명조" panose="02030304000000000000" pitchFamily="18" charset="-127"/>
-              </a:rPr>
-              <a:t>  </a:t>
-            </a:r>
-            <a:r>
-              <a:rPr lang="en-US" altLang="ko-KR" sz="3200" b="1" dirty="0">
-                <a:solidFill>
-                  <a:sysClr val="windowText" lastClr="000000"/>
-                </a:solidFill>
-                <a:latin typeface="조선일보명조" panose="02030304000000000000" pitchFamily="18" charset="-127"/>
-                <a:ea typeface="조선일보명조" panose="02030304000000000000" pitchFamily="18" charset="-127"/>
-                <a:cs typeface="조선일보명조" panose="02030304000000000000" pitchFamily="18" charset="-127"/>
-              </a:rPr>
-              <a:t>6. T-SA:</a:t>
-            </a:r>
-            <a:r>
-              <a:rPr lang="en-US" altLang="ko-KR" sz="2400" b="1" dirty="0">
-                <a:solidFill>
-                  <a:sysClr val="windowText" lastClr="000000"/>
-                </a:solidFill>
-                <a:latin typeface="조선일보명조" panose="02030304000000000000" pitchFamily="18" charset="-127"/>
-                <a:ea typeface="조선일보명조" panose="02030304000000000000" pitchFamily="18" charset="-127"/>
-                <a:cs typeface="조선일보명조" panose="02030304000000000000" pitchFamily="18" charset="-127"/>
-              </a:rPr>
-              <a:t> Implementation</a:t>
-            </a:r>
-            <a:endParaRPr lang="en-US" altLang="ko-KR" sz="1000" b="1" dirty="0">
-              <a:solidFill>
-                <a:sysClr val="windowText" lastClr="000000"/>
-              </a:solidFill>
-              <a:latin typeface="조선일보명조" panose="02030304000000000000" pitchFamily="18" charset="-127"/>
-              <a:ea typeface="조선일보명조" panose="02030304000000000000" pitchFamily="18" charset="-127"/>
-              <a:cs typeface="조선일보명조" panose="02030304000000000000" pitchFamily="18" charset="-127"/>
-            </a:endParaRPr>
-          </a:p>
-          <a:p>
-            <a:r>
-              <a:rPr lang="en-US" altLang="ko-KR" sz="2400" b="1" dirty="0">
-                <a:solidFill>
-                  <a:sysClr val="windowText" lastClr="000000"/>
-                </a:solidFill>
-                <a:latin typeface="조선일보명조" panose="02030304000000000000" pitchFamily="18" charset="-127"/>
-                <a:ea typeface="조선일보명조" panose="02030304000000000000" pitchFamily="18" charset="-127"/>
-                <a:cs typeface="조선일보명조" panose="02030304000000000000" pitchFamily="18" charset="-127"/>
-              </a:rPr>
-              <a:t>  </a:t>
-            </a:r>
-            <a:r>
-              <a:rPr lang="en-US" altLang="ko-KR" sz="3200" b="1" dirty="0">
-                <a:solidFill>
-                  <a:sysClr val="windowText" lastClr="000000"/>
-                </a:solidFill>
-                <a:latin typeface="조선일보명조" panose="02030304000000000000" pitchFamily="18" charset="-127"/>
-                <a:ea typeface="조선일보명조" panose="02030304000000000000" pitchFamily="18" charset="-127"/>
-                <a:cs typeface="조선일보명조" panose="02030304000000000000" pitchFamily="18" charset="-127"/>
-              </a:rPr>
-              <a:t>7. T-SA:</a:t>
-            </a:r>
-            <a:r>
-              <a:rPr lang="en-US" altLang="ko-KR" sz="2400" b="1" dirty="0">
-                <a:solidFill>
-                  <a:sysClr val="windowText" lastClr="000000"/>
-                </a:solidFill>
-                <a:latin typeface="조선일보명조" panose="02030304000000000000" pitchFamily="18" charset="-127"/>
-                <a:ea typeface="조선일보명조" panose="02030304000000000000" pitchFamily="18" charset="-127"/>
-                <a:cs typeface="조선일보명조" panose="02030304000000000000" pitchFamily="18" charset="-127"/>
-              </a:rPr>
-              <a:t> Result</a:t>
-            </a:r>
-            <a:endParaRPr lang="en-US" altLang="ko-KR" sz="1000" b="1" dirty="0">
-              <a:solidFill>
-                <a:sysClr val="windowText" lastClr="000000"/>
-              </a:solidFill>
-              <a:latin typeface="조선일보명조" panose="02030304000000000000" pitchFamily="18" charset="-127"/>
-              <a:ea typeface="조선일보명조" panose="02030304000000000000" pitchFamily="18" charset="-127"/>
-              <a:cs typeface="조선일보명조" panose="02030304000000000000" pitchFamily="18" charset="-127"/>
-            </a:endParaRPr>
-          </a:p>
-          <a:p>
-            <a:r>
-              <a:rPr lang="en-US" altLang="ko-KR" sz="2400" b="1" dirty="0">
-                <a:solidFill>
-                  <a:sysClr val="windowText" lastClr="000000"/>
-                </a:solidFill>
-                <a:latin typeface="조선일보명조" panose="02030304000000000000" pitchFamily="18" charset="-127"/>
-                <a:ea typeface="조선일보명조" panose="02030304000000000000" pitchFamily="18" charset="-127"/>
-                <a:cs typeface="조선일보명조" panose="02030304000000000000" pitchFamily="18" charset="-127"/>
-              </a:rPr>
-              <a:t>  </a:t>
-            </a:r>
-            <a:r>
-              <a:rPr lang="en-US" altLang="ko-KR" sz="3200" b="1" dirty="0">
-                <a:solidFill>
-                  <a:sysClr val="windowText" lastClr="000000"/>
-                </a:solidFill>
-                <a:latin typeface="조선일보명조" panose="02030304000000000000" pitchFamily="18" charset="-127"/>
-                <a:ea typeface="조선일보명조" panose="02030304000000000000" pitchFamily="18" charset="-127"/>
-                <a:cs typeface="조선일보명조" panose="02030304000000000000" pitchFamily="18" charset="-127"/>
-              </a:rPr>
-              <a:t>8. T-SA:</a:t>
-            </a:r>
-            <a:r>
-              <a:rPr lang="en-US" altLang="ko-KR" sz="2400" b="1" dirty="0">
-                <a:solidFill>
-                  <a:sysClr val="windowText" lastClr="000000"/>
-                </a:solidFill>
-                <a:latin typeface="조선일보명조" panose="02030304000000000000" pitchFamily="18" charset="-127"/>
-                <a:ea typeface="조선일보명조" panose="02030304000000000000" pitchFamily="18" charset="-127"/>
-                <a:cs typeface="조선일보명조" panose="02030304000000000000" pitchFamily="18" charset="-127"/>
-              </a:rPr>
-              <a:t> Reference</a:t>
-            </a:r>
-            <a:endParaRPr lang="en-US" altLang="ko-KR" sz="1000" b="1" dirty="0">
-              <a:solidFill>
-                <a:sysClr val="windowText" lastClr="000000"/>
-              </a:solidFill>
-              <a:latin typeface="조선일보명조" panose="02030304000000000000" pitchFamily="18" charset="-127"/>
-              <a:ea typeface="조선일보명조" panose="02030304000000000000" pitchFamily="18" charset="-127"/>
-              <a:cs typeface="조선일보명조" panose="02030304000000000000" pitchFamily="18" charset="-127"/>
-            </a:endParaRPr>
-          </a:p>
-          <a:p>
-            <a:r>
-              <a:rPr lang="en-US" altLang="ko-KR" sz="2400" b="1" dirty="0">
-                <a:solidFill>
-                  <a:sysClr val="windowText" lastClr="000000"/>
-                </a:solidFill>
-                <a:latin typeface="조선일보명조" panose="02030304000000000000" pitchFamily="18" charset="-127"/>
-                <a:ea typeface="조선일보명조" panose="02030304000000000000" pitchFamily="18" charset="-127"/>
-                <a:cs typeface="조선일보명조" panose="02030304000000000000" pitchFamily="18" charset="-127"/>
-              </a:rPr>
-              <a:t>  </a:t>
-            </a:r>
-            <a:r>
-              <a:rPr lang="en-US" altLang="ko-KR" sz="3200" b="1" dirty="0">
-                <a:solidFill>
-                  <a:sysClr val="windowText" lastClr="000000"/>
-                </a:solidFill>
-                <a:latin typeface="조선일보명조" panose="02030304000000000000" pitchFamily="18" charset="-127"/>
-                <a:ea typeface="조선일보명조" panose="02030304000000000000" pitchFamily="18" charset="-127"/>
-                <a:cs typeface="조선일보명조" panose="02030304000000000000" pitchFamily="18" charset="-127"/>
-              </a:rPr>
-              <a:t>9. T-SA:</a:t>
-            </a:r>
-            <a:r>
-              <a:rPr lang="en-US" altLang="ko-KR" sz="2400" b="1" dirty="0">
-                <a:solidFill>
-                  <a:sysClr val="windowText" lastClr="000000"/>
-                </a:solidFill>
-                <a:latin typeface="조선일보명조" panose="02030304000000000000" pitchFamily="18" charset="-127"/>
-                <a:ea typeface="조선일보명조" panose="02030304000000000000" pitchFamily="18" charset="-127"/>
-                <a:cs typeface="조선일보명조" panose="02030304000000000000" pitchFamily="18" charset="-127"/>
-              </a:rPr>
-              <a:t> Impression</a:t>
-            </a:r>
-          </a:p>
-          <a:p>
-            <a:r>
-              <a:rPr lang="en-US" altLang="ko-KR" sz="1000" b="1" dirty="0">
-                <a:solidFill>
-                  <a:sysClr val="windowText" lastClr="000000"/>
-                </a:solidFill>
-                <a:latin typeface="조선일보명조" panose="02030304000000000000" pitchFamily="18" charset="-127"/>
-                <a:ea typeface="조선일보명조" panose="02030304000000000000" pitchFamily="18" charset="-127"/>
-                <a:cs typeface="조선일보명조" panose="02030304000000000000" pitchFamily="18" charset="-127"/>
-              </a:rPr>
-              <a:t> </a:t>
-            </a:r>
-          </a:p>
-        </p:txBody>
-      </p:sp>
-      <p:sp>
-        <p:nvSpPr>
-          <p:cNvPr id="91" name="TextBox 90">
-            <a:extLst>
-              <a:ext uri="{FF2B5EF4-FFF2-40B4-BE49-F238E27FC236}">
-                <a16:creationId xmlns:a16="http://schemas.microsoft.com/office/drawing/2014/main" id="{88E709A0-853A-4DCC-908E-0927D452C587}"/>
-              </a:ext>
-            </a:extLst>
-          </p:cNvPr>
-          <p:cNvSpPr txBox="1"/>
-          <p:nvPr/>
-        </p:nvSpPr>
-        <p:spPr>
-          <a:xfrm>
-            <a:off x="475129" y="916859"/>
-            <a:ext cx="4379725" cy="323165"/>
-          </a:xfrm>
-          <a:prstGeom prst="rect">
-            <a:avLst/>
-          </a:prstGeom>
-          <a:noFill/>
-        </p:spPr>
-        <p:txBody>
-          <a:bodyPr wrap="none" rtlCol="0">
-            <a:spAutoFit/>
-          </a:bodyPr>
-          <a:lstStyle/>
-          <a:p>
-            <a:pPr algn="ctr"/>
-            <a:r>
-              <a:rPr lang="en-US" altLang="ko-KR" sz="1500" dirty="0">
-                <a:solidFill>
-                  <a:schemeClr val="bg1">
-                    <a:lumMod val="65000"/>
-                  </a:schemeClr>
-                </a:solidFill>
-                <a:latin typeface="나눔바른고딕" panose="020B0603020101020101" pitchFamily="50" charset="-127"/>
-                <a:ea typeface="나눔바른고딕" panose="020B0603020101020101" pitchFamily="50" charset="-127"/>
-                <a:cs typeface="조선일보명조" panose="02030304000000000000" pitchFamily="18" charset="-127"/>
-              </a:rPr>
-              <a:t>Twitter</a:t>
-            </a:r>
-            <a:r>
-              <a:rPr lang="en-US" altLang="ko-KR" sz="1500" dirty="0">
-                <a:solidFill>
-                  <a:schemeClr val="bg1">
-                    <a:lumMod val="65000"/>
-                  </a:schemeClr>
-                </a:solidFill>
-                <a:latin typeface="조선일보명조" panose="02030304000000000000" pitchFamily="18" charset="-127"/>
-                <a:ea typeface="조선일보명조" panose="02030304000000000000" pitchFamily="18" charset="-127"/>
-                <a:cs typeface="조선일보명조" panose="02030304000000000000" pitchFamily="18" charset="-127"/>
-              </a:rPr>
-              <a:t> Keyword Search API based Tweet Analysis</a:t>
-            </a:r>
-          </a:p>
-        </p:txBody>
-      </p:sp>
-      <p:sp>
-        <p:nvSpPr>
-          <p:cNvPr id="4" name="직사각형 3">
-            <a:extLst>
-              <a:ext uri="{FF2B5EF4-FFF2-40B4-BE49-F238E27FC236}">
-                <a16:creationId xmlns:a16="http://schemas.microsoft.com/office/drawing/2014/main" id="{C6884EF8-13B8-4906-AFA1-F7D11047E8A5}"/>
-              </a:ext>
-            </a:extLst>
-          </p:cNvPr>
-          <p:cNvSpPr/>
-          <p:nvPr/>
-        </p:nvSpPr>
-        <p:spPr>
-          <a:xfrm>
-            <a:off x="349623" y="432111"/>
-            <a:ext cx="125506" cy="807913"/>
-          </a:xfrm>
-          <a:prstGeom prst="rect">
-            <a:avLst/>
-          </a:prstGeom>
-          <a:solidFill>
-            <a:srgbClr val="C00000"/>
-          </a:solidFill>
-          <a:ln>
-            <a:noFill/>
-          </a:ln>
-        </p:spPr>
-        <p:style>
-          <a:lnRef idx="2">
-            <a:schemeClr val="accent1">
-              <a:shade val="50000"/>
-            </a:schemeClr>
-          </a:lnRef>
-          <a:fillRef idx="1">
-            <a:schemeClr val="accent1"/>
-          </a:fillRef>
-          <a:effectRef idx="0">
-            <a:schemeClr val="accent1"/>
-          </a:effectRef>
-          <a:fontRef idx="minor">
-            <a:schemeClr val="lt1"/>
-          </a:fontRef>
-        </p:style>
-        <p:txBody>
-          <a:bodyPr rtlCol="0" anchor="ctr"/>
-          <a:lstStyle/>
-          <a:p>
-            <a:pPr algn="ctr"/>
-            <a:endParaRPr lang="ko-KR" altLang="en-US"/>
-          </a:p>
-        </p:txBody>
-      </p:sp>
-      <p:sp>
-        <p:nvSpPr>
-          <p:cNvPr id="6" name="직사각형 5">
-            <a:extLst>
-              <a:ext uri="{FF2B5EF4-FFF2-40B4-BE49-F238E27FC236}">
-                <a16:creationId xmlns:a16="http://schemas.microsoft.com/office/drawing/2014/main" id="{B2E0AF2E-A9E8-4669-AA0E-A190B65FCAD7}"/>
-              </a:ext>
-            </a:extLst>
-          </p:cNvPr>
-          <p:cNvSpPr/>
-          <p:nvPr/>
-        </p:nvSpPr>
-        <p:spPr>
-          <a:xfrm>
-            <a:off x="475129" y="333862"/>
-            <a:ext cx="2696572" cy="646331"/>
-          </a:xfrm>
-          <a:prstGeom prst="rect">
-            <a:avLst/>
-          </a:prstGeom>
-        </p:spPr>
-        <p:txBody>
-          <a:bodyPr wrap="none">
-            <a:spAutoFit/>
-          </a:bodyPr>
-          <a:lstStyle/>
-          <a:p>
-            <a:r>
-              <a:rPr lang="en-US" altLang="ko-KR" sz="3600" b="1" dirty="0">
-                <a:latin typeface="조선일보명조" panose="02030304000000000000" pitchFamily="18" charset="-127"/>
-                <a:ea typeface="조선일보명조" panose="02030304000000000000" pitchFamily="18" charset="-127"/>
-                <a:cs typeface="조선일보명조" panose="02030304000000000000" pitchFamily="18" charset="-127"/>
-              </a:rPr>
-              <a:t>T-SA:</a:t>
-            </a:r>
-            <a:r>
-              <a:rPr lang="en-US" altLang="ko-KR" sz="2800" b="1" dirty="0">
-                <a:latin typeface="조선일보명조" panose="02030304000000000000" pitchFamily="18" charset="-127"/>
-                <a:ea typeface="조선일보명조" panose="02030304000000000000" pitchFamily="18" charset="-127"/>
-                <a:cs typeface="조선일보명조" panose="02030304000000000000" pitchFamily="18" charset="-127"/>
-              </a:rPr>
-              <a:t> </a:t>
-            </a:r>
-            <a:r>
-              <a:rPr lang="en-US" altLang="ko-KR" sz="2400" b="1" dirty="0">
-                <a:latin typeface="조선일보명조" panose="02030304000000000000" pitchFamily="18" charset="-127"/>
-                <a:ea typeface="조선일보명조" panose="02030304000000000000" pitchFamily="18" charset="-127"/>
-                <a:cs typeface="조선일보명조" panose="02030304000000000000" pitchFamily="18" charset="-127"/>
-              </a:rPr>
-              <a:t>Contents</a:t>
-            </a:r>
-            <a:endParaRPr lang="ko-KR" altLang="en-US" sz="2400" b="1" dirty="0">
-              <a:latin typeface="조선일보명조" panose="02030304000000000000" pitchFamily="18" charset="-127"/>
-              <a:ea typeface="조선일보명조" panose="02030304000000000000" pitchFamily="18" charset="-127"/>
-              <a:cs typeface="조선일보명조" panose="02030304000000000000" pitchFamily="18" charset="-127"/>
-            </a:endParaRPr>
-          </a:p>
-        </p:txBody>
-      </p:sp>
-    </p:spTree>
-    <p:extLst>
-      <p:ext uri="{BB962C8B-B14F-4D97-AF65-F5344CB8AC3E}">
-        <p14:creationId xmlns:p14="http://schemas.microsoft.com/office/powerpoint/2010/main" val="3112992047"/>
-      </p:ext>
-    </p:extLst>
-  </p:cSld>
-  <p:clrMapOvr>
-    <a:masterClrMapping/>
-  </p:clrMapOvr>
-</p:sld>
-</file>
-
-<file path=ppt/slides/slide20.xml><?xml version="1.0" encoding="utf-8"?>
+<file path=ppt/slides/slide21.xml><?xml version="1.0" encoding="utf-8"?>
 <p:sld xmlns:a="http://schemas.openxmlformats.org/drawingml/2006/main" xmlns:r="http://schemas.openxmlformats.org/officeDocument/2006/relationships" xmlns:p="http://schemas.openxmlformats.org/presentationml/2006/main" show="0">
   <p:cSld>
     <p:spTree>
@@ -20235,7 +21198,7 @@
 </p:sld>
 </file>
 
-<file path=ppt/slides/slide21.xml><?xml version="1.0" encoding="utf-8"?>
+<file path=ppt/slides/slide22.xml><?xml version="1.0" encoding="utf-8"?>
 <p:sld xmlns:a="http://schemas.openxmlformats.org/drawingml/2006/main" xmlns:r="http://schemas.openxmlformats.org/officeDocument/2006/relationships" xmlns:p="http://schemas.openxmlformats.org/presentationml/2006/main">
   <p:cSld>
     <p:spTree>
@@ -22021,7 +22984,7 @@
 </p:sld>
 </file>
 
-<file path=ppt/slides/slide22.xml><?xml version="1.0" encoding="utf-8"?>
+<file path=ppt/slides/slide23.xml><?xml version="1.0" encoding="utf-8"?>
 <p:sld xmlns:a="http://schemas.openxmlformats.org/drawingml/2006/main" xmlns:r="http://schemas.openxmlformats.org/officeDocument/2006/relationships" xmlns:p="http://schemas.openxmlformats.org/presentationml/2006/main">
   <p:cSld>
     <p:spTree>
@@ -23047,7 +24010,7 @@
 </p:sld>
 </file>
 
-<file path=ppt/slides/slide23.xml><?xml version="1.0" encoding="utf-8"?>
+<file path=ppt/slides/slide24.xml><?xml version="1.0" encoding="utf-8"?>
 <p:sld xmlns:a="http://schemas.openxmlformats.org/drawingml/2006/main" xmlns:r="http://schemas.openxmlformats.org/officeDocument/2006/relationships" xmlns:p="http://schemas.openxmlformats.org/presentationml/2006/main">
   <p:cSld>
     <p:spTree>
@@ -23858,7 +24821,7 @@
 </p:sld>
 </file>
 
-<file path=ppt/slides/slide24.xml><?xml version="1.0" encoding="utf-8"?>
+<file path=ppt/slides/slide25.xml><?xml version="1.0" encoding="utf-8"?>
 <p:sld xmlns:a="http://schemas.openxmlformats.org/drawingml/2006/main" xmlns:r="http://schemas.openxmlformats.org/officeDocument/2006/relationships" xmlns:p="http://schemas.openxmlformats.org/presentationml/2006/main">
   <p:cSld>
     <p:spTree>
@@ -25011,7 +25974,7 @@
 </p:sld>
 </file>
 
-<file path=ppt/slides/slide25.xml><?xml version="1.0" encoding="utf-8"?>
+<file path=ppt/slides/slide26.xml><?xml version="1.0" encoding="utf-8"?>
 <p:sld xmlns:a="http://schemas.openxmlformats.org/drawingml/2006/main" xmlns:r="http://schemas.openxmlformats.org/officeDocument/2006/relationships" xmlns:p="http://schemas.openxmlformats.org/presentationml/2006/main">
   <p:cSld>
     <p:spTree>
@@ -26055,7 +27018,7 @@
 </p:sld>
 </file>
 
-<file path=ppt/slides/slide26.xml><?xml version="1.0" encoding="utf-8"?>
+<file path=ppt/slides/slide27.xml><?xml version="1.0" encoding="utf-8"?>
 <p:sld xmlns:a="http://schemas.openxmlformats.org/drawingml/2006/main" xmlns:r="http://schemas.openxmlformats.org/officeDocument/2006/relationships" xmlns:p="http://schemas.openxmlformats.org/presentationml/2006/main">
   <p:cSld>
     <p:spTree>
@@ -26923,7 +27886,7 @@
 </p:sld>
 </file>
 
-<file path=ppt/slides/slide27.xml><?xml version="1.0" encoding="utf-8"?>
+<file path=ppt/slides/slide28.xml><?xml version="1.0" encoding="utf-8"?>
 <p:sld xmlns:a="http://schemas.openxmlformats.org/drawingml/2006/main" xmlns:r="http://schemas.openxmlformats.org/officeDocument/2006/relationships" xmlns:p="http://schemas.openxmlformats.org/presentationml/2006/main">
   <p:cSld>
     <p:spTree>
@@ -27696,7 +28659,7 @@
 </p:sld>
 </file>
 
-<file path=ppt/slides/slide28.xml><?xml version="1.0" encoding="utf-8"?>
+<file path=ppt/slides/slide29.xml><?xml version="1.0" encoding="utf-8"?>
 <p:sld xmlns:a="http://schemas.openxmlformats.org/drawingml/2006/main" xmlns:r="http://schemas.openxmlformats.org/officeDocument/2006/relationships" xmlns:p="http://schemas.openxmlformats.org/presentationml/2006/main">
   <p:cSld>
     <p:spTree>
@@ -28788,738 +29751,6 @@
     <p:extLst>
       <p:ext uri="{BB962C8B-B14F-4D97-AF65-F5344CB8AC3E}">
         <p14:creationId xmlns:p14="http://schemas.microsoft.com/office/powerpoint/2010/main" val="2470407465"/>
-      </p:ext>
-    </p:extLst>
-  </p:cSld>
-  <p:clrMapOvr>
-    <a:masterClrMapping/>
-  </p:clrMapOvr>
-</p:sld>
-</file>
-
-<file path=ppt/slides/slide29.xml><?xml version="1.0" encoding="utf-8"?>
-<p:sld xmlns:a="http://schemas.openxmlformats.org/drawingml/2006/main" xmlns:r="http://schemas.openxmlformats.org/officeDocument/2006/relationships" xmlns:p="http://schemas.openxmlformats.org/presentationml/2006/main">
-  <p:cSld>
-    <p:spTree>
-      <p:nvGrpSpPr>
-        <p:cNvPr id="1" name=""/>
-        <p:cNvGrpSpPr/>
-        <p:nvPr/>
-      </p:nvGrpSpPr>
-      <p:grpSpPr>
-        <a:xfrm>
-          <a:off x="0" y="0"/>
-          <a:ext cx="0" cy="0"/>
-          <a:chOff x="0" y="0"/>
-          <a:chExt cx="0" cy="0"/>
-        </a:xfrm>
-      </p:grpSpPr>
-      <p:sp>
-        <p:nvSpPr>
-          <p:cNvPr id="4" name="직사각형 3">
-            <a:extLst>
-              <a:ext uri="{FF2B5EF4-FFF2-40B4-BE49-F238E27FC236}">
-                <a16:creationId xmlns:a16="http://schemas.microsoft.com/office/drawing/2014/main" id="{C6884EF8-13B8-4906-AFA1-F7D11047E8A5}"/>
-              </a:ext>
-            </a:extLst>
-          </p:cNvPr>
-          <p:cNvSpPr/>
-          <p:nvPr/>
-        </p:nvSpPr>
-        <p:spPr>
-          <a:xfrm>
-            <a:off x="349623" y="432111"/>
-            <a:ext cx="125506" cy="807913"/>
-          </a:xfrm>
-          <a:prstGeom prst="rect">
-            <a:avLst/>
-          </a:prstGeom>
-          <a:solidFill>
-            <a:srgbClr val="C00000"/>
-          </a:solidFill>
-          <a:ln>
-            <a:noFill/>
-          </a:ln>
-        </p:spPr>
-        <p:style>
-          <a:lnRef idx="2">
-            <a:schemeClr val="accent1">
-              <a:shade val="50000"/>
-            </a:schemeClr>
-          </a:lnRef>
-          <a:fillRef idx="1">
-            <a:schemeClr val="accent1"/>
-          </a:fillRef>
-          <a:effectRef idx="0">
-            <a:schemeClr val="accent1"/>
-          </a:effectRef>
-          <a:fontRef idx="minor">
-            <a:schemeClr val="lt1"/>
-          </a:fontRef>
-        </p:style>
-        <p:txBody>
-          <a:bodyPr rtlCol="0" anchor="ctr"/>
-          <a:lstStyle/>
-          <a:p>
-            <a:pPr algn="ctr"/>
-            <a:endParaRPr lang="ko-KR" altLang="en-US"/>
-          </a:p>
-        </p:txBody>
-      </p:sp>
-      <p:sp>
-        <p:nvSpPr>
-          <p:cNvPr id="6" name="직사각형 5">
-            <a:extLst>
-              <a:ext uri="{FF2B5EF4-FFF2-40B4-BE49-F238E27FC236}">
-                <a16:creationId xmlns:a16="http://schemas.microsoft.com/office/drawing/2014/main" id="{B2E0AF2E-A9E8-4669-AA0E-A190B65FCAD7}"/>
-              </a:ext>
-            </a:extLst>
-          </p:cNvPr>
-          <p:cNvSpPr/>
-          <p:nvPr/>
-        </p:nvSpPr>
-        <p:spPr>
-          <a:xfrm>
-            <a:off x="475129" y="333862"/>
-            <a:ext cx="7028330" cy="646331"/>
-          </a:xfrm>
-          <a:prstGeom prst="rect">
-            <a:avLst/>
-          </a:prstGeom>
-        </p:spPr>
-        <p:txBody>
-          <a:bodyPr wrap="square">
-            <a:spAutoFit/>
-          </a:bodyPr>
-          <a:lstStyle/>
-          <a:p>
-            <a:r>
-              <a:rPr lang="en-US" altLang="ko-KR" sz="3600" b="1" dirty="0">
-                <a:latin typeface="조선일보명조" panose="02030304000000000000" pitchFamily="18" charset="-127"/>
-                <a:ea typeface="조선일보명조" panose="02030304000000000000" pitchFamily="18" charset="-127"/>
-                <a:cs typeface="조선일보명조" panose="02030304000000000000" pitchFamily="18" charset="-127"/>
-              </a:rPr>
-              <a:t>T-SA: Result</a:t>
-            </a:r>
-            <a:endParaRPr lang="ko-KR" altLang="en-US" sz="2400" b="1" dirty="0">
-              <a:latin typeface="조선일보명조" panose="02030304000000000000" pitchFamily="18" charset="-127"/>
-              <a:ea typeface="조선일보명조" panose="02030304000000000000" pitchFamily="18" charset="-127"/>
-              <a:cs typeface="조선일보명조" panose="02030304000000000000" pitchFamily="18" charset="-127"/>
-            </a:endParaRPr>
-          </a:p>
-        </p:txBody>
-      </p:sp>
-      <p:sp>
-        <p:nvSpPr>
-          <p:cNvPr id="91" name="TextBox 90">
-            <a:extLst>
-              <a:ext uri="{FF2B5EF4-FFF2-40B4-BE49-F238E27FC236}">
-                <a16:creationId xmlns:a16="http://schemas.microsoft.com/office/drawing/2014/main" id="{88E709A0-853A-4DCC-908E-0927D452C587}"/>
-              </a:ext>
-            </a:extLst>
-          </p:cNvPr>
-          <p:cNvSpPr txBox="1"/>
-          <p:nvPr/>
-        </p:nvSpPr>
-        <p:spPr>
-          <a:xfrm>
-            <a:off x="475129" y="916859"/>
-            <a:ext cx="4379725" cy="323165"/>
-          </a:xfrm>
-          <a:prstGeom prst="rect">
-            <a:avLst/>
-          </a:prstGeom>
-          <a:noFill/>
-        </p:spPr>
-        <p:txBody>
-          <a:bodyPr wrap="none" rtlCol="0">
-            <a:spAutoFit/>
-          </a:bodyPr>
-          <a:lstStyle/>
-          <a:p>
-            <a:pPr algn="ctr"/>
-            <a:r>
-              <a:rPr lang="en-US" altLang="ko-KR" sz="1500" dirty="0">
-                <a:solidFill>
-                  <a:schemeClr val="bg1">
-                    <a:lumMod val="65000"/>
-                  </a:schemeClr>
-                </a:solidFill>
-                <a:latin typeface="나눔바른고딕" panose="020B0603020101020101" pitchFamily="50" charset="-127"/>
-                <a:ea typeface="나눔바른고딕" panose="020B0603020101020101" pitchFamily="50" charset="-127"/>
-                <a:cs typeface="조선일보명조" panose="02030304000000000000" pitchFamily="18" charset="-127"/>
-              </a:rPr>
-              <a:t>Twitter</a:t>
-            </a:r>
-            <a:r>
-              <a:rPr lang="en-US" altLang="ko-KR" sz="1500" dirty="0">
-                <a:solidFill>
-                  <a:schemeClr val="bg1">
-                    <a:lumMod val="65000"/>
-                  </a:schemeClr>
-                </a:solidFill>
-                <a:latin typeface="조선일보명조" panose="02030304000000000000" pitchFamily="18" charset="-127"/>
-                <a:ea typeface="조선일보명조" panose="02030304000000000000" pitchFamily="18" charset="-127"/>
-                <a:cs typeface="조선일보명조" panose="02030304000000000000" pitchFamily="18" charset="-127"/>
-              </a:rPr>
-              <a:t> Keyword Search API based Tweet Analysis</a:t>
-            </a:r>
-          </a:p>
-        </p:txBody>
-      </p:sp>
-      <p:pic>
-        <p:nvPicPr>
-          <p:cNvPr id="5" name="그림 4">
-            <a:extLst>
-              <a:ext uri="{FF2B5EF4-FFF2-40B4-BE49-F238E27FC236}">
-                <a16:creationId xmlns:a16="http://schemas.microsoft.com/office/drawing/2014/main" id="{28EEA754-1706-4414-9102-69E7A80C5A9D}"/>
-              </a:ext>
-            </a:extLst>
-          </p:cNvPr>
-          <p:cNvPicPr>
-            <a:picLocks noChangeAspect="1"/>
-          </p:cNvPicPr>
-          <p:nvPr/>
-        </p:nvPicPr>
-        <p:blipFill>
-          <a:blip r:embed="rId3"/>
-          <a:stretch>
-            <a:fillRect/>
-          </a:stretch>
-        </p:blipFill>
-        <p:spPr>
-          <a:xfrm>
-            <a:off x="919286" y="1563190"/>
-            <a:ext cx="3491410" cy="4279106"/>
-          </a:xfrm>
-          <a:prstGeom prst="rect">
-            <a:avLst/>
-          </a:prstGeom>
-        </p:spPr>
-      </p:pic>
-      <p:pic>
-        <p:nvPicPr>
-          <p:cNvPr id="7" name="그림 6">
-            <a:extLst>
-              <a:ext uri="{FF2B5EF4-FFF2-40B4-BE49-F238E27FC236}">
-                <a16:creationId xmlns:a16="http://schemas.microsoft.com/office/drawing/2014/main" id="{640D6E33-0E76-4064-BADA-2B5009E60AA8}"/>
-              </a:ext>
-            </a:extLst>
-          </p:cNvPr>
-          <p:cNvPicPr>
-            <a:picLocks noChangeAspect="1"/>
-          </p:cNvPicPr>
-          <p:nvPr/>
-        </p:nvPicPr>
-        <p:blipFill>
-          <a:blip r:embed="rId4"/>
-          <a:stretch>
-            <a:fillRect/>
-          </a:stretch>
-        </p:blipFill>
-        <p:spPr>
-          <a:xfrm>
-            <a:off x="5788572" y="2201655"/>
-            <a:ext cx="5484142" cy="3002176"/>
-          </a:xfrm>
-          <a:prstGeom prst="rect">
-            <a:avLst/>
-          </a:prstGeom>
-        </p:spPr>
-      </p:pic>
-      <p:sp>
-        <p:nvSpPr>
-          <p:cNvPr id="11" name="직사각형 10">
-            <a:extLst>
-              <a:ext uri="{FF2B5EF4-FFF2-40B4-BE49-F238E27FC236}">
-                <a16:creationId xmlns:a16="http://schemas.microsoft.com/office/drawing/2014/main" id="{F147753E-224B-46EC-A153-2AE0C64DDEB4}"/>
-              </a:ext>
-            </a:extLst>
-          </p:cNvPr>
-          <p:cNvSpPr/>
-          <p:nvPr/>
-        </p:nvSpPr>
-        <p:spPr>
-          <a:xfrm>
-            <a:off x="1114425" y="4257675"/>
-            <a:ext cx="1757363" cy="200025"/>
-          </a:xfrm>
-          <a:prstGeom prst="rect">
-            <a:avLst/>
-          </a:prstGeom>
-          <a:noFill/>
-          <a:ln w="28575">
-            <a:solidFill>
-              <a:srgbClr val="C00000"/>
-            </a:solidFill>
-          </a:ln>
-        </p:spPr>
-        <p:style>
-          <a:lnRef idx="2">
-            <a:schemeClr val="accent1">
-              <a:shade val="50000"/>
-            </a:schemeClr>
-          </a:lnRef>
-          <a:fillRef idx="1">
-            <a:schemeClr val="accent1"/>
-          </a:fillRef>
-          <a:effectRef idx="0">
-            <a:schemeClr val="accent1"/>
-          </a:effectRef>
-          <a:fontRef idx="minor">
-            <a:schemeClr val="lt1"/>
-          </a:fontRef>
-        </p:style>
-        <p:txBody>
-          <a:bodyPr rtlCol="0" anchor="ctr"/>
-          <a:lstStyle/>
-          <a:p>
-            <a:pPr algn="ctr"/>
-            <a:endParaRPr lang="ko-KR" altLang="en-US"/>
-          </a:p>
-        </p:txBody>
-      </p:sp>
-      <p:sp>
-        <p:nvSpPr>
-          <p:cNvPr id="13" name="직사각형 12">
-            <a:extLst>
-              <a:ext uri="{FF2B5EF4-FFF2-40B4-BE49-F238E27FC236}">
-                <a16:creationId xmlns:a16="http://schemas.microsoft.com/office/drawing/2014/main" id="{3D350A47-103E-4EA4-BB59-B3A36865BBB3}"/>
-              </a:ext>
-            </a:extLst>
-          </p:cNvPr>
-          <p:cNvSpPr/>
-          <p:nvPr/>
-        </p:nvSpPr>
-        <p:spPr>
-          <a:xfrm>
-            <a:off x="6436519" y="3228975"/>
-            <a:ext cx="2357437" cy="1028700"/>
-          </a:xfrm>
-          <a:prstGeom prst="rect">
-            <a:avLst/>
-          </a:prstGeom>
-          <a:noFill/>
-          <a:ln w="28575">
-            <a:solidFill>
-              <a:srgbClr val="C00000"/>
-            </a:solidFill>
-          </a:ln>
-        </p:spPr>
-        <p:style>
-          <a:lnRef idx="2">
-            <a:schemeClr val="accent1">
-              <a:shade val="50000"/>
-            </a:schemeClr>
-          </a:lnRef>
-          <a:fillRef idx="1">
-            <a:schemeClr val="accent1"/>
-          </a:fillRef>
-          <a:effectRef idx="0">
-            <a:schemeClr val="accent1"/>
-          </a:effectRef>
-          <a:fontRef idx="minor">
-            <a:schemeClr val="lt1"/>
-          </a:fontRef>
-        </p:style>
-        <p:txBody>
-          <a:bodyPr rtlCol="0" anchor="ctr"/>
-          <a:lstStyle/>
-          <a:p>
-            <a:pPr algn="ctr"/>
-            <a:endParaRPr lang="ko-KR" altLang="en-US"/>
-          </a:p>
-        </p:txBody>
-      </p:sp>
-      <p:cxnSp>
-        <p:nvCxnSpPr>
-          <p:cNvPr id="26" name="직선 화살표 연결선 25">
-            <a:extLst>
-              <a:ext uri="{FF2B5EF4-FFF2-40B4-BE49-F238E27FC236}">
-                <a16:creationId xmlns:a16="http://schemas.microsoft.com/office/drawing/2014/main" id="{1E554E52-C463-4992-AE4A-4951493BAA77}"/>
-              </a:ext>
-            </a:extLst>
-          </p:cNvPr>
-          <p:cNvCxnSpPr>
-            <a:cxnSpLocks/>
-            <a:stCxn id="11" idx="3"/>
-          </p:cNvCxnSpPr>
-          <p:nvPr/>
-        </p:nvCxnSpPr>
-        <p:spPr>
-          <a:xfrm flipV="1">
-            <a:off x="2871788" y="3774691"/>
-            <a:ext cx="3564731" cy="582997"/>
-          </a:xfrm>
-          <a:prstGeom prst="straightConnector1">
-            <a:avLst/>
-          </a:prstGeom>
-          <a:ln w="28575">
-            <a:solidFill>
-              <a:srgbClr val="C00000"/>
-            </a:solidFill>
-            <a:tailEnd type="triangle"/>
-          </a:ln>
-        </p:spPr>
-        <p:style>
-          <a:lnRef idx="1">
-            <a:schemeClr val="accent1"/>
-          </a:lnRef>
-          <a:fillRef idx="0">
-            <a:schemeClr val="accent1"/>
-          </a:fillRef>
-          <a:effectRef idx="0">
-            <a:schemeClr val="accent1"/>
-          </a:effectRef>
-          <a:fontRef idx="minor">
-            <a:schemeClr val="tx1"/>
-          </a:fontRef>
-        </p:style>
-      </p:cxnSp>
-      <p:sp>
-        <p:nvSpPr>
-          <p:cNvPr id="64" name="직사각형 63">
-            <a:extLst>
-              <a:ext uri="{FF2B5EF4-FFF2-40B4-BE49-F238E27FC236}">
-                <a16:creationId xmlns:a16="http://schemas.microsoft.com/office/drawing/2014/main" id="{F78D3420-FDBA-46A5-A948-0B8D8AB628FF}"/>
-              </a:ext>
-            </a:extLst>
-          </p:cNvPr>
-          <p:cNvSpPr/>
-          <p:nvPr/>
-        </p:nvSpPr>
-        <p:spPr>
-          <a:xfrm>
-            <a:off x="1114425" y="3278981"/>
-            <a:ext cx="1757363" cy="200025"/>
-          </a:xfrm>
-          <a:prstGeom prst="rect">
-            <a:avLst/>
-          </a:prstGeom>
-          <a:noFill/>
-          <a:ln w="28575">
-            <a:solidFill>
-              <a:srgbClr val="C00000"/>
-            </a:solidFill>
-          </a:ln>
-        </p:spPr>
-        <p:style>
-          <a:lnRef idx="2">
-            <a:schemeClr val="accent1">
-              <a:shade val="50000"/>
-            </a:schemeClr>
-          </a:lnRef>
-          <a:fillRef idx="1">
-            <a:schemeClr val="accent1"/>
-          </a:fillRef>
-          <a:effectRef idx="0">
-            <a:schemeClr val="accent1"/>
-          </a:effectRef>
-          <a:fontRef idx="minor">
-            <a:schemeClr val="lt1"/>
-          </a:fontRef>
-        </p:style>
-        <p:txBody>
-          <a:bodyPr rtlCol="0" anchor="ctr"/>
-          <a:lstStyle/>
-          <a:p>
-            <a:pPr algn="ctr"/>
-            <a:endParaRPr lang="ko-KR" altLang="en-US"/>
-          </a:p>
-        </p:txBody>
-      </p:sp>
-      <p:sp>
-        <p:nvSpPr>
-          <p:cNvPr id="34" name="직사각형 33">
-            <a:extLst>
-              <a:ext uri="{FF2B5EF4-FFF2-40B4-BE49-F238E27FC236}">
-                <a16:creationId xmlns:a16="http://schemas.microsoft.com/office/drawing/2014/main" id="{E5541129-5B9A-4B46-8FB6-D7A8351420A8}"/>
-              </a:ext>
-            </a:extLst>
-          </p:cNvPr>
-          <p:cNvSpPr/>
-          <p:nvPr/>
-        </p:nvSpPr>
-        <p:spPr>
-          <a:xfrm>
-            <a:off x="1109661" y="4831563"/>
-            <a:ext cx="1757363" cy="200025"/>
-          </a:xfrm>
-          <a:prstGeom prst="rect">
-            <a:avLst/>
-          </a:prstGeom>
-          <a:noFill/>
-          <a:ln w="28575">
-            <a:solidFill>
-              <a:srgbClr val="C00000"/>
-            </a:solidFill>
-          </a:ln>
-        </p:spPr>
-        <p:style>
-          <a:lnRef idx="2">
-            <a:schemeClr val="accent1">
-              <a:shade val="50000"/>
-            </a:schemeClr>
-          </a:lnRef>
-          <a:fillRef idx="1">
-            <a:schemeClr val="accent1"/>
-          </a:fillRef>
-          <a:effectRef idx="0">
-            <a:schemeClr val="accent1"/>
-          </a:effectRef>
-          <a:fontRef idx="minor">
-            <a:schemeClr val="lt1"/>
-          </a:fontRef>
-        </p:style>
-        <p:txBody>
-          <a:bodyPr rtlCol="0" anchor="ctr"/>
-          <a:lstStyle/>
-          <a:p>
-            <a:pPr algn="ctr"/>
-            <a:endParaRPr lang="ko-KR" altLang="en-US"/>
-          </a:p>
-        </p:txBody>
-      </p:sp>
-      <p:cxnSp>
-        <p:nvCxnSpPr>
-          <p:cNvPr id="35" name="직선 화살표 연결선 34">
-            <a:extLst>
-              <a:ext uri="{FF2B5EF4-FFF2-40B4-BE49-F238E27FC236}">
-                <a16:creationId xmlns:a16="http://schemas.microsoft.com/office/drawing/2014/main" id="{045AE6F9-BBD4-4727-B9E2-34AD19277872}"/>
-              </a:ext>
-            </a:extLst>
-          </p:cNvPr>
-          <p:cNvCxnSpPr>
-            <a:cxnSpLocks/>
-          </p:cNvCxnSpPr>
-          <p:nvPr/>
-        </p:nvCxnSpPr>
-        <p:spPr>
-          <a:xfrm flipV="1">
-            <a:off x="2871788" y="2813060"/>
-            <a:ext cx="4243387" cy="2097829"/>
-          </a:xfrm>
-          <a:prstGeom prst="straightConnector1">
-            <a:avLst/>
-          </a:prstGeom>
-          <a:ln w="28575">
-            <a:solidFill>
-              <a:srgbClr val="C00000"/>
-            </a:solidFill>
-            <a:tailEnd type="triangle"/>
-          </a:ln>
-        </p:spPr>
-        <p:style>
-          <a:lnRef idx="1">
-            <a:schemeClr val="accent1"/>
-          </a:lnRef>
-          <a:fillRef idx="0">
-            <a:schemeClr val="accent1"/>
-          </a:fillRef>
-          <a:effectRef idx="0">
-            <a:schemeClr val="accent1"/>
-          </a:effectRef>
-          <a:fontRef idx="minor">
-            <a:schemeClr val="tx1"/>
-          </a:fontRef>
-        </p:style>
-      </p:cxnSp>
-      <p:cxnSp>
-        <p:nvCxnSpPr>
-          <p:cNvPr id="38" name="직선 화살표 연결선 37">
-            <a:extLst>
-              <a:ext uri="{FF2B5EF4-FFF2-40B4-BE49-F238E27FC236}">
-                <a16:creationId xmlns:a16="http://schemas.microsoft.com/office/drawing/2014/main" id="{7D828708-D980-4C17-A755-EC0D0DBE2298}"/>
-              </a:ext>
-            </a:extLst>
-          </p:cNvPr>
-          <p:cNvCxnSpPr>
-            <a:cxnSpLocks/>
-          </p:cNvCxnSpPr>
-          <p:nvPr/>
-        </p:nvCxnSpPr>
-        <p:spPr>
-          <a:xfrm>
-            <a:off x="2876552" y="3378993"/>
-            <a:ext cx="3559967" cy="1198548"/>
-          </a:xfrm>
-          <a:prstGeom prst="straightConnector1">
-            <a:avLst/>
-          </a:prstGeom>
-          <a:ln w="28575">
-            <a:solidFill>
-              <a:srgbClr val="C00000"/>
-            </a:solidFill>
-            <a:tailEnd type="triangle"/>
-          </a:ln>
-        </p:spPr>
-        <p:style>
-          <a:lnRef idx="1">
-            <a:schemeClr val="accent1"/>
-          </a:lnRef>
-          <a:fillRef idx="0">
-            <a:schemeClr val="accent1"/>
-          </a:fillRef>
-          <a:effectRef idx="0">
-            <a:schemeClr val="accent1"/>
-          </a:effectRef>
-          <a:fontRef idx="minor">
-            <a:schemeClr val="tx1"/>
-          </a:fontRef>
-        </p:style>
-      </p:cxnSp>
-      <p:sp>
-        <p:nvSpPr>
-          <p:cNvPr id="41" name="직사각형 40">
-            <a:extLst>
-              <a:ext uri="{FF2B5EF4-FFF2-40B4-BE49-F238E27FC236}">
-                <a16:creationId xmlns:a16="http://schemas.microsoft.com/office/drawing/2014/main" id="{A192FE8A-9985-4AC2-A10F-A96C31AE8163}"/>
-              </a:ext>
-            </a:extLst>
-          </p:cNvPr>
-          <p:cNvSpPr/>
-          <p:nvPr/>
-        </p:nvSpPr>
-        <p:spPr>
-          <a:xfrm>
-            <a:off x="6401446" y="4307688"/>
-            <a:ext cx="2235348" cy="723900"/>
-          </a:xfrm>
-          <a:prstGeom prst="rect">
-            <a:avLst/>
-          </a:prstGeom>
-          <a:noFill/>
-          <a:ln w="28575">
-            <a:solidFill>
-              <a:srgbClr val="C00000"/>
-            </a:solidFill>
-          </a:ln>
-        </p:spPr>
-        <p:style>
-          <a:lnRef idx="2">
-            <a:schemeClr val="accent1">
-              <a:shade val="50000"/>
-            </a:schemeClr>
-          </a:lnRef>
-          <a:fillRef idx="1">
-            <a:schemeClr val="accent1"/>
-          </a:fillRef>
-          <a:effectRef idx="0">
-            <a:schemeClr val="accent1"/>
-          </a:effectRef>
-          <a:fontRef idx="minor">
-            <a:schemeClr val="lt1"/>
-          </a:fontRef>
-        </p:style>
-        <p:txBody>
-          <a:bodyPr rtlCol="0" anchor="ctr"/>
-          <a:lstStyle/>
-          <a:p>
-            <a:pPr algn="ctr"/>
-            <a:endParaRPr lang="ko-KR" altLang="en-US"/>
-          </a:p>
-        </p:txBody>
-      </p:sp>
-      <p:sp>
-        <p:nvSpPr>
-          <p:cNvPr id="42" name="직사각형 41">
-            <a:extLst>
-              <a:ext uri="{FF2B5EF4-FFF2-40B4-BE49-F238E27FC236}">
-                <a16:creationId xmlns:a16="http://schemas.microsoft.com/office/drawing/2014/main" id="{2EB2CD90-F3B3-4C19-8D9B-48356CC106A6}"/>
-              </a:ext>
-            </a:extLst>
-          </p:cNvPr>
-          <p:cNvSpPr/>
-          <p:nvPr/>
-        </p:nvSpPr>
-        <p:spPr>
-          <a:xfrm>
-            <a:off x="7103920" y="2409822"/>
-            <a:ext cx="1068530" cy="723900"/>
-          </a:xfrm>
-          <a:prstGeom prst="rect">
-            <a:avLst/>
-          </a:prstGeom>
-          <a:noFill/>
-          <a:ln w="28575">
-            <a:solidFill>
-              <a:srgbClr val="C00000"/>
-            </a:solidFill>
-          </a:ln>
-        </p:spPr>
-        <p:style>
-          <a:lnRef idx="2">
-            <a:schemeClr val="accent1">
-              <a:shade val="50000"/>
-            </a:schemeClr>
-          </a:lnRef>
-          <a:fillRef idx="1">
-            <a:schemeClr val="accent1"/>
-          </a:fillRef>
-          <a:effectRef idx="0">
-            <a:schemeClr val="accent1"/>
-          </a:effectRef>
-          <a:fontRef idx="minor">
-            <a:schemeClr val="lt1"/>
-          </a:fontRef>
-        </p:style>
-        <p:txBody>
-          <a:bodyPr rtlCol="0" anchor="ctr"/>
-          <a:lstStyle/>
-          <a:p>
-            <a:pPr algn="ctr"/>
-            <a:endParaRPr lang="ko-KR" altLang="en-US"/>
-          </a:p>
-        </p:txBody>
-      </p:sp>
-      <p:sp>
-        <p:nvSpPr>
-          <p:cNvPr id="69" name="TextBox 68">
-            <a:extLst>
-              <a:ext uri="{FF2B5EF4-FFF2-40B4-BE49-F238E27FC236}">
-                <a16:creationId xmlns:a16="http://schemas.microsoft.com/office/drawing/2014/main" id="{E32FAC89-D4C2-4613-BF28-A685B07F0DCB}"/>
-              </a:ext>
-            </a:extLst>
-          </p:cNvPr>
-          <p:cNvSpPr txBox="1"/>
-          <p:nvPr/>
-        </p:nvSpPr>
-        <p:spPr>
-          <a:xfrm>
-            <a:off x="1680368" y="6050463"/>
-            <a:ext cx="8831264" cy="461665"/>
-          </a:xfrm>
-          <a:prstGeom prst="rect">
-            <a:avLst/>
-          </a:prstGeom>
-          <a:noFill/>
-        </p:spPr>
-        <p:txBody>
-          <a:bodyPr wrap="none" rtlCol="0">
-            <a:spAutoFit/>
-          </a:bodyPr>
-          <a:lstStyle/>
-          <a:p>
-            <a:r>
-              <a:rPr lang="ko-KR" altLang="en-US" sz="2400" b="1" dirty="0"/>
-              <a:t>가장 많이 사용된 키워드 순으로 글자 </a:t>
-            </a:r>
-            <a:r>
-              <a:rPr lang="ko-KR" altLang="en-US" sz="2400" b="1"/>
-              <a:t>크기가 결정되어 시각화</a:t>
-            </a:r>
-            <a:r>
-              <a:rPr lang="en-US" altLang="ko-KR" sz="2400" b="1" dirty="0"/>
-              <a:t>.</a:t>
-            </a:r>
-            <a:endParaRPr lang="ko-KR" altLang="en-US" sz="2400" b="1" dirty="0"/>
-          </a:p>
-        </p:txBody>
-      </p:sp>
-    </p:spTree>
-    <p:extLst>
-      <p:ext uri="{BB962C8B-B14F-4D97-AF65-F5344CB8AC3E}">
-        <p14:creationId xmlns:p14="http://schemas.microsoft.com/office/powerpoint/2010/main" val="4084978939"/>
       </p:ext>
     </p:extLst>
   </p:cSld>
@@ -31316,7 +31547,7 @@
                 <a:ea typeface="조선일보명조" panose="02030304000000000000" pitchFamily="18" charset="-127"/>
                 <a:cs typeface="조선일보명조" panose="02030304000000000000" pitchFamily="18" charset="-127"/>
               </a:rPr>
-              <a:t>T-SA: Reference</a:t>
+              <a:t>T-SA: Result</a:t>
             </a:r>
             <a:endParaRPr lang="ko-KR" altLang="en-US" sz="2400" b="1" dirty="0">
               <a:latin typeface="조선일보명조" panose="02030304000000000000" pitchFamily="18" charset="-127"/>
@@ -31384,12 +31615,72 @@
           </a:p>
         </p:txBody>
       </p:sp>
+      <p:pic>
+        <p:nvPicPr>
+          <p:cNvPr id="5" name="그림 4">
+            <a:extLst>
+              <a:ext uri="{FF2B5EF4-FFF2-40B4-BE49-F238E27FC236}">
+                <a16:creationId xmlns:a16="http://schemas.microsoft.com/office/drawing/2014/main" id="{28EEA754-1706-4414-9102-69E7A80C5A9D}"/>
+              </a:ext>
+            </a:extLst>
+          </p:cNvPr>
+          <p:cNvPicPr>
+            <a:picLocks noChangeAspect="1"/>
+          </p:cNvPicPr>
+          <p:nvPr/>
+        </p:nvPicPr>
+        <p:blipFill>
+          <a:blip r:embed="rId3"/>
+          <a:stretch>
+            <a:fillRect/>
+          </a:stretch>
+        </p:blipFill>
+        <p:spPr>
+          <a:xfrm>
+            <a:off x="919286" y="1563190"/>
+            <a:ext cx="3491410" cy="4279106"/>
+          </a:xfrm>
+          <a:prstGeom prst="rect">
+            <a:avLst/>
+          </a:prstGeom>
+        </p:spPr>
+      </p:pic>
+      <p:pic>
+        <p:nvPicPr>
+          <p:cNvPr id="7" name="그림 6">
+            <a:extLst>
+              <a:ext uri="{FF2B5EF4-FFF2-40B4-BE49-F238E27FC236}">
+                <a16:creationId xmlns:a16="http://schemas.microsoft.com/office/drawing/2014/main" id="{640D6E33-0E76-4064-BADA-2B5009E60AA8}"/>
+              </a:ext>
+            </a:extLst>
+          </p:cNvPr>
+          <p:cNvPicPr>
+            <a:picLocks noChangeAspect="1"/>
+          </p:cNvPicPr>
+          <p:nvPr/>
+        </p:nvPicPr>
+        <p:blipFill>
+          <a:blip r:embed="rId4"/>
+          <a:stretch>
+            <a:fillRect/>
+          </a:stretch>
+        </p:blipFill>
+        <p:spPr>
+          <a:xfrm>
+            <a:off x="5788572" y="2201655"/>
+            <a:ext cx="5484142" cy="3002176"/>
+          </a:xfrm>
+          <a:prstGeom prst="rect">
+            <a:avLst/>
+          </a:prstGeom>
+        </p:spPr>
+      </p:pic>
       <p:sp>
         <p:nvSpPr>
-          <p:cNvPr id="2" name="직사각형 1">
+          <p:cNvPr id="11" name="직사각형 10">
             <a:extLst>
               <a:ext uri="{FF2B5EF4-FFF2-40B4-BE49-F238E27FC236}">
-                <a16:creationId xmlns:a16="http://schemas.microsoft.com/office/drawing/2014/main" id="{F56C176E-0D1D-4EC1-A3D3-6455FB829963}"/>
+                <a16:creationId xmlns:a16="http://schemas.microsoft.com/office/drawing/2014/main" id="{F147753E-224B-46EC-A153-2AE0C64DDEB4}"/>
               </a:ext>
             </a:extLst>
           </p:cNvPr>
@@ -31398,265 +31689,485 @@
         </p:nvSpPr>
         <p:spPr>
           <a:xfrm>
-            <a:off x="349623" y="1563190"/>
-            <a:ext cx="11273258" cy="2703945"/>
+            <a:off x="1114425" y="4257675"/>
+            <a:ext cx="1757363" cy="200025"/>
           </a:xfrm>
           <a:prstGeom prst="rect">
             <a:avLst/>
           </a:prstGeom>
+          <a:noFill/>
+          <a:ln w="28575">
+            <a:solidFill>
+              <a:srgbClr val="C00000"/>
+            </a:solidFill>
+          </a:ln>
+        </p:spPr>
+        <p:style>
+          <a:lnRef idx="2">
+            <a:schemeClr val="accent1">
+              <a:shade val="50000"/>
+            </a:schemeClr>
+          </a:lnRef>
+          <a:fillRef idx="1">
+            <a:schemeClr val="accent1"/>
+          </a:fillRef>
+          <a:effectRef idx="0">
+            <a:schemeClr val="accent1"/>
+          </a:effectRef>
+          <a:fontRef idx="minor">
+            <a:schemeClr val="lt1"/>
+          </a:fontRef>
+        </p:style>
+        <p:txBody>
+          <a:bodyPr rtlCol="0" anchor="ctr"/>
+          <a:lstStyle/>
+          <a:p>
+            <a:pPr algn="ctr"/>
+            <a:endParaRPr lang="ko-KR" altLang="en-US"/>
+          </a:p>
+        </p:txBody>
+      </p:sp>
+      <p:sp>
+        <p:nvSpPr>
+          <p:cNvPr id="13" name="직사각형 12">
+            <a:extLst>
+              <a:ext uri="{FF2B5EF4-FFF2-40B4-BE49-F238E27FC236}">
+                <a16:creationId xmlns:a16="http://schemas.microsoft.com/office/drawing/2014/main" id="{3D350A47-103E-4EA4-BB59-B3A36865BBB3}"/>
+              </a:ext>
+            </a:extLst>
+          </p:cNvPr>
+          <p:cNvSpPr/>
+          <p:nvPr/>
+        </p:nvSpPr>
+        <p:spPr>
+          <a:xfrm>
+            <a:off x="6436519" y="3228975"/>
+            <a:ext cx="2357437" cy="1028700"/>
+          </a:xfrm>
+          <a:prstGeom prst="rect">
+            <a:avLst/>
+          </a:prstGeom>
+          <a:noFill/>
+          <a:ln w="28575">
+            <a:solidFill>
+              <a:srgbClr val="C00000"/>
+            </a:solidFill>
+          </a:ln>
+        </p:spPr>
+        <p:style>
+          <a:lnRef idx="2">
+            <a:schemeClr val="accent1">
+              <a:shade val="50000"/>
+            </a:schemeClr>
+          </a:lnRef>
+          <a:fillRef idx="1">
+            <a:schemeClr val="accent1"/>
+          </a:fillRef>
+          <a:effectRef idx="0">
+            <a:schemeClr val="accent1"/>
+          </a:effectRef>
+          <a:fontRef idx="minor">
+            <a:schemeClr val="lt1"/>
+          </a:fontRef>
+        </p:style>
+        <p:txBody>
+          <a:bodyPr rtlCol="0" anchor="ctr"/>
+          <a:lstStyle/>
+          <a:p>
+            <a:pPr algn="ctr"/>
+            <a:endParaRPr lang="ko-KR" altLang="en-US"/>
+          </a:p>
+        </p:txBody>
+      </p:sp>
+      <p:cxnSp>
+        <p:nvCxnSpPr>
+          <p:cNvPr id="26" name="직선 화살표 연결선 25">
+            <a:extLst>
+              <a:ext uri="{FF2B5EF4-FFF2-40B4-BE49-F238E27FC236}">
+                <a16:creationId xmlns:a16="http://schemas.microsoft.com/office/drawing/2014/main" id="{1E554E52-C463-4992-AE4A-4951493BAA77}"/>
+              </a:ext>
+            </a:extLst>
+          </p:cNvPr>
+          <p:cNvCxnSpPr>
+            <a:cxnSpLocks/>
+            <a:stCxn id="11" idx="3"/>
+          </p:cNvCxnSpPr>
+          <p:nvPr/>
+        </p:nvCxnSpPr>
+        <p:spPr>
+          <a:xfrm flipV="1">
+            <a:off x="2871788" y="3774691"/>
+            <a:ext cx="3564731" cy="582997"/>
+          </a:xfrm>
+          <a:prstGeom prst="straightConnector1">
+            <a:avLst/>
+          </a:prstGeom>
+          <a:ln w="28575">
+            <a:solidFill>
+              <a:srgbClr val="C00000"/>
+            </a:solidFill>
+            <a:tailEnd type="triangle"/>
+          </a:ln>
+        </p:spPr>
+        <p:style>
+          <a:lnRef idx="1">
+            <a:schemeClr val="accent1"/>
+          </a:lnRef>
+          <a:fillRef idx="0">
+            <a:schemeClr val="accent1"/>
+          </a:fillRef>
+          <a:effectRef idx="0">
+            <a:schemeClr val="accent1"/>
+          </a:effectRef>
+          <a:fontRef idx="minor">
+            <a:schemeClr val="tx1"/>
+          </a:fontRef>
+        </p:style>
+      </p:cxnSp>
+      <p:sp>
+        <p:nvSpPr>
+          <p:cNvPr id="64" name="직사각형 63">
+            <a:extLst>
+              <a:ext uri="{FF2B5EF4-FFF2-40B4-BE49-F238E27FC236}">
+                <a16:creationId xmlns:a16="http://schemas.microsoft.com/office/drawing/2014/main" id="{F78D3420-FDBA-46A5-A948-0B8D8AB628FF}"/>
+              </a:ext>
+            </a:extLst>
+          </p:cNvPr>
+          <p:cNvSpPr/>
+          <p:nvPr/>
+        </p:nvSpPr>
+        <p:spPr>
+          <a:xfrm>
+            <a:off x="1114425" y="3278981"/>
+            <a:ext cx="1757363" cy="200025"/>
+          </a:xfrm>
+          <a:prstGeom prst="rect">
+            <a:avLst/>
+          </a:prstGeom>
+          <a:noFill/>
+          <a:ln w="28575">
+            <a:solidFill>
+              <a:srgbClr val="C00000"/>
+            </a:solidFill>
+          </a:ln>
+        </p:spPr>
+        <p:style>
+          <a:lnRef idx="2">
+            <a:schemeClr val="accent1">
+              <a:shade val="50000"/>
+            </a:schemeClr>
+          </a:lnRef>
+          <a:fillRef idx="1">
+            <a:schemeClr val="accent1"/>
+          </a:fillRef>
+          <a:effectRef idx="0">
+            <a:schemeClr val="accent1"/>
+          </a:effectRef>
+          <a:fontRef idx="minor">
+            <a:schemeClr val="lt1"/>
+          </a:fontRef>
+        </p:style>
+        <p:txBody>
+          <a:bodyPr rtlCol="0" anchor="ctr"/>
+          <a:lstStyle/>
+          <a:p>
+            <a:pPr algn="ctr"/>
+            <a:endParaRPr lang="ko-KR" altLang="en-US"/>
+          </a:p>
+        </p:txBody>
+      </p:sp>
+      <p:sp>
+        <p:nvSpPr>
+          <p:cNvPr id="34" name="직사각형 33">
+            <a:extLst>
+              <a:ext uri="{FF2B5EF4-FFF2-40B4-BE49-F238E27FC236}">
+                <a16:creationId xmlns:a16="http://schemas.microsoft.com/office/drawing/2014/main" id="{E5541129-5B9A-4B46-8FB6-D7A8351420A8}"/>
+              </a:ext>
+            </a:extLst>
+          </p:cNvPr>
+          <p:cNvSpPr/>
+          <p:nvPr/>
+        </p:nvSpPr>
+        <p:spPr>
+          <a:xfrm>
+            <a:off x="1109661" y="4831563"/>
+            <a:ext cx="1757363" cy="200025"/>
+          </a:xfrm>
+          <a:prstGeom prst="rect">
+            <a:avLst/>
+          </a:prstGeom>
+          <a:noFill/>
+          <a:ln w="28575">
+            <a:solidFill>
+              <a:srgbClr val="C00000"/>
+            </a:solidFill>
+          </a:ln>
+        </p:spPr>
+        <p:style>
+          <a:lnRef idx="2">
+            <a:schemeClr val="accent1">
+              <a:shade val="50000"/>
+            </a:schemeClr>
+          </a:lnRef>
+          <a:fillRef idx="1">
+            <a:schemeClr val="accent1"/>
+          </a:fillRef>
+          <a:effectRef idx="0">
+            <a:schemeClr val="accent1"/>
+          </a:effectRef>
+          <a:fontRef idx="minor">
+            <a:schemeClr val="lt1"/>
+          </a:fontRef>
+        </p:style>
+        <p:txBody>
+          <a:bodyPr rtlCol="0" anchor="ctr"/>
+          <a:lstStyle/>
+          <a:p>
+            <a:pPr algn="ctr"/>
+            <a:endParaRPr lang="ko-KR" altLang="en-US"/>
+          </a:p>
+        </p:txBody>
+      </p:sp>
+      <p:cxnSp>
+        <p:nvCxnSpPr>
+          <p:cNvPr id="35" name="직선 화살표 연결선 34">
+            <a:extLst>
+              <a:ext uri="{FF2B5EF4-FFF2-40B4-BE49-F238E27FC236}">
+                <a16:creationId xmlns:a16="http://schemas.microsoft.com/office/drawing/2014/main" id="{045AE6F9-BBD4-4727-B9E2-34AD19277872}"/>
+              </a:ext>
+            </a:extLst>
+          </p:cNvPr>
+          <p:cNvCxnSpPr>
+            <a:cxnSpLocks/>
+          </p:cNvCxnSpPr>
+          <p:nvPr/>
+        </p:nvCxnSpPr>
+        <p:spPr>
+          <a:xfrm flipV="1">
+            <a:off x="2871788" y="2813060"/>
+            <a:ext cx="4243387" cy="2097829"/>
+          </a:xfrm>
+          <a:prstGeom prst="straightConnector1">
+            <a:avLst/>
+          </a:prstGeom>
+          <a:ln w="28575">
+            <a:solidFill>
+              <a:srgbClr val="C00000"/>
+            </a:solidFill>
+            <a:tailEnd type="triangle"/>
+          </a:ln>
+        </p:spPr>
+        <p:style>
+          <a:lnRef idx="1">
+            <a:schemeClr val="accent1"/>
+          </a:lnRef>
+          <a:fillRef idx="0">
+            <a:schemeClr val="accent1"/>
+          </a:fillRef>
+          <a:effectRef idx="0">
+            <a:schemeClr val="accent1"/>
+          </a:effectRef>
+          <a:fontRef idx="minor">
+            <a:schemeClr val="tx1"/>
+          </a:fontRef>
+        </p:style>
+      </p:cxnSp>
+      <p:cxnSp>
+        <p:nvCxnSpPr>
+          <p:cNvPr id="38" name="직선 화살표 연결선 37">
+            <a:extLst>
+              <a:ext uri="{FF2B5EF4-FFF2-40B4-BE49-F238E27FC236}">
+                <a16:creationId xmlns:a16="http://schemas.microsoft.com/office/drawing/2014/main" id="{7D828708-D980-4C17-A755-EC0D0DBE2298}"/>
+              </a:ext>
+            </a:extLst>
+          </p:cNvPr>
+          <p:cNvCxnSpPr>
+            <a:cxnSpLocks/>
+          </p:cNvCxnSpPr>
+          <p:nvPr/>
+        </p:nvCxnSpPr>
+        <p:spPr>
+          <a:xfrm>
+            <a:off x="2876552" y="3378993"/>
+            <a:ext cx="3559967" cy="1198548"/>
+          </a:xfrm>
+          <a:prstGeom prst="straightConnector1">
+            <a:avLst/>
+          </a:prstGeom>
+          <a:ln w="28575">
+            <a:solidFill>
+              <a:srgbClr val="C00000"/>
+            </a:solidFill>
+            <a:tailEnd type="triangle"/>
+          </a:ln>
+        </p:spPr>
+        <p:style>
+          <a:lnRef idx="1">
+            <a:schemeClr val="accent1"/>
+          </a:lnRef>
+          <a:fillRef idx="0">
+            <a:schemeClr val="accent1"/>
+          </a:fillRef>
+          <a:effectRef idx="0">
+            <a:schemeClr val="accent1"/>
+          </a:effectRef>
+          <a:fontRef idx="minor">
+            <a:schemeClr val="tx1"/>
+          </a:fontRef>
+        </p:style>
+      </p:cxnSp>
+      <p:sp>
+        <p:nvSpPr>
+          <p:cNvPr id="41" name="직사각형 40">
+            <a:extLst>
+              <a:ext uri="{FF2B5EF4-FFF2-40B4-BE49-F238E27FC236}">
+                <a16:creationId xmlns:a16="http://schemas.microsoft.com/office/drawing/2014/main" id="{A192FE8A-9985-4AC2-A10F-A96C31AE8163}"/>
+              </a:ext>
+            </a:extLst>
+          </p:cNvPr>
+          <p:cNvSpPr/>
+          <p:nvPr/>
+        </p:nvSpPr>
+        <p:spPr>
+          <a:xfrm>
+            <a:off x="6401446" y="4307688"/>
+            <a:ext cx="2235348" cy="723900"/>
+          </a:xfrm>
+          <a:prstGeom prst="rect">
+            <a:avLst/>
+          </a:prstGeom>
+          <a:noFill/>
+          <a:ln w="28575">
+            <a:solidFill>
+              <a:srgbClr val="C00000"/>
+            </a:solidFill>
+          </a:ln>
+        </p:spPr>
+        <p:style>
+          <a:lnRef idx="2">
+            <a:schemeClr val="accent1">
+              <a:shade val="50000"/>
+            </a:schemeClr>
+          </a:lnRef>
+          <a:fillRef idx="1">
+            <a:schemeClr val="accent1"/>
+          </a:fillRef>
+          <a:effectRef idx="0">
+            <a:schemeClr val="accent1"/>
+          </a:effectRef>
+          <a:fontRef idx="minor">
+            <a:schemeClr val="lt1"/>
+          </a:fontRef>
+        </p:style>
+        <p:txBody>
+          <a:bodyPr rtlCol="0" anchor="ctr"/>
+          <a:lstStyle/>
+          <a:p>
+            <a:pPr algn="ctr"/>
+            <a:endParaRPr lang="ko-KR" altLang="en-US"/>
+          </a:p>
+        </p:txBody>
+      </p:sp>
+      <p:sp>
+        <p:nvSpPr>
+          <p:cNvPr id="42" name="직사각형 41">
+            <a:extLst>
+              <a:ext uri="{FF2B5EF4-FFF2-40B4-BE49-F238E27FC236}">
+                <a16:creationId xmlns:a16="http://schemas.microsoft.com/office/drawing/2014/main" id="{2EB2CD90-F3B3-4C19-8D9B-48356CC106A6}"/>
+              </a:ext>
+            </a:extLst>
+          </p:cNvPr>
+          <p:cNvSpPr/>
+          <p:nvPr/>
+        </p:nvSpPr>
+        <p:spPr>
+          <a:xfrm>
+            <a:off x="7103920" y="2409822"/>
+            <a:ext cx="1068530" cy="723900"/>
+          </a:xfrm>
+          <a:prstGeom prst="rect">
+            <a:avLst/>
+          </a:prstGeom>
+          <a:noFill/>
+          <a:ln w="28575">
+            <a:solidFill>
+              <a:srgbClr val="C00000"/>
+            </a:solidFill>
+          </a:ln>
+        </p:spPr>
+        <p:style>
+          <a:lnRef idx="2">
+            <a:schemeClr val="accent1">
+              <a:shade val="50000"/>
+            </a:schemeClr>
+          </a:lnRef>
+          <a:fillRef idx="1">
+            <a:schemeClr val="accent1"/>
+          </a:fillRef>
+          <a:effectRef idx="0">
+            <a:schemeClr val="accent1"/>
+          </a:effectRef>
+          <a:fontRef idx="minor">
+            <a:schemeClr val="lt1"/>
+          </a:fontRef>
+        </p:style>
+        <p:txBody>
+          <a:bodyPr rtlCol="0" anchor="ctr"/>
+          <a:lstStyle/>
+          <a:p>
+            <a:pPr algn="ctr"/>
+            <a:endParaRPr lang="ko-KR" altLang="en-US"/>
+          </a:p>
+        </p:txBody>
+      </p:sp>
+      <p:sp>
+        <p:nvSpPr>
+          <p:cNvPr id="69" name="TextBox 68">
+            <a:extLst>
+              <a:ext uri="{FF2B5EF4-FFF2-40B4-BE49-F238E27FC236}">
+                <a16:creationId xmlns:a16="http://schemas.microsoft.com/office/drawing/2014/main" id="{E32FAC89-D4C2-4613-BF28-A685B07F0DCB}"/>
+              </a:ext>
+            </a:extLst>
+          </p:cNvPr>
+          <p:cNvSpPr txBox="1"/>
+          <p:nvPr/>
+        </p:nvSpPr>
+        <p:spPr>
+          <a:xfrm>
+            <a:off x="1680368" y="6050463"/>
+            <a:ext cx="8831264" cy="461665"/>
+          </a:xfrm>
+          <a:prstGeom prst="rect">
+            <a:avLst/>
+          </a:prstGeom>
+          <a:noFill/>
         </p:spPr>
         <p:txBody>
-          <a:bodyPr wrap="square">
+          <a:bodyPr wrap="none" rtlCol="0">
             <a:spAutoFit/>
           </a:bodyPr>
           <a:lstStyle/>
           <a:p>
-            <a:pPr>
-              <a:lnSpc>
-                <a:spcPct val="107000"/>
-              </a:lnSpc>
-            </a:pPr>
-            <a:r>
-              <a:rPr lang="en-US" altLang="ko-KR" kern="100" dirty="0" err="1">
-                <a:latin typeface="휴먼명조" panose="02010504000101010101" pitchFamily="2" charset="-127"/>
-                <a:cs typeface="Times New Roman" panose="02020603050405020304" pitchFamily="18" charset="0"/>
-              </a:rPr>
-              <a:t>Tweetrend</a:t>
-            </a:r>
-            <a:r>
-              <a:rPr lang="en-US" altLang="ko-KR" kern="100" dirty="0">
-                <a:latin typeface="휴먼명조" panose="02010504000101010101" pitchFamily="2" charset="-127"/>
-                <a:cs typeface="Times New Roman" panose="02020603050405020304" pitchFamily="18" charset="0"/>
-              </a:rPr>
-              <a:t>,</a:t>
-            </a:r>
-            <a:r>
-              <a:rPr lang="ko-KR" altLang="en-US" kern="100" dirty="0">
-                <a:latin typeface="휴먼명조" panose="02010504000101010101" pitchFamily="2" charset="-127"/>
-                <a:cs typeface="Times New Roman" panose="02020603050405020304" pitchFamily="18" charset="0"/>
-              </a:rPr>
-              <a:t> </a:t>
-            </a:r>
-            <a:r>
-              <a:rPr lang="en-US" altLang="ko-KR" u="sng" kern="100" dirty="0">
-                <a:solidFill>
-                  <a:srgbClr val="0563C1"/>
-                </a:solidFill>
-                <a:latin typeface="휴먼명조" panose="02010504000101010101" pitchFamily="2" charset="-127"/>
-                <a:cs typeface="Times New Roman" panose="02020603050405020304" pitchFamily="18" charset="0"/>
-              </a:rPr>
-              <a:t>http://tweetrend.com/</a:t>
-            </a:r>
-            <a:endParaRPr lang="ko-KR" altLang="ko-KR" sz="2000" kern="100" dirty="0">
-              <a:latin typeface="맑은 고딕" panose="020B0503020000020004" pitchFamily="50" charset="-127"/>
-              <a:cs typeface="Times New Roman" panose="02020603050405020304" pitchFamily="18" charset="0"/>
-            </a:endParaRPr>
-          </a:p>
-          <a:p>
-            <a:pPr>
-              <a:lnSpc>
-                <a:spcPct val="107000"/>
-              </a:lnSpc>
-            </a:pPr>
-            <a:r>
-              <a:rPr lang="en-US" altLang="ko-KR" kern="100" dirty="0">
-                <a:latin typeface="휴먼명조" panose="02010504000101010101" pitchFamily="2" charset="-127"/>
-                <a:cs typeface="Times New Roman" panose="02020603050405020304" pitchFamily="18" charset="0"/>
-              </a:rPr>
-              <a:t> </a:t>
-            </a:r>
-            <a:endParaRPr lang="ko-KR" altLang="ko-KR" sz="2000" kern="100" dirty="0">
-              <a:latin typeface="맑은 고딕" panose="020B0503020000020004" pitchFamily="50" charset="-127"/>
-              <a:cs typeface="Times New Roman" panose="02020603050405020304" pitchFamily="18" charset="0"/>
-            </a:endParaRPr>
-          </a:p>
-          <a:p>
-            <a:pPr>
-              <a:lnSpc>
-                <a:spcPct val="107000"/>
-              </a:lnSpc>
-            </a:pPr>
-            <a:r>
-              <a:rPr lang="en-US" altLang="ko-KR" kern="100" dirty="0">
-                <a:latin typeface="휴먼명조" panose="02010504000101010101" pitchFamily="2" charset="-127"/>
-                <a:cs typeface="Times New Roman" panose="02020603050405020304" pitchFamily="18" charset="0"/>
-              </a:rPr>
-              <a:t>Foller.me beta, </a:t>
-            </a:r>
-            <a:r>
-              <a:rPr lang="en-US" altLang="ko-KR" u="sng" kern="100" dirty="0">
-                <a:solidFill>
-                  <a:srgbClr val="0563C1"/>
-                </a:solidFill>
-                <a:latin typeface="휴먼명조" panose="02010504000101010101" pitchFamily="2" charset="-127"/>
-                <a:cs typeface="Times New Roman" panose="02020603050405020304" pitchFamily="18" charset="0"/>
-                <a:hlinkClick r:id="rId3"/>
-              </a:rPr>
-              <a:t>https://foller.me/</a:t>
-            </a:r>
-            <a:endParaRPr lang="en-US" altLang="ko-KR" u="sng" kern="100" dirty="0">
-              <a:solidFill>
-                <a:srgbClr val="0563C1"/>
-              </a:solidFill>
-              <a:latin typeface="휴먼명조" panose="02010504000101010101" pitchFamily="2" charset="-127"/>
-              <a:cs typeface="Times New Roman" panose="02020603050405020304" pitchFamily="18" charset="0"/>
-            </a:endParaRPr>
-          </a:p>
-          <a:p>
-            <a:pPr>
-              <a:lnSpc>
-                <a:spcPct val="107000"/>
-              </a:lnSpc>
-            </a:pPr>
-            <a:endParaRPr lang="en-US" altLang="ko-KR" kern="100" dirty="0">
-              <a:latin typeface="휴먼명조" panose="02010504000101010101" pitchFamily="2" charset="-127"/>
-              <a:cs typeface="Times New Roman" panose="02020603050405020304" pitchFamily="18" charset="0"/>
-            </a:endParaRPr>
-          </a:p>
-          <a:p>
-            <a:pPr>
-              <a:lnSpc>
-                <a:spcPct val="107000"/>
-              </a:lnSpc>
-            </a:pPr>
-            <a:r>
-              <a:rPr lang="en-US" altLang="ko-KR" kern="100" dirty="0" err="1">
-                <a:latin typeface="휴먼명조" panose="02010504000101010101" pitchFamily="2" charset="-127"/>
-                <a:cs typeface="Times New Roman" panose="02020603050405020304" pitchFamily="18" charset="0"/>
-              </a:rPr>
-              <a:t>Tweepy</a:t>
-            </a:r>
-            <a:r>
-              <a:rPr lang="en-US" altLang="ko-KR" kern="100" dirty="0">
-                <a:latin typeface="휴먼명조" panose="02010504000101010101" pitchFamily="2" charset="-127"/>
-                <a:cs typeface="Times New Roman" panose="02020603050405020304" pitchFamily="18" charset="0"/>
-              </a:rPr>
-              <a:t>, </a:t>
-            </a:r>
-            <a:r>
-              <a:rPr lang="en-US" altLang="ko-KR" kern="100" dirty="0">
-                <a:latin typeface="휴먼명조" panose="02010504000101010101" pitchFamily="2" charset="-127"/>
-                <a:cs typeface="Times New Roman" panose="02020603050405020304" pitchFamily="18" charset="0"/>
-                <a:hlinkClick r:id="rId4"/>
-              </a:rPr>
-              <a:t>https://www.tweepy.org/</a:t>
-            </a:r>
-            <a:endParaRPr lang="en-US" altLang="ko-KR" kern="100" dirty="0">
-              <a:latin typeface="휴먼명조" panose="02010504000101010101" pitchFamily="2" charset="-127"/>
-              <a:cs typeface="Times New Roman" panose="02020603050405020304" pitchFamily="18" charset="0"/>
-            </a:endParaRPr>
-          </a:p>
-          <a:p>
-            <a:pPr>
-              <a:lnSpc>
-                <a:spcPct val="107000"/>
-              </a:lnSpc>
-            </a:pPr>
-            <a:endParaRPr lang="en-US" altLang="ko-KR" kern="100" dirty="0">
-              <a:latin typeface="휴먼명조" panose="02010504000101010101" pitchFamily="2" charset="-127"/>
-              <a:cs typeface="Times New Roman" panose="02020603050405020304" pitchFamily="18" charset="0"/>
-            </a:endParaRPr>
-          </a:p>
-          <a:p>
-            <a:pPr>
-              <a:lnSpc>
-                <a:spcPct val="107000"/>
-              </a:lnSpc>
-            </a:pPr>
-            <a:r>
-              <a:rPr lang="ko-KR" altLang="ko-KR" sz="1600" dirty="0"/>
-              <a:t>정재화</a:t>
-            </a:r>
-            <a:r>
-              <a:rPr lang="en-US" altLang="ko-KR" sz="1600" dirty="0"/>
-              <a:t>, </a:t>
-            </a:r>
-            <a:r>
-              <a:rPr lang="ko-KR" altLang="ko-KR" sz="1600" dirty="0"/>
-              <a:t>시작하세요</a:t>
-            </a:r>
-            <a:r>
-              <a:rPr lang="en-US" altLang="ko-KR" sz="1600" dirty="0"/>
-              <a:t>! </a:t>
-            </a:r>
-            <a:r>
-              <a:rPr lang="ko-KR" altLang="ko-KR" sz="1600" dirty="0" err="1"/>
-              <a:t>하둡</a:t>
-            </a:r>
-            <a:r>
-              <a:rPr lang="ko-KR" altLang="ko-KR" sz="1600" dirty="0"/>
-              <a:t> 프로그래밍 빅데이터 분석을 위한 </a:t>
-            </a:r>
-            <a:r>
-              <a:rPr lang="ko-KR" altLang="ko-KR" sz="1600" dirty="0" err="1"/>
-              <a:t>하둡</a:t>
-            </a:r>
-            <a:r>
-              <a:rPr lang="ko-KR" altLang="ko-KR" sz="1600" dirty="0"/>
-              <a:t> 기초부터</a:t>
-            </a:r>
-            <a:r>
-              <a:rPr lang="en-US" altLang="ko-KR" sz="1600" dirty="0"/>
-              <a:t> YARN</a:t>
-            </a:r>
-            <a:r>
-              <a:rPr lang="ko-KR" altLang="ko-KR" sz="1600" dirty="0"/>
-              <a:t>까지</a:t>
-            </a:r>
-            <a:r>
-              <a:rPr lang="en-US" altLang="ko-KR" sz="1600" dirty="0"/>
-              <a:t>[</a:t>
-            </a:r>
-            <a:r>
-              <a:rPr lang="ko-KR" altLang="ko-KR" sz="1600" dirty="0"/>
-              <a:t>개정</a:t>
-            </a:r>
-            <a:r>
-              <a:rPr lang="en-US" altLang="ko-KR" sz="1600" dirty="0"/>
-              <a:t>2</a:t>
-            </a:r>
-            <a:r>
-              <a:rPr lang="ko-KR" altLang="ko-KR" sz="1600" dirty="0"/>
-              <a:t>판</a:t>
-            </a:r>
-            <a:r>
-              <a:rPr lang="en-US" altLang="ko-KR" sz="1600" dirty="0"/>
-              <a:t>], 2016.05.13, </a:t>
-            </a:r>
-            <a:r>
-              <a:rPr lang="ko-KR" altLang="ko-KR" sz="1600" dirty="0" err="1"/>
-              <a:t>위키북스</a:t>
-            </a:r>
-            <a:endParaRPr lang="ko-KR" altLang="ko-KR" sz="1600" dirty="0"/>
-          </a:p>
-          <a:p>
-            <a:pPr>
-              <a:lnSpc>
-                <a:spcPct val="107000"/>
-              </a:lnSpc>
-            </a:pPr>
-            <a:endParaRPr lang="en-US" altLang="ko-KR" kern="100" dirty="0">
-              <a:latin typeface="휴먼명조" panose="02010504000101010101" pitchFamily="2" charset="-127"/>
-              <a:cs typeface="Times New Roman" panose="02020603050405020304" pitchFamily="18" charset="0"/>
-            </a:endParaRPr>
-          </a:p>
-          <a:p>
-            <a:pPr>
-              <a:lnSpc>
-                <a:spcPct val="107000"/>
-              </a:lnSpc>
-            </a:pPr>
-            <a:endParaRPr lang="en-US" altLang="ko-KR" kern="100" dirty="0">
-              <a:latin typeface="휴먼명조" panose="02010504000101010101" pitchFamily="2" charset="-127"/>
-              <a:cs typeface="Times New Roman" panose="02020603050405020304" pitchFamily="18" charset="0"/>
-            </a:endParaRPr>
+            <a:r>
+              <a:rPr lang="ko-KR" altLang="en-US" sz="2400" b="1" dirty="0"/>
+              <a:t>가장 많이 사용된 키워드 순으로 글자 </a:t>
+            </a:r>
+            <a:r>
+              <a:rPr lang="ko-KR" altLang="en-US" sz="2400" b="1"/>
+              <a:t>크기가 결정되어 시각화</a:t>
+            </a:r>
+            <a:r>
+              <a:rPr lang="en-US" altLang="ko-KR" sz="2400" b="1" dirty="0"/>
+              <a:t>.</a:t>
+            </a:r>
+            <a:endParaRPr lang="ko-KR" altLang="en-US" sz="2400" b="1" dirty="0"/>
           </a:p>
         </p:txBody>
       </p:sp>
     </p:spTree>
     <p:extLst>
       <p:ext uri="{BB962C8B-B14F-4D97-AF65-F5344CB8AC3E}">
-        <p14:creationId xmlns:p14="http://schemas.microsoft.com/office/powerpoint/2010/main" val="2757737870"/>
+        <p14:creationId xmlns:p14="http://schemas.microsoft.com/office/powerpoint/2010/main" val="4084978939"/>
       </p:ext>
     </p:extLst>
   </p:cSld>
@@ -31768,6 +32279,458 @@
                 <a:ea typeface="조선일보명조" panose="02030304000000000000" pitchFamily="18" charset="-127"/>
                 <a:cs typeface="조선일보명조" panose="02030304000000000000" pitchFamily="18" charset="-127"/>
               </a:rPr>
+              <a:t>T-SA: Reference</a:t>
+            </a:r>
+            <a:endParaRPr lang="ko-KR" altLang="en-US" sz="2400" b="1" dirty="0">
+              <a:latin typeface="조선일보명조" panose="02030304000000000000" pitchFamily="18" charset="-127"/>
+              <a:ea typeface="조선일보명조" panose="02030304000000000000" pitchFamily="18" charset="-127"/>
+              <a:cs typeface="조선일보명조" panose="02030304000000000000" pitchFamily="18" charset="-127"/>
+            </a:endParaRPr>
+          </a:p>
+        </p:txBody>
+      </p:sp>
+      <p:sp>
+        <p:nvSpPr>
+          <p:cNvPr id="91" name="TextBox 90">
+            <a:extLst>
+              <a:ext uri="{FF2B5EF4-FFF2-40B4-BE49-F238E27FC236}">
+                <a16:creationId xmlns:a16="http://schemas.microsoft.com/office/drawing/2014/main" id="{88E709A0-853A-4DCC-908E-0927D452C587}"/>
+              </a:ext>
+            </a:extLst>
+          </p:cNvPr>
+          <p:cNvSpPr txBox="1"/>
+          <p:nvPr/>
+        </p:nvSpPr>
+        <p:spPr>
+          <a:xfrm>
+            <a:off x="475129" y="916859"/>
+            <a:ext cx="4379725" cy="323165"/>
+          </a:xfrm>
+          <a:prstGeom prst="rect">
+            <a:avLst/>
+          </a:prstGeom>
+          <a:noFill/>
+        </p:spPr>
+        <p:txBody>
+          <a:bodyPr wrap="none" rtlCol="0">
+            <a:spAutoFit/>
+          </a:bodyPr>
+          <a:lstStyle/>
+          <a:p>
+            <a:pPr algn="ctr"/>
+            <a:r>
+              <a:rPr lang="en-US" altLang="ko-KR" sz="1500" dirty="0">
+                <a:solidFill>
+                  <a:schemeClr val="bg1">
+                    <a:lumMod val="65000"/>
+                  </a:schemeClr>
+                </a:solidFill>
+                <a:latin typeface="나눔바른고딕" panose="020B0603020101020101" pitchFamily="50" charset="-127"/>
+                <a:ea typeface="나눔바른고딕" panose="020B0603020101020101" pitchFamily="50" charset="-127"/>
+                <a:cs typeface="조선일보명조" panose="02030304000000000000" pitchFamily="18" charset="-127"/>
+              </a:rPr>
+              <a:t>Twitter</a:t>
+            </a:r>
+            <a:r>
+              <a:rPr lang="en-US" altLang="ko-KR" sz="1500" dirty="0">
+                <a:solidFill>
+                  <a:schemeClr val="bg1">
+                    <a:lumMod val="65000"/>
+                  </a:schemeClr>
+                </a:solidFill>
+                <a:latin typeface="조선일보명조" panose="02030304000000000000" pitchFamily="18" charset="-127"/>
+                <a:ea typeface="조선일보명조" panose="02030304000000000000" pitchFamily="18" charset="-127"/>
+                <a:cs typeface="조선일보명조" panose="02030304000000000000" pitchFamily="18" charset="-127"/>
+              </a:rPr>
+              <a:t> Keyword Search API based Tweet Analysis</a:t>
+            </a:r>
+          </a:p>
+        </p:txBody>
+      </p:sp>
+      <p:sp>
+        <p:nvSpPr>
+          <p:cNvPr id="2" name="직사각형 1">
+            <a:extLst>
+              <a:ext uri="{FF2B5EF4-FFF2-40B4-BE49-F238E27FC236}">
+                <a16:creationId xmlns:a16="http://schemas.microsoft.com/office/drawing/2014/main" id="{F56C176E-0D1D-4EC1-A3D3-6455FB829963}"/>
+              </a:ext>
+            </a:extLst>
+          </p:cNvPr>
+          <p:cNvSpPr/>
+          <p:nvPr/>
+        </p:nvSpPr>
+        <p:spPr>
+          <a:xfrm>
+            <a:off x="349623" y="1563190"/>
+            <a:ext cx="11273258" cy="2703945"/>
+          </a:xfrm>
+          <a:prstGeom prst="rect">
+            <a:avLst/>
+          </a:prstGeom>
+        </p:spPr>
+        <p:txBody>
+          <a:bodyPr wrap="square">
+            <a:spAutoFit/>
+          </a:bodyPr>
+          <a:lstStyle/>
+          <a:p>
+            <a:pPr>
+              <a:lnSpc>
+                <a:spcPct val="107000"/>
+              </a:lnSpc>
+            </a:pPr>
+            <a:r>
+              <a:rPr lang="en-US" altLang="ko-KR" kern="100" dirty="0" err="1">
+                <a:latin typeface="휴먼명조" panose="02010504000101010101" pitchFamily="2" charset="-127"/>
+                <a:cs typeface="Times New Roman" panose="02020603050405020304" pitchFamily="18" charset="0"/>
+              </a:rPr>
+              <a:t>Tweetrend</a:t>
+            </a:r>
+            <a:r>
+              <a:rPr lang="en-US" altLang="ko-KR" kern="100" dirty="0">
+                <a:latin typeface="휴먼명조" panose="02010504000101010101" pitchFamily="2" charset="-127"/>
+                <a:cs typeface="Times New Roman" panose="02020603050405020304" pitchFamily="18" charset="0"/>
+              </a:rPr>
+              <a:t>,</a:t>
+            </a:r>
+            <a:r>
+              <a:rPr lang="ko-KR" altLang="en-US" kern="100" dirty="0">
+                <a:latin typeface="휴먼명조" panose="02010504000101010101" pitchFamily="2" charset="-127"/>
+                <a:cs typeface="Times New Roman" panose="02020603050405020304" pitchFamily="18" charset="0"/>
+              </a:rPr>
+              <a:t> </a:t>
+            </a:r>
+            <a:r>
+              <a:rPr lang="en-US" altLang="ko-KR" u="sng" kern="100" dirty="0">
+                <a:solidFill>
+                  <a:srgbClr val="0563C1"/>
+                </a:solidFill>
+                <a:latin typeface="휴먼명조" panose="02010504000101010101" pitchFamily="2" charset="-127"/>
+                <a:cs typeface="Times New Roman" panose="02020603050405020304" pitchFamily="18" charset="0"/>
+              </a:rPr>
+              <a:t>http://tweetrend.com/</a:t>
+            </a:r>
+            <a:endParaRPr lang="ko-KR" altLang="ko-KR" sz="2000" kern="100" dirty="0">
+              <a:latin typeface="맑은 고딕" panose="020B0503020000020004" pitchFamily="50" charset="-127"/>
+              <a:cs typeface="Times New Roman" panose="02020603050405020304" pitchFamily="18" charset="0"/>
+            </a:endParaRPr>
+          </a:p>
+          <a:p>
+            <a:pPr>
+              <a:lnSpc>
+                <a:spcPct val="107000"/>
+              </a:lnSpc>
+            </a:pPr>
+            <a:r>
+              <a:rPr lang="en-US" altLang="ko-KR" kern="100" dirty="0">
+                <a:latin typeface="휴먼명조" panose="02010504000101010101" pitchFamily="2" charset="-127"/>
+                <a:cs typeface="Times New Roman" panose="02020603050405020304" pitchFamily="18" charset="0"/>
+              </a:rPr>
+              <a:t> </a:t>
+            </a:r>
+            <a:endParaRPr lang="ko-KR" altLang="ko-KR" sz="2000" kern="100" dirty="0">
+              <a:latin typeface="맑은 고딕" panose="020B0503020000020004" pitchFamily="50" charset="-127"/>
+              <a:cs typeface="Times New Roman" panose="02020603050405020304" pitchFamily="18" charset="0"/>
+            </a:endParaRPr>
+          </a:p>
+          <a:p>
+            <a:pPr>
+              <a:lnSpc>
+                <a:spcPct val="107000"/>
+              </a:lnSpc>
+            </a:pPr>
+            <a:r>
+              <a:rPr lang="en-US" altLang="ko-KR" kern="100" dirty="0">
+                <a:latin typeface="휴먼명조" panose="02010504000101010101" pitchFamily="2" charset="-127"/>
+                <a:cs typeface="Times New Roman" panose="02020603050405020304" pitchFamily="18" charset="0"/>
+              </a:rPr>
+              <a:t>Foller.me beta, </a:t>
+            </a:r>
+            <a:r>
+              <a:rPr lang="en-US" altLang="ko-KR" u="sng" kern="100" dirty="0">
+                <a:solidFill>
+                  <a:srgbClr val="0563C1"/>
+                </a:solidFill>
+                <a:latin typeface="휴먼명조" panose="02010504000101010101" pitchFamily="2" charset="-127"/>
+                <a:cs typeface="Times New Roman" panose="02020603050405020304" pitchFamily="18" charset="0"/>
+                <a:hlinkClick r:id="rId3"/>
+              </a:rPr>
+              <a:t>https://foller.me/</a:t>
+            </a:r>
+            <a:endParaRPr lang="en-US" altLang="ko-KR" u="sng" kern="100" dirty="0">
+              <a:solidFill>
+                <a:srgbClr val="0563C1"/>
+              </a:solidFill>
+              <a:latin typeface="휴먼명조" panose="02010504000101010101" pitchFamily="2" charset="-127"/>
+              <a:cs typeface="Times New Roman" panose="02020603050405020304" pitchFamily="18" charset="0"/>
+            </a:endParaRPr>
+          </a:p>
+          <a:p>
+            <a:pPr>
+              <a:lnSpc>
+                <a:spcPct val="107000"/>
+              </a:lnSpc>
+            </a:pPr>
+            <a:endParaRPr lang="en-US" altLang="ko-KR" kern="100" dirty="0">
+              <a:latin typeface="휴먼명조" panose="02010504000101010101" pitchFamily="2" charset="-127"/>
+              <a:cs typeface="Times New Roman" panose="02020603050405020304" pitchFamily="18" charset="0"/>
+            </a:endParaRPr>
+          </a:p>
+          <a:p>
+            <a:pPr>
+              <a:lnSpc>
+                <a:spcPct val="107000"/>
+              </a:lnSpc>
+            </a:pPr>
+            <a:r>
+              <a:rPr lang="en-US" altLang="ko-KR" kern="100" dirty="0" err="1">
+                <a:latin typeface="휴먼명조" panose="02010504000101010101" pitchFamily="2" charset="-127"/>
+                <a:cs typeface="Times New Roman" panose="02020603050405020304" pitchFamily="18" charset="0"/>
+              </a:rPr>
+              <a:t>Tweepy</a:t>
+            </a:r>
+            <a:r>
+              <a:rPr lang="en-US" altLang="ko-KR" kern="100" dirty="0">
+                <a:latin typeface="휴먼명조" panose="02010504000101010101" pitchFamily="2" charset="-127"/>
+                <a:cs typeface="Times New Roman" panose="02020603050405020304" pitchFamily="18" charset="0"/>
+              </a:rPr>
+              <a:t>, </a:t>
+            </a:r>
+            <a:r>
+              <a:rPr lang="en-US" altLang="ko-KR" kern="100" dirty="0">
+                <a:latin typeface="휴먼명조" panose="02010504000101010101" pitchFamily="2" charset="-127"/>
+                <a:cs typeface="Times New Roman" panose="02020603050405020304" pitchFamily="18" charset="0"/>
+                <a:hlinkClick r:id="rId4"/>
+              </a:rPr>
+              <a:t>https://www.tweepy.org/</a:t>
+            </a:r>
+            <a:endParaRPr lang="en-US" altLang="ko-KR" kern="100" dirty="0">
+              <a:latin typeface="휴먼명조" panose="02010504000101010101" pitchFamily="2" charset="-127"/>
+              <a:cs typeface="Times New Roman" panose="02020603050405020304" pitchFamily="18" charset="0"/>
+            </a:endParaRPr>
+          </a:p>
+          <a:p>
+            <a:pPr>
+              <a:lnSpc>
+                <a:spcPct val="107000"/>
+              </a:lnSpc>
+            </a:pPr>
+            <a:endParaRPr lang="en-US" altLang="ko-KR" kern="100" dirty="0">
+              <a:latin typeface="휴먼명조" panose="02010504000101010101" pitchFamily="2" charset="-127"/>
+              <a:cs typeface="Times New Roman" panose="02020603050405020304" pitchFamily="18" charset="0"/>
+            </a:endParaRPr>
+          </a:p>
+          <a:p>
+            <a:pPr>
+              <a:lnSpc>
+                <a:spcPct val="107000"/>
+              </a:lnSpc>
+            </a:pPr>
+            <a:r>
+              <a:rPr lang="ko-KR" altLang="ko-KR" sz="1600" dirty="0"/>
+              <a:t>정재화</a:t>
+            </a:r>
+            <a:r>
+              <a:rPr lang="en-US" altLang="ko-KR" sz="1600" dirty="0"/>
+              <a:t>, </a:t>
+            </a:r>
+            <a:r>
+              <a:rPr lang="ko-KR" altLang="ko-KR" sz="1600" dirty="0"/>
+              <a:t>시작하세요</a:t>
+            </a:r>
+            <a:r>
+              <a:rPr lang="en-US" altLang="ko-KR" sz="1600" dirty="0"/>
+              <a:t>! </a:t>
+            </a:r>
+            <a:r>
+              <a:rPr lang="ko-KR" altLang="ko-KR" sz="1600" dirty="0" err="1"/>
+              <a:t>하둡</a:t>
+            </a:r>
+            <a:r>
+              <a:rPr lang="ko-KR" altLang="ko-KR" sz="1600" dirty="0"/>
+              <a:t> 프로그래밍 빅데이터 분석을 위한 </a:t>
+            </a:r>
+            <a:r>
+              <a:rPr lang="ko-KR" altLang="ko-KR" sz="1600" dirty="0" err="1"/>
+              <a:t>하둡</a:t>
+            </a:r>
+            <a:r>
+              <a:rPr lang="ko-KR" altLang="ko-KR" sz="1600" dirty="0"/>
+              <a:t> 기초부터</a:t>
+            </a:r>
+            <a:r>
+              <a:rPr lang="en-US" altLang="ko-KR" sz="1600" dirty="0"/>
+              <a:t> YARN</a:t>
+            </a:r>
+            <a:r>
+              <a:rPr lang="ko-KR" altLang="ko-KR" sz="1600" dirty="0"/>
+              <a:t>까지</a:t>
+            </a:r>
+            <a:r>
+              <a:rPr lang="en-US" altLang="ko-KR" sz="1600" dirty="0"/>
+              <a:t>[</a:t>
+            </a:r>
+            <a:r>
+              <a:rPr lang="ko-KR" altLang="ko-KR" sz="1600" dirty="0"/>
+              <a:t>개정</a:t>
+            </a:r>
+            <a:r>
+              <a:rPr lang="en-US" altLang="ko-KR" sz="1600" dirty="0"/>
+              <a:t>2</a:t>
+            </a:r>
+            <a:r>
+              <a:rPr lang="ko-KR" altLang="ko-KR" sz="1600" dirty="0"/>
+              <a:t>판</a:t>
+            </a:r>
+            <a:r>
+              <a:rPr lang="en-US" altLang="ko-KR" sz="1600" dirty="0"/>
+              <a:t>], 2016.05.13, </a:t>
+            </a:r>
+            <a:r>
+              <a:rPr lang="ko-KR" altLang="ko-KR" sz="1600" dirty="0" err="1"/>
+              <a:t>위키북스</a:t>
+            </a:r>
+            <a:endParaRPr lang="ko-KR" altLang="ko-KR" sz="1600" dirty="0"/>
+          </a:p>
+          <a:p>
+            <a:pPr>
+              <a:lnSpc>
+                <a:spcPct val="107000"/>
+              </a:lnSpc>
+            </a:pPr>
+            <a:endParaRPr lang="en-US" altLang="ko-KR" kern="100" dirty="0">
+              <a:latin typeface="휴먼명조" panose="02010504000101010101" pitchFamily="2" charset="-127"/>
+              <a:cs typeface="Times New Roman" panose="02020603050405020304" pitchFamily="18" charset="0"/>
+            </a:endParaRPr>
+          </a:p>
+          <a:p>
+            <a:pPr>
+              <a:lnSpc>
+                <a:spcPct val="107000"/>
+              </a:lnSpc>
+            </a:pPr>
+            <a:endParaRPr lang="en-US" altLang="ko-KR" kern="100" dirty="0">
+              <a:latin typeface="휴먼명조" panose="02010504000101010101" pitchFamily="2" charset="-127"/>
+              <a:cs typeface="Times New Roman" panose="02020603050405020304" pitchFamily="18" charset="0"/>
+            </a:endParaRPr>
+          </a:p>
+        </p:txBody>
+      </p:sp>
+    </p:spTree>
+    <p:extLst>
+      <p:ext uri="{BB962C8B-B14F-4D97-AF65-F5344CB8AC3E}">
+        <p14:creationId xmlns:p14="http://schemas.microsoft.com/office/powerpoint/2010/main" val="2757737870"/>
+      </p:ext>
+    </p:extLst>
+  </p:cSld>
+  <p:clrMapOvr>
+    <a:masterClrMapping/>
+  </p:clrMapOvr>
+</p:sld>
+</file>
+
+<file path=ppt/slides/slide32.xml><?xml version="1.0" encoding="utf-8"?>
+<p:sld xmlns:a="http://schemas.openxmlformats.org/drawingml/2006/main" xmlns:r="http://schemas.openxmlformats.org/officeDocument/2006/relationships" xmlns:p="http://schemas.openxmlformats.org/presentationml/2006/main">
+  <p:cSld>
+    <p:spTree>
+      <p:nvGrpSpPr>
+        <p:cNvPr id="1" name=""/>
+        <p:cNvGrpSpPr/>
+        <p:nvPr/>
+      </p:nvGrpSpPr>
+      <p:grpSpPr>
+        <a:xfrm>
+          <a:off x="0" y="0"/>
+          <a:ext cx="0" cy="0"/>
+          <a:chOff x="0" y="0"/>
+          <a:chExt cx="0" cy="0"/>
+        </a:xfrm>
+      </p:grpSpPr>
+      <p:sp>
+        <p:nvSpPr>
+          <p:cNvPr id="4" name="직사각형 3">
+            <a:extLst>
+              <a:ext uri="{FF2B5EF4-FFF2-40B4-BE49-F238E27FC236}">
+                <a16:creationId xmlns:a16="http://schemas.microsoft.com/office/drawing/2014/main" id="{C6884EF8-13B8-4906-AFA1-F7D11047E8A5}"/>
+              </a:ext>
+            </a:extLst>
+          </p:cNvPr>
+          <p:cNvSpPr/>
+          <p:nvPr/>
+        </p:nvSpPr>
+        <p:spPr>
+          <a:xfrm>
+            <a:off x="349623" y="432111"/>
+            <a:ext cx="125506" cy="807913"/>
+          </a:xfrm>
+          <a:prstGeom prst="rect">
+            <a:avLst/>
+          </a:prstGeom>
+          <a:solidFill>
+            <a:srgbClr val="C00000"/>
+          </a:solidFill>
+          <a:ln>
+            <a:noFill/>
+          </a:ln>
+        </p:spPr>
+        <p:style>
+          <a:lnRef idx="2">
+            <a:schemeClr val="accent1">
+              <a:shade val="50000"/>
+            </a:schemeClr>
+          </a:lnRef>
+          <a:fillRef idx="1">
+            <a:schemeClr val="accent1"/>
+          </a:fillRef>
+          <a:effectRef idx="0">
+            <a:schemeClr val="accent1"/>
+          </a:effectRef>
+          <a:fontRef idx="minor">
+            <a:schemeClr val="lt1"/>
+          </a:fontRef>
+        </p:style>
+        <p:txBody>
+          <a:bodyPr rtlCol="0" anchor="ctr"/>
+          <a:lstStyle/>
+          <a:p>
+            <a:pPr algn="ctr"/>
+            <a:endParaRPr lang="ko-KR" altLang="en-US"/>
+          </a:p>
+        </p:txBody>
+      </p:sp>
+      <p:sp>
+        <p:nvSpPr>
+          <p:cNvPr id="6" name="직사각형 5">
+            <a:extLst>
+              <a:ext uri="{FF2B5EF4-FFF2-40B4-BE49-F238E27FC236}">
+                <a16:creationId xmlns:a16="http://schemas.microsoft.com/office/drawing/2014/main" id="{B2E0AF2E-A9E8-4669-AA0E-A190B65FCAD7}"/>
+              </a:ext>
+            </a:extLst>
+          </p:cNvPr>
+          <p:cNvSpPr/>
+          <p:nvPr/>
+        </p:nvSpPr>
+        <p:spPr>
+          <a:xfrm>
+            <a:off x="475129" y="333862"/>
+            <a:ext cx="7028330" cy="646331"/>
+          </a:xfrm>
+          <a:prstGeom prst="rect">
+            <a:avLst/>
+          </a:prstGeom>
+        </p:spPr>
+        <p:txBody>
+          <a:bodyPr wrap="square">
+            <a:spAutoFit/>
+          </a:bodyPr>
+          <a:lstStyle/>
+          <a:p>
+            <a:r>
+              <a:rPr lang="en-US" altLang="ko-KR" sz="3600" b="1" dirty="0">
+                <a:latin typeface="조선일보명조" panose="02030304000000000000" pitchFamily="18" charset="-127"/>
+                <a:ea typeface="조선일보명조" panose="02030304000000000000" pitchFamily="18" charset="-127"/>
+                <a:cs typeface="조선일보명조" panose="02030304000000000000" pitchFamily="18" charset="-127"/>
+              </a:rPr>
               <a:t>T-SA: Impression</a:t>
             </a:r>
             <a:endParaRPr lang="ko-KR" altLang="en-US" sz="2400" b="1" dirty="0">
@@ -32427,7 +33390,7 @@
 </p:sld>
 </file>
 
-<file path=ppt/slides/slide32.xml><?xml version="1.0" encoding="utf-8"?>
+<file path=ppt/slides/slide33.xml><?xml version="1.0" encoding="utf-8"?>
 <p:sld xmlns:a="http://schemas.openxmlformats.org/drawingml/2006/main" xmlns:r="http://schemas.openxmlformats.org/officeDocument/2006/relationships" xmlns:p="http://schemas.openxmlformats.org/presentationml/2006/main">
   <p:cSld>
     <p:spTree>
@@ -32746,7 +33709,7 @@
                 <a:ea typeface="조선일보명조" panose="02030304000000000000" pitchFamily="18" charset="-127"/>
                 <a:cs typeface="조선일보명조" panose="02030304000000000000" pitchFamily="18" charset="-127"/>
               </a:rPr>
-              <a:t>대 대선 기간에 사용된 키워드 트렌드 분석</a:t>
+              <a:t>대 대통령 선거 기간에 사용된 키워드 트렌드 분석</a:t>
             </a:r>
           </a:p>
         </p:txBody>
@@ -32797,7 +33760,7 @@
                 <a:ea typeface="조선일보명조" panose="02030304000000000000" pitchFamily="18" charset="-127"/>
                 <a:cs typeface="조선일보명조" panose="02030304000000000000" pitchFamily="18" charset="-127"/>
               </a:rPr>
-              <a:t>대선 후보의 트윗 스타일 분석</a:t>
+              <a:t>대통령 선거 후보의 트윗 스타일 분석</a:t>
             </a:r>
           </a:p>
         </p:txBody>
@@ -32843,7 +33806,7 @@
           <a:lstStyle/>
           <a:p>
             <a:r>
-              <a:rPr lang="en-US" altLang="ko-KR" sz="2800" dirty="0">
+              <a:rPr lang="en-US" altLang="ko-KR" sz="2400" dirty="0">
                 <a:latin typeface="조선일보명조" panose="02030304000000000000" pitchFamily="18" charset="-127"/>
                 <a:ea typeface="조선일보명조" panose="02030304000000000000" pitchFamily="18" charset="-127"/>
                 <a:cs typeface="조선일보명조" panose="02030304000000000000" pitchFamily="18" charset="-127"/>
@@ -32851,12 +33814,12 @@
               <a:t>19</a:t>
             </a:r>
             <a:r>
-              <a:rPr lang="ko-KR" altLang="en-US" sz="2800" dirty="0">
+              <a:rPr lang="ko-KR" altLang="en-US" sz="2400" dirty="0">
                 <a:latin typeface="조선일보명조" panose="02030304000000000000" pitchFamily="18" charset="-127"/>
                 <a:ea typeface="조선일보명조" panose="02030304000000000000" pitchFamily="18" charset="-127"/>
                 <a:cs typeface="조선일보명조" panose="02030304000000000000" pitchFamily="18" charset="-127"/>
               </a:rPr>
-              <a:t>대 대선의 후보 언급에 따른 빈도수를 실제 당선자의 선거율을 통해 분석</a:t>
+              <a:t>대 대통령 선거의 후보 언급에 따른 빈도수를 실제 당선자의 선거율을 통해 분석</a:t>
             </a:r>
           </a:p>
         </p:txBody>
@@ -38297,6 +39260,273 @@
       </p:sp>
       <p:sp>
         <p:nvSpPr>
+          <p:cNvPr id="5" name="TextBox 4">
+            <a:extLst>
+              <a:ext uri="{FF2B5EF4-FFF2-40B4-BE49-F238E27FC236}">
+                <a16:creationId xmlns:a16="http://schemas.microsoft.com/office/drawing/2014/main" id="{C271E845-EC40-45DD-9C56-439361DA37DB}"/>
+              </a:ext>
+            </a:extLst>
+          </p:cNvPr>
+          <p:cNvSpPr txBox="1"/>
+          <p:nvPr/>
+        </p:nvSpPr>
+        <p:spPr>
+          <a:xfrm>
+            <a:off x="349623" y="1499855"/>
+            <a:ext cx="6053260" cy="646331"/>
+          </a:xfrm>
+          <a:prstGeom prst="rect">
+            <a:avLst/>
+          </a:prstGeom>
+          <a:noFill/>
+        </p:spPr>
+        <p:txBody>
+          <a:bodyPr wrap="none" rtlCol="0">
+            <a:spAutoFit/>
+          </a:bodyPr>
+          <a:lstStyle/>
+          <a:p>
+            <a:r>
+              <a:rPr lang="en-US" altLang="ko-KR" dirty="0"/>
+              <a:t>&lt;</a:t>
+            </a:r>
+            <a:r>
+              <a:rPr lang="ko-KR" altLang="en-US" dirty="0"/>
+              <a:t>설치 순서</a:t>
+            </a:r>
+            <a:r>
+              <a:rPr lang="en-US" altLang="ko-KR" dirty="0"/>
+              <a:t>&gt;</a:t>
+            </a:r>
+          </a:p>
+          <a:p>
+            <a:pPr marL="342900" indent="-342900">
+              <a:buAutoNum type="arabicPeriod"/>
+            </a:pPr>
+            <a:r>
+              <a:rPr lang="ko-KR" altLang="en-US" dirty="0"/>
+              <a:t>파이썬 왜 설치하는지 이유 적으면서</a:t>
+            </a:r>
+            <a:r>
+              <a:rPr lang="en-US" altLang="ko-KR" dirty="0"/>
+              <a:t>, </a:t>
+            </a:r>
+            <a:r>
+              <a:rPr lang="ko-KR" altLang="en-US" dirty="0"/>
+              <a:t>설치 순서 작성</a:t>
+            </a:r>
+            <a:r>
+              <a:rPr lang="en-US" altLang="ko-KR" dirty="0"/>
+              <a:t>.</a:t>
+            </a:r>
+            <a:endParaRPr lang="ko-KR" altLang="en-US" dirty="0"/>
+          </a:p>
+        </p:txBody>
+      </p:sp>
+    </p:spTree>
+    <p:extLst>
+      <p:ext uri="{BB962C8B-B14F-4D97-AF65-F5344CB8AC3E}">
+        <p14:creationId xmlns:p14="http://schemas.microsoft.com/office/powerpoint/2010/main" val="256578255"/>
+      </p:ext>
+    </p:extLst>
+  </p:cSld>
+  <p:clrMapOvr>
+    <a:masterClrMapping/>
+  </p:clrMapOvr>
+</p:sld>
+</file>
+
+<file path=ppt/slides/slide9.xml><?xml version="1.0" encoding="utf-8"?>
+<p:sld xmlns:a="http://schemas.openxmlformats.org/drawingml/2006/main" xmlns:r="http://schemas.openxmlformats.org/officeDocument/2006/relationships" xmlns:p="http://schemas.openxmlformats.org/presentationml/2006/main">
+  <p:cSld>
+    <p:spTree>
+      <p:nvGrpSpPr>
+        <p:cNvPr id="1" name=""/>
+        <p:cNvGrpSpPr/>
+        <p:nvPr/>
+      </p:nvGrpSpPr>
+      <p:grpSpPr>
+        <a:xfrm>
+          <a:off x="0" y="0"/>
+          <a:ext cx="0" cy="0"/>
+          <a:chOff x="0" y="0"/>
+          <a:chExt cx="0" cy="0"/>
+        </a:xfrm>
+      </p:grpSpPr>
+      <p:sp>
+        <p:nvSpPr>
+          <p:cNvPr id="4" name="직사각형 3">
+            <a:extLst>
+              <a:ext uri="{FF2B5EF4-FFF2-40B4-BE49-F238E27FC236}">
+                <a16:creationId xmlns:a16="http://schemas.microsoft.com/office/drawing/2014/main" id="{C6884EF8-13B8-4906-AFA1-F7D11047E8A5}"/>
+              </a:ext>
+            </a:extLst>
+          </p:cNvPr>
+          <p:cNvSpPr/>
+          <p:nvPr/>
+        </p:nvSpPr>
+        <p:spPr>
+          <a:xfrm>
+            <a:off x="349623" y="432111"/>
+            <a:ext cx="125506" cy="807913"/>
+          </a:xfrm>
+          <a:prstGeom prst="rect">
+            <a:avLst/>
+          </a:prstGeom>
+          <a:solidFill>
+            <a:srgbClr val="C00000"/>
+          </a:solidFill>
+          <a:ln>
+            <a:noFill/>
+          </a:ln>
+        </p:spPr>
+        <p:style>
+          <a:lnRef idx="2">
+            <a:schemeClr val="accent1">
+              <a:shade val="50000"/>
+            </a:schemeClr>
+          </a:lnRef>
+          <a:fillRef idx="1">
+            <a:schemeClr val="accent1"/>
+          </a:fillRef>
+          <a:effectRef idx="0">
+            <a:schemeClr val="accent1"/>
+          </a:effectRef>
+          <a:fontRef idx="minor">
+            <a:schemeClr val="lt1"/>
+          </a:fontRef>
+        </p:style>
+        <p:txBody>
+          <a:bodyPr rtlCol="0" anchor="ctr"/>
+          <a:lstStyle/>
+          <a:p>
+            <a:pPr algn="ctr"/>
+            <a:endParaRPr lang="ko-KR" altLang="en-US"/>
+          </a:p>
+        </p:txBody>
+      </p:sp>
+      <p:sp>
+        <p:nvSpPr>
+          <p:cNvPr id="6" name="직사각형 5">
+            <a:extLst>
+              <a:ext uri="{FF2B5EF4-FFF2-40B4-BE49-F238E27FC236}">
+                <a16:creationId xmlns:a16="http://schemas.microsoft.com/office/drawing/2014/main" id="{B2E0AF2E-A9E8-4669-AA0E-A190B65FCAD7}"/>
+              </a:ext>
+            </a:extLst>
+          </p:cNvPr>
+          <p:cNvSpPr/>
+          <p:nvPr/>
+        </p:nvSpPr>
+        <p:spPr>
+          <a:xfrm>
+            <a:off x="475129" y="333862"/>
+            <a:ext cx="7028330" cy="646331"/>
+          </a:xfrm>
+          <a:prstGeom prst="rect">
+            <a:avLst/>
+          </a:prstGeom>
+        </p:spPr>
+        <p:txBody>
+          <a:bodyPr wrap="square">
+            <a:spAutoFit/>
+          </a:bodyPr>
+          <a:lstStyle/>
+          <a:p>
+            <a:r>
+              <a:rPr lang="en-US" altLang="ko-KR" sz="3600" b="1" dirty="0">
+                <a:latin typeface="조선일보명조" panose="02030304000000000000" pitchFamily="18" charset="-127"/>
+                <a:ea typeface="조선일보명조" panose="02030304000000000000" pitchFamily="18" charset="-127"/>
+                <a:cs typeface="조선일보명조" panose="02030304000000000000" pitchFamily="18" charset="-127"/>
+              </a:rPr>
+              <a:t>T-SA: </a:t>
+            </a:r>
+            <a:r>
+              <a:rPr lang="en-US" altLang="ko-KR" sz="2400" b="1" dirty="0">
+                <a:solidFill>
+                  <a:sysClr val="windowText" lastClr="000000"/>
+                </a:solidFill>
+                <a:latin typeface="조선일보명조" panose="02030304000000000000" pitchFamily="18" charset="-127"/>
+                <a:ea typeface="조선일보명조" panose="02030304000000000000" pitchFamily="18" charset="-127"/>
+                <a:cs typeface="조선일보명조" panose="02030304000000000000" pitchFamily="18" charset="-127"/>
+              </a:rPr>
+              <a:t>Development Environment</a:t>
+            </a:r>
+            <a:r>
+              <a:rPr lang="en-US" altLang="ko-KR" sz="2800" b="1" dirty="0">
+                <a:latin typeface="조선일보명조" panose="02030304000000000000" pitchFamily="18" charset="-127"/>
+                <a:ea typeface="조선일보명조" panose="02030304000000000000" pitchFamily="18" charset="-127"/>
+                <a:cs typeface="조선일보명조" panose="02030304000000000000" pitchFamily="18" charset="-127"/>
+              </a:rPr>
+              <a:t> </a:t>
+            </a:r>
+            <a:endParaRPr lang="ko-KR" altLang="en-US" sz="2400" b="1" dirty="0">
+              <a:latin typeface="조선일보명조" panose="02030304000000000000" pitchFamily="18" charset="-127"/>
+              <a:ea typeface="조선일보명조" panose="02030304000000000000" pitchFamily="18" charset="-127"/>
+              <a:cs typeface="조선일보명조" panose="02030304000000000000" pitchFamily="18" charset="-127"/>
+            </a:endParaRPr>
+          </a:p>
+        </p:txBody>
+      </p:sp>
+      <p:sp>
+        <p:nvSpPr>
+          <p:cNvPr id="91" name="TextBox 90">
+            <a:extLst>
+              <a:ext uri="{FF2B5EF4-FFF2-40B4-BE49-F238E27FC236}">
+                <a16:creationId xmlns:a16="http://schemas.microsoft.com/office/drawing/2014/main" id="{88E709A0-853A-4DCC-908E-0927D452C587}"/>
+              </a:ext>
+            </a:extLst>
+          </p:cNvPr>
+          <p:cNvSpPr txBox="1"/>
+          <p:nvPr/>
+        </p:nvSpPr>
+        <p:spPr>
+          <a:xfrm>
+            <a:off x="475129" y="916859"/>
+            <a:ext cx="4379725" cy="323165"/>
+          </a:xfrm>
+          <a:prstGeom prst="rect">
+            <a:avLst/>
+          </a:prstGeom>
+          <a:noFill/>
+        </p:spPr>
+        <p:txBody>
+          <a:bodyPr wrap="none" rtlCol="0">
+            <a:spAutoFit/>
+          </a:bodyPr>
+          <a:lstStyle/>
+          <a:p>
+            <a:pPr algn="ctr"/>
+            <a:r>
+              <a:rPr lang="en-US" altLang="ko-KR" sz="1500" dirty="0">
+                <a:solidFill>
+                  <a:schemeClr val="bg1">
+                    <a:lumMod val="65000"/>
+                  </a:schemeClr>
+                </a:solidFill>
+                <a:latin typeface="나눔바른고딕" panose="020B0603020101020101" pitchFamily="50" charset="-127"/>
+                <a:ea typeface="나눔바른고딕" panose="020B0603020101020101" pitchFamily="50" charset="-127"/>
+                <a:cs typeface="조선일보명조" panose="02030304000000000000" pitchFamily="18" charset="-127"/>
+              </a:rPr>
+              <a:t>Twitter</a:t>
+            </a:r>
+            <a:r>
+              <a:rPr lang="en-US" altLang="ko-KR" sz="1500" dirty="0">
+                <a:solidFill>
+                  <a:schemeClr val="bg1">
+                    <a:lumMod val="65000"/>
+                  </a:schemeClr>
+                </a:solidFill>
+                <a:latin typeface="조선일보명조" panose="02030304000000000000" pitchFamily="18" charset="-127"/>
+                <a:ea typeface="조선일보명조" panose="02030304000000000000" pitchFamily="18" charset="-127"/>
+                <a:cs typeface="조선일보명조" panose="02030304000000000000" pitchFamily="18" charset="-127"/>
+              </a:rPr>
+              <a:t> Keyword Search API based Tweet Analysis</a:t>
+            </a:r>
+          </a:p>
+        </p:txBody>
+      </p:sp>
+      <p:sp>
+        <p:nvSpPr>
           <p:cNvPr id="2" name="직사각형 1">
             <a:extLst>
               <a:ext uri="{FF2B5EF4-FFF2-40B4-BE49-F238E27FC236}">
@@ -38986,928 +40216,6 @@
     <p:extLst>
       <p:ext uri="{BB962C8B-B14F-4D97-AF65-F5344CB8AC3E}">
         <p14:creationId xmlns:p14="http://schemas.microsoft.com/office/powerpoint/2010/main" val="2869873920"/>
-      </p:ext>
-    </p:extLst>
-  </p:cSld>
-  <p:clrMapOvr>
-    <a:masterClrMapping/>
-  </p:clrMapOvr>
-</p:sld>
-</file>
-
-<file path=ppt/slides/slide9.xml><?xml version="1.0" encoding="utf-8"?>
-<p:sld xmlns:a="http://schemas.openxmlformats.org/drawingml/2006/main" xmlns:r="http://schemas.openxmlformats.org/officeDocument/2006/relationships" xmlns:p="http://schemas.openxmlformats.org/presentationml/2006/main">
-  <p:cSld>
-    <p:spTree>
-      <p:nvGrpSpPr>
-        <p:cNvPr id="1" name=""/>
-        <p:cNvGrpSpPr/>
-        <p:nvPr/>
-      </p:nvGrpSpPr>
-      <p:grpSpPr>
-        <a:xfrm>
-          <a:off x="0" y="0"/>
-          <a:ext cx="0" cy="0"/>
-          <a:chOff x="0" y="0"/>
-          <a:chExt cx="0" cy="0"/>
-        </a:xfrm>
-      </p:grpSpPr>
-      <p:sp>
-        <p:nvSpPr>
-          <p:cNvPr id="4" name="직사각형 3">
-            <a:extLst>
-              <a:ext uri="{FF2B5EF4-FFF2-40B4-BE49-F238E27FC236}">
-                <a16:creationId xmlns:a16="http://schemas.microsoft.com/office/drawing/2014/main" id="{C6884EF8-13B8-4906-AFA1-F7D11047E8A5}"/>
-              </a:ext>
-            </a:extLst>
-          </p:cNvPr>
-          <p:cNvSpPr/>
-          <p:nvPr/>
-        </p:nvSpPr>
-        <p:spPr>
-          <a:xfrm>
-            <a:off x="349623" y="432111"/>
-            <a:ext cx="125506" cy="807913"/>
-          </a:xfrm>
-          <a:prstGeom prst="rect">
-            <a:avLst/>
-          </a:prstGeom>
-          <a:solidFill>
-            <a:srgbClr val="C00000"/>
-          </a:solidFill>
-          <a:ln>
-            <a:noFill/>
-          </a:ln>
-        </p:spPr>
-        <p:style>
-          <a:lnRef idx="2">
-            <a:schemeClr val="accent1">
-              <a:shade val="50000"/>
-            </a:schemeClr>
-          </a:lnRef>
-          <a:fillRef idx="1">
-            <a:schemeClr val="accent1"/>
-          </a:fillRef>
-          <a:effectRef idx="0">
-            <a:schemeClr val="accent1"/>
-          </a:effectRef>
-          <a:fontRef idx="minor">
-            <a:schemeClr val="lt1"/>
-          </a:fontRef>
-        </p:style>
-        <p:txBody>
-          <a:bodyPr rtlCol="0" anchor="ctr"/>
-          <a:lstStyle/>
-          <a:p>
-            <a:pPr algn="ctr"/>
-            <a:endParaRPr lang="ko-KR" altLang="en-US"/>
-          </a:p>
-        </p:txBody>
-      </p:sp>
-      <p:sp>
-        <p:nvSpPr>
-          <p:cNvPr id="6" name="직사각형 5">
-            <a:extLst>
-              <a:ext uri="{FF2B5EF4-FFF2-40B4-BE49-F238E27FC236}">
-                <a16:creationId xmlns:a16="http://schemas.microsoft.com/office/drawing/2014/main" id="{B2E0AF2E-A9E8-4669-AA0E-A190B65FCAD7}"/>
-              </a:ext>
-            </a:extLst>
-          </p:cNvPr>
-          <p:cNvSpPr/>
-          <p:nvPr/>
-        </p:nvSpPr>
-        <p:spPr>
-          <a:xfrm>
-            <a:off x="475129" y="333862"/>
-            <a:ext cx="7028330" cy="646331"/>
-          </a:xfrm>
-          <a:prstGeom prst="rect">
-            <a:avLst/>
-          </a:prstGeom>
-        </p:spPr>
-        <p:txBody>
-          <a:bodyPr wrap="square">
-            <a:spAutoFit/>
-          </a:bodyPr>
-          <a:lstStyle/>
-          <a:p>
-            <a:r>
-              <a:rPr lang="en-US" altLang="ko-KR" sz="3600" b="1" dirty="0">
-                <a:latin typeface="조선일보명조" panose="02030304000000000000" pitchFamily="18" charset="-127"/>
-                <a:ea typeface="조선일보명조" panose="02030304000000000000" pitchFamily="18" charset="-127"/>
-                <a:cs typeface="조선일보명조" panose="02030304000000000000" pitchFamily="18" charset="-127"/>
-              </a:rPr>
-              <a:t>T-SA: </a:t>
-            </a:r>
-            <a:r>
-              <a:rPr lang="en-US" altLang="ko-KR" sz="2400" b="1" dirty="0">
-                <a:solidFill>
-                  <a:sysClr val="windowText" lastClr="000000"/>
-                </a:solidFill>
-                <a:latin typeface="조선일보명조" panose="02030304000000000000" pitchFamily="18" charset="-127"/>
-                <a:ea typeface="조선일보명조" panose="02030304000000000000" pitchFamily="18" charset="-127"/>
-                <a:cs typeface="조선일보명조" panose="02030304000000000000" pitchFamily="18" charset="-127"/>
-              </a:rPr>
-              <a:t>Development Environment</a:t>
-            </a:r>
-            <a:r>
-              <a:rPr lang="en-US" altLang="ko-KR" sz="2800" b="1" dirty="0">
-                <a:latin typeface="조선일보명조" panose="02030304000000000000" pitchFamily="18" charset="-127"/>
-                <a:ea typeface="조선일보명조" panose="02030304000000000000" pitchFamily="18" charset="-127"/>
-                <a:cs typeface="조선일보명조" panose="02030304000000000000" pitchFamily="18" charset="-127"/>
-              </a:rPr>
-              <a:t> </a:t>
-            </a:r>
-            <a:endParaRPr lang="ko-KR" altLang="en-US" sz="2400" b="1" dirty="0">
-              <a:latin typeface="조선일보명조" panose="02030304000000000000" pitchFamily="18" charset="-127"/>
-              <a:ea typeface="조선일보명조" panose="02030304000000000000" pitchFamily="18" charset="-127"/>
-              <a:cs typeface="조선일보명조" panose="02030304000000000000" pitchFamily="18" charset="-127"/>
-            </a:endParaRPr>
-          </a:p>
-        </p:txBody>
-      </p:sp>
-      <p:sp>
-        <p:nvSpPr>
-          <p:cNvPr id="91" name="TextBox 90">
-            <a:extLst>
-              <a:ext uri="{FF2B5EF4-FFF2-40B4-BE49-F238E27FC236}">
-                <a16:creationId xmlns:a16="http://schemas.microsoft.com/office/drawing/2014/main" id="{88E709A0-853A-4DCC-908E-0927D452C587}"/>
-              </a:ext>
-            </a:extLst>
-          </p:cNvPr>
-          <p:cNvSpPr txBox="1"/>
-          <p:nvPr/>
-        </p:nvSpPr>
-        <p:spPr>
-          <a:xfrm>
-            <a:off x="475129" y="916859"/>
-            <a:ext cx="4379725" cy="323165"/>
-          </a:xfrm>
-          <a:prstGeom prst="rect">
-            <a:avLst/>
-          </a:prstGeom>
-          <a:noFill/>
-        </p:spPr>
-        <p:txBody>
-          <a:bodyPr wrap="none" rtlCol="0">
-            <a:spAutoFit/>
-          </a:bodyPr>
-          <a:lstStyle/>
-          <a:p>
-            <a:pPr algn="ctr"/>
-            <a:r>
-              <a:rPr lang="en-US" altLang="ko-KR" sz="1500" dirty="0">
-                <a:solidFill>
-                  <a:schemeClr val="bg1">
-                    <a:lumMod val="65000"/>
-                  </a:schemeClr>
-                </a:solidFill>
-                <a:latin typeface="나눔바른고딕" panose="020B0603020101020101" pitchFamily="50" charset="-127"/>
-                <a:ea typeface="나눔바른고딕" panose="020B0603020101020101" pitchFamily="50" charset="-127"/>
-                <a:cs typeface="조선일보명조" panose="02030304000000000000" pitchFamily="18" charset="-127"/>
-              </a:rPr>
-              <a:t>Twitter</a:t>
-            </a:r>
-            <a:r>
-              <a:rPr lang="en-US" altLang="ko-KR" sz="1500" dirty="0">
-                <a:solidFill>
-                  <a:schemeClr val="bg1">
-                    <a:lumMod val="65000"/>
-                  </a:schemeClr>
-                </a:solidFill>
-                <a:latin typeface="조선일보명조" panose="02030304000000000000" pitchFamily="18" charset="-127"/>
-                <a:ea typeface="조선일보명조" panose="02030304000000000000" pitchFamily="18" charset="-127"/>
-                <a:cs typeface="조선일보명조" panose="02030304000000000000" pitchFamily="18" charset="-127"/>
-              </a:rPr>
-              <a:t> Keyword Search API based Tweet Analysis</a:t>
-            </a:r>
-          </a:p>
-        </p:txBody>
-      </p:sp>
-      <p:sp>
-        <p:nvSpPr>
-          <p:cNvPr id="2" name="직사각형 1">
-            <a:extLst>
-              <a:ext uri="{FF2B5EF4-FFF2-40B4-BE49-F238E27FC236}">
-                <a16:creationId xmlns:a16="http://schemas.microsoft.com/office/drawing/2014/main" id="{8C0CEE3F-124D-4B16-8F60-1D47716DCE7B}"/>
-              </a:ext>
-            </a:extLst>
-          </p:cNvPr>
-          <p:cNvSpPr/>
-          <p:nvPr/>
-        </p:nvSpPr>
-        <p:spPr>
-          <a:xfrm>
-            <a:off x="2429435" y="1563190"/>
-            <a:ext cx="9278471" cy="2823882"/>
-          </a:xfrm>
-          <a:prstGeom prst="rect">
-            <a:avLst/>
-          </a:prstGeom>
-          <a:ln w="19050"/>
-        </p:spPr>
-        <p:style>
-          <a:lnRef idx="2">
-            <a:schemeClr val="dk1"/>
-          </a:lnRef>
-          <a:fillRef idx="1">
-            <a:schemeClr val="lt1"/>
-          </a:fillRef>
-          <a:effectRef idx="0">
-            <a:schemeClr val="dk1"/>
-          </a:effectRef>
-          <a:fontRef idx="minor">
-            <a:schemeClr val="dk1"/>
-          </a:fontRef>
-        </p:style>
-        <p:txBody>
-          <a:bodyPr rtlCol="0" anchor="ctr"/>
-          <a:lstStyle/>
-          <a:p>
-            <a:pPr marL="285750" indent="-285750">
-              <a:buFontTx/>
-              <a:buChar char="-"/>
-            </a:pPr>
-            <a:r>
-              <a:rPr lang="en-US" altLang="ko-KR" dirty="0"/>
-              <a:t>MariaDB</a:t>
-            </a:r>
-            <a:r>
-              <a:rPr lang="ko-KR" altLang="ko-KR" dirty="0"/>
-              <a:t>는</a:t>
-            </a:r>
-            <a:r>
-              <a:rPr lang="en-US" altLang="ko-KR" dirty="0"/>
-              <a:t> MySQL</a:t>
-            </a:r>
-            <a:r>
-              <a:rPr lang="ko-KR" altLang="ko-KR" dirty="0"/>
-              <a:t>의 발전된 형태의 대체제로써</a:t>
-            </a:r>
-            <a:r>
-              <a:rPr lang="en-US" altLang="ko-KR" dirty="0"/>
-              <a:t>, https://downloads.mariadb.org/</a:t>
-            </a:r>
-            <a:r>
-              <a:rPr lang="ko-KR" altLang="ko-KR" dirty="0"/>
-              <a:t>에서 다운로드 받을 수 있으며</a:t>
-            </a:r>
-            <a:r>
-              <a:rPr lang="en-US" altLang="ko-KR" dirty="0"/>
-              <a:t>, GPL v2 </a:t>
-            </a:r>
-            <a:r>
-              <a:rPr lang="ko-KR" altLang="ko-KR" dirty="0"/>
-              <a:t>라이선스로 유지되고 있고</a:t>
-            </a:r>
-            <a:r>
-              <a:rPr lang="en-US" altLang="ko-KR" dirty="0"/>
-              <a:t>, MariaDB </a:t>
-            </a:r>
-            <a:r>
-              <a:rPr lang="ko-KR" altLang="ko-KR" dirty="0"/>
-              <a:t>커뮤니티와</a:t>
-            </a:r>
-            <a:r>
-              <a:rPr lang="en-US" altLang="ko-KR" dirty="0"/>
-              <a:t> MariaDB </a:t>
-            </a:r>
-            <a:r>
-              <a:rPr lang="ko-KR" altLang="ko-KR" dirty="0"/>
-              <a:t>재단이 주축이 되어 개발되고 있다</a:t>
-            </a:r>
-            <a:r>
-              <a:rPr lang="en-US" altLang="ko-KR" dirty="0"/>
-              <a:t>.</a:t>
-            </a:r>
-          </a:p>
-          <a:p>
-            <a:pPr marL="285750" indent="-285750">
-              <a:buFontTx/>
-              <a:buChar char="-"/>
-            </a:pPr>
-            <a:endParaRPr lang="en-US" altLang="ko-KR" dirty="0"/>
-          </a:p>
-          <a:p>
-            <a:pPr marL="285750" indent="-285750">
-              <a:buFontTx/>
-              <a:buChar char="-"/>
-            </a:pPr>
-            <a:r>
-              <a:rPr lang="en-US" altLang="ko-KR" dirty="0"/>
-              <a:t>MariaDB</a:t>
-            </a:r>
-            <a:r>
-              <a:rPr lang="ko-KR" altLang="ko-KR" dirty="0"/>
-              <a:t>는 현재까지 최신의</a:t>
-            </a:r>
-            <a:r>
-              <a:rPr lang="en-US" altLang="ko-KR" dirty="0"/>
-              <a:t> </a:t>
-            </a:r>
-            <a:r>
-              <a:rPr lang="en-US" altLang="ko-KR" dirty="0" err="1"/>
-              <a:t>MaySQL</a:t>
-            </a:r>
-            <a:r>
-              <a:rPr lang="ko-KR" altLang="ko-KR" dirty="0"/>
-              <a:t>과 같은 </a:t>
-            </a:r>
-            <a:r>
-              <a:rPr lang="ko-KR" altLang="ko-KR" dirty="0" err="1"/>
-              <a:t>브랜치로부터</a:t>
-            </a:r>
-            <a:r>
-              <a:rPr lang="ko-KR" altLang="ko-KR" dirty="0"/>
-              <a:t> </a:t>
-            </a:r>
-            <a:r>
-              <a:rPr lang="ko-KR" altLang="ko-KR" dirty="0" err="1"/>
-              <a:t>릴리즈되며</a:t>
-            </a:r>
-            <a:r>
-              <a:rPr lang="en-US" altLang="ko-KR" dirty="0"/>
-              <a:t>, </a:t>
-            </a:r>
-            <a:r>
-              <a:rPr lang="ko-KR" altLang="ko-KR" dirty="0"/>
-              <a:t>대개의 경우</a:t>
-            </a:r>
-            <a:r>
-              <a:rPr lang="en-US" altLang="ko-KR" dirty="0"/>
-              <a:t> MySQL</a:t>
-            </a:r>
-            <a:r>
-              <a:rPr lang="ko-KR" altLang="ko-KR" dirty="0"/>
-              <a:t>과 마찬가지로 동작한다</a:t>
-            </a:r>
-            <a:r>
-              <a:rPr lang="en-US" altLang="ko-KR" dirty="0"/>
-              <a:t>. MySQL</a:t>
-            </a:r>
-            <a:r>
-              <a:rPr lang="ko-KR" altLang="ko-KR" dirty="0"/>
-              <a:t>의 모든 명령어</a:t>
-            </a:r>
-            <a:r>
-              <a:rPr lang="en-US" altLang="ko-KR" dirty="0"/>
-              <a:t>, </a:t>
-            </a:r>
-            <a:r>
-              <a:rPr lang="ko-KR" altLang="ko-KR" dirty="0"/>
-              <a:t>인터페이스</a:t>
-            </a:r>
-            <a:r>
-              <a:rPr lang="en-US" altLang="ko-KR" dirty="0"/>
-              <a:t>, </a:t>
-            </a:r>
-            <a:r>
-              <a:rPr lang="ko-KR" altLang="ko-KR" dirty="0"/>
-              <a:t>라이브러리와</a:t>
-            </a:r>
-            <a:r>
-              <a:rPr lang="en-US" altLang="ko-KR" dirty="0"/>
-              <a:t> API</a:t>
-            </a:r>
-            <a:r>
-              <a:rPr lang="ko-KR" altLang="ko-KR" dirty="0"/>
-              <a:t>가</a:t>
-            </a:r>
-            <a:r>
-              <a:rPr lang="en-US" altLang="ko-KR" dirty="0"/>
-              <a:t> MariaDB</a:t>
-            </a:r>
-            <a:r>
-              <a:rPr lang="ko-KR" altLang="ko-KR" dirty="0"/>
-              <a:t>에도 존재한다</a:t>
-            </a:r>
-            <a:r>
-              <a:rPr lang="en-US" altLang="ko-KR" dirty="0"/>
-              <a:t>. </a:t>
-            </a:r>
-            <a:r>
-              <a:rPr lang="ko-KR" altLang="ko-KR" dirty="0"/>
-              <a:t>또한</a:t>
-            </a:r>
-            <a:r>
-              <a:rPr lang="en-US" altLang="ko-KR" dirty="0"/>
-              <a:t> MariaDB</a:t>
-            </a:r>
-            <a:r>
-              <a:rPr lang="ko-KR" altLang="ko-KR" dirty="0"/>
-              <a:t>로 데이터베이스를 변환할 필요도 없다</a:t>
-            </a:r>
-            <a:r>
-              <a:rPr lang="en-US" altLang="ko-KR" dirty="0"/>
-              <a:t>.</a:t>
-            </a:r>
-            <a:endParaRPr lang="ko-KR" altLang="en-US" dirty="0"/>
-          </a:p>
-        </p:txBody>
-      </p:sp>
-      <p:sp>
-        <p:nvSpPr>
-          <p:cNvPr id="11" name="직사각형 10">
-            <a:extLst>
-              <a:ext uri="{FF2B5EF4-FFF2-40B4-BE49-F238E27FC236}">
-                <a16:creationId xmlns:a16="http://schemas.microsoft.com/office/drawing/2014/main" id="{5F0F362E-884C-48D1-9E70-F66EE5A0B636}"/>
-              </a:ext>
-            </a:extLst>
-          </p:cNvPr>
-          <p:cNvSpPr/>
-          <p:nvPr/>
-        </p:nvSpPr>
-        <p:spPr>
-          <a:xfrm>
-            <a:off x="349623" y="4529200"/>
-            <a:ext cx="11358283" cy="2104682"/>
-          </a:xfrm>
-          <a:prstGeom prst="rect">
-            <a:avLst/>
-          </a:prstGeom>
-          <a:ln w="19050"/>
-        </p:spPr>
-        <p:style>
-          <a:lnRef idx="2">
-            <a:schemeClr val="dk1"/>
-          </a:lnRef>
-          <a:fillRef idx="1">
-            <a:schemeClr val="lt1"/>
-          </a:fillRef>
-          <a:effectRef idx="0">
-            <a:schemeClr val="dk1"/>
-          </a:effectRef>
-          <a:fontRef idx="minor">
-            <a:schemeClr val="dk1"/>
-          </a:fontRef>
-        </p:style>
-        <p:txBody>
-          <a:bodyPr rtlCol="0" anchor="ctr"/>
-          <a:lstStyle/>
-          <a:p>
-            <a:r>
-              <a:rPr lang="en-US" altLang="ko-KR" b="1" dirty="0"/>
-              <a:t>MariaDB site </a:t>
-            </a:r>
-          </a:p>
-          <a:p>
-            <a:r>
-              <a:rPr lang="en-US" altLang="ko-KR" dirty="0">
-                <a:ea typeface="조선일보명조" panose="02030304000000000000" pitchFamily="18" charset="-127"/>
-                <a:cs typeface="조선일보명조" panose="02030304000000000000" pitchFamily="18" charset="-127"/>
-                <a:hlinkClick r:id="rId3"/>
-              </a:rPr>
-              <a:t>https://www.python.org/</a:t>
-            </a:r>
-            <a:endParaRPr lang="en-US" altLang="ko-KR" dirty="0">
-              <a:ea typeface="조선일보명조" panose="02030304000000000000" pitchFamily="18" charset="-127"/>
-              <a:cs typeface="조선일보명조" panose="02030304000000000000" pitchFamily="18" charset="-127"/>
-            </a:endParaRPr>
-          </a:p>
-          <a:p>
-            <a:r>
-              <a:rPr lang="en-US" altLang="ko-KR" dirty="0"/>
-              <a:t> </a:t>
-            </a:r>
-            <a:endParaRPr lang="ko-KR" altLang="ko-KR" dirty="0"/>
-          </a:p>
-        </p:txBody>
-      </p:sp>
-      <p:grpSp>
-        <p:nvGrpSpPr>
-          <p:cNvPr id="12" name="그룹 11">
-            <a:extLst>
-              <a:ext uri="{FF2B5EF4-FFF2-40B4-BE49-F238E27FC236}">
-                <a16:creationId xmlns:a16="http://schemas.microsoft.com/office/drawing/2014/main" id="{2AA7B08A-E0AB-4FCF-A47E-C5E89F0CC4B6}"/>
-              </a:ext>
-            </a:extLst>
-          </p:cNvPr>
-          <p:cNvGrpSpPr/>
-          <p:nvPr/>
-        </p:nvGrpSpPr>
-        <p:grpSpPr>
-          <a:xfrm>
-            <a:off x="349623" y="1563190"/>
-            <a:ext cx="1870685" cy="2823882"/>
-            <a:chOff x="4148764" y="2652260"/>
-            <a:chExt cx="1870685" cy="2823882"/>
-          </a:xfrm>
-        </p:grpSpPr>
-        <p:grpSp>
-          <p:nvGrpSpPr>
-            <p:cNvPr id="13" name="그룹 12">
-              <a:extLst>
-                <a:ext uri="{FF2B5EF4-FFF2-40B4-BE49-F238E27FC236}">
-                  <a16:creationId xmlns:a16="http://schemas.microsoft.com/office/drawing/2014/main" id="{32671FD3-A5AE-4D55-A961-319A01EBA055}"/>
-                </a:ext>
-              </a:extLst>
-            </p:cNvPr>
-            <p:cNvGrpSpPr/>
-            <p:nvPr/>
-          </p:nvGrpSpPr>
-          <p:grpSpPr>
-            <a:xfrm>
-              <a:off x="4148764" y="2652260"/>
-              <a:ext cx="1870685" cy="2823882"/>
-              <a:chOff x="1700944" y="1867157"/>
-              <a:chExt cx="1870685" cy="2823882"/>
-            </a:xfrm>
-          </p:grpSpPr>
-          <p:sp>
-            <p:nvSpPr>
-              <p:cNvPr id="16" name="직사각형 15">
-                <a:extLst>
-                  <a:ext uri="{FF2B5EF4-FFF2-40B4-BE49-F238E27FC236}">
-                    <a16:creationId xmlns:a16="http://schemas.microsoft.com/office/drawing/2014/main" id="{F0214E57-C967-47CB-B257-658F6D3221C6}"/>
-                  </a:ext>
-                </a:extLst>
-              </p:cNvPr>
-              <p:cNvSpPr/>
-              <p:nvPr/>
-            </p:nvSpPr>
-            <p:spPr>
-              <a:xfrm>
-                <a:off x="1700944" y="1867157"/>
-                <a:ext cx="1864659" cy="2823882"/>
-              </a:xfrm>
-              <a:prstGeom prst="rect">
-                <a:avLst/>
-              </a:prstGeom>
-              <a:noFill/>
-              <a:ln w="19050">
-                <a:solidFill>
-                  <a:schemeClr val="accent1">
-                    <a:lumMod val="50000"/>
-                  </a:schemeClr>
-                </a:solidFill>
-              </a:ln>
-            </p:spPr>
-            <p:style>
-              <a:lnRef idx="2">
-                <a:schemeClr val="accent1">
-                  <a:shade val="50000"/>
-                </a:schemeClr>
-              </a:lnRef>
-              <a:fillRef idx="1">
-                <a:schemeClr val="accent1"/>
-              </a:fillRef>
-              <a:effectRef idx="0">
-                <a:schemeClr val="accent1"/>
-              </a:effectRef>
-              <a:fontRef idx="minor">
-                <a:schemeClr val="lt1"/>
-              </a:fontRef>
-            </p:style>
-            <p:txBody>
-              <a:bodyPr rtlCol="0" anchor="ctr"/>
-              <a:lstStyle>
-                <a:defPPr>
-                  <a:defRPr lang="ko-KR"/>
-                </a:defPPr>
-                <a:lvl1pPr marL="0" algn="l" defTabSz="914400" rtl="0" eaLnBrk="1" latinLnBrk="1" hangingPunct="1">
-                  <a:defRPr sz="1800" kern="1200">
-                    <a:solidFill>
-                      <a:schemeClr val="lt1"/>
-                    </a:solidFill>
-                    <a:latin typeface="+mn-lt"/>
-                    <a:ea typeface="+mn-ea"/>
-                    <a:cs typeface="+mn-cs"/>
-                  </a:defRPr>
-                </a:lvl1pPr>
-                <a:lvl2pPr marL="457200" algn="l" defTabSz="914400" rtl="0" eaLnBrk="1" latinLnBrk="1" hangingPunct="1">
-                  <a:defRPr sz="1800" kern="1200">
-                    <a:solidFill>
-                      <a:schemeClr val="lt1"/>
-                    </a:solidFill>
-                    <a:latin typeface="+mn-lt"/>
-                    <a:ea typeface="+mn-ea"/>
-                    <a:cs typeface="+mn-cs"/>
-                  </a:defRPr>
-                </a:lvl2pPr>
-                <a:lvl3pPr marL="914400" algn="l" defTabSz="914400" rtl="0" eaLnBrk="1" latinLnBrk="1" hangingPunct="1">
-                  <a:defRPr sz="1800" kern="1200">
-                    <a:solidFill>
-                      <a:schemeClr val="lt1"/>
-                    </a:solidFill>
-                    <a:latin typeface="+mn-lt"/>
-                    <a:ea typeface="+mn-ea"/>
-                    <a:cs typeface="+mn-cs"/>
-                  </a:defRPr>
-                </a:lvl3pPr>
-                <a:lvl4pPr marL="1371600" algn="l" defTabSz="914400" rtl="0" eaLnBrk="1" latinLnBrk="1" hangingPunct="1">
-                  <a:defRPr sz="1800" kern="1200">
-                    <a:solidFill>
-                      <a:schemeClr val="lt1"/>
-                    </a:solidFill>
-                    <a:latin typeface="+mn-lt"/>
-                    <a:ea typeface="+mn-ea"/>
-                    <a:cs typeface="+mn-cs"/>
-                  </a:defRPr>
-                </a:lvl4pPr>
-                <a:lvl5pPr marL="1828800" algn="l" defTabSz="914400" rtl="0" eaLnBrk="1" latinLnBrk="1" hangingPunct="1">
-                  <a:defRPr sz="1800" kern="1200">
-                    <a:solidFill>
-                      <a:schemeClr val="lt1"/>
-                    </a:solidFill>
-                    <a:latin typeface="+mn-lt"/>
-                    <a:ea typeface="+mn-ea"/>
-                    <a:cs typeface="+mn-cs"/>
-                  </a:defRPr>
-                </a:lvl5pPr>
-                <a:lvl6pPr marL="2286000" algn="l" defTabSz="914400" rtl="0" eaLnBrk="1" latinLnBrk="1" hangingPunct="1">
-                  <a:defRPr sz="1800" kern="1200">
-                    <a:solidFill>
-                      <a:schemeClr val="lt1"/>
-                    </a:solidFill>
-                    <a:latin typeface="+mn-lt"/>
-                    <a:ea typeface="+mn-ea"/>
-                    <a:cs typeface="+mn-cs"/>
-                  </a:defRPr>
-                </a:lvl6pPr>
-                <a:lvl7pPr marL="2743200" algn="l" defTabSz="914400" rtl="0" eaLnBrk="1" latinLnBrk="1" hangingPunct="1">
-                  <a:defRPr sz="1800" kern="1200">
-                    <a:solidFill>
-                      <a:schemeClr val="lt1"/>
-                    </a:solidFill>
-                    <a:latin typeface="+mn-lt"/>
-                    <a:ea typeface="+mn-ea"/>
-                    <a:cs typeface="+mn-cs"/>
-                  </a:defRPr>
-                </a:lvl7pPr>
-                <a:lvl8pPr marL="3200400" algn="l" defTabSz="914400" rtl="0" eaLnBrk="1" latinLnBrk="1" hangingPunct="1">
-                  <a:defRPr sz="1800" kern="1200">
-                    <a:solidFill>
-                      <a:schemeClr val="lt1"/>
-                    </a:solidFill>
-                    <a:latin typeface="+mn-lt"/>
-                    <a:ea typeface="+mn-ea"/>
-                    <a:cs typeface="+mn-cs"/>
-                  </a:defRPr>
-                </a:lvl8pPr>
-                <a:lvl9pPr marL="3657600" algn="l" defTabSz="914400" rtl="0" eaLnBrk="1" latinLnBrk="1" hangingPunct="1">
-                  <a:defRPr sz="1800" kern="1200">
-                    <a:solidFill>
-                      <a:schemeClr val="lt1"/>
-                    </a:solidFill>
-                    <a:latin typeface="+mn-lt"/>
-                    <a:ea typeface="+mn-ea"/>
-                    <a:cs typeface="+mn-cs"/>
-                  </a:defRPr>
-                </a:lvl9pPr>
-              </a:lstStyle>
-              <a:p>
-                <a:pPr algn="ctr"/>
-                <a:endParaRPr lang="ko-KR" altLang="en-US"/>
-              </a:p>
-            </p:txBody>
-          </p:sp>
-          <p:sp>
-            <p:nvSpPr>
-              <p:cNvPr id="17" name="직사각형 16">
-                <a:extLst>
-                  <a:ext uri="{FF2B5EF4-FFF2-40B4-BE49-F238E27FC236}">
-                    <a16:creationId xmlns:a16="http://schemas.microsoft.com/office/drawing/2014/main" id="{426AC91B-3FF7-494C-AE11-2B1304078183}"/>
-                  </a:ext>
-                </a:extLst>
-              </p:cNvPr>
-              <p:cNvSpPr/>
-              <p:nvPr/>
-            </p:nvSpPr>
-            <p:spPr>
-              <a:xfrm>
-                <a:off x="1706970" y="4260734"/>
-                <a:ext cx="1864659" cy="430305"/>
-              </a:xfrm>
-              <a:prstGeom prst="rect">
-                <a:avLst/>
-              </a:prstGeom>
-              <a:solidFill>
-                <a:schemeClr val="accent1">
-                  <a:lumMod val="50000"/>
-                </a:schemeClr>
-              </a:solidFill>
-              <a:ln w="19050">
-                <a:noFill/>
-              </a:ln>
-            </p:spPr>
-            <p:style>
-              <a:lnRef idx="2">
-                <a:schemeClr val="accent1">
-                  <a:shade val="50000"/>
-                </a:schemeClr>
-              </a:lnRef>
-              <a:fillRef idx="1">
-                <a:schemeClr val="accent1"/>
-              </a:fillRef>
-              <a:effectRef idx="0">
-                <a:schemeClr val="accent1"/>
-              </a:effectRef>
-              <a:fontRef idx="minor">
-                <a:schemeClr val="lt1"/>
-              </a:fontRef>
-            </p:style>
-            <p:txBody>
-              <a:bodyPr rtlCol="0" anchor="t"/>
-              <a:lstStyle>
-                <a:defPPr>
-                  <a:defRPr lang="ko-KR"/>
-                </a:defPPr>
-                <a:lvl1pPr marL="0" algn="l" defTabSz="914400" rtl="0" eaLnBrk="1" latinLnBrk="1" hangingPunct="1">
-                  <a:defRPr sz="1800" kern="1200">
-                    <a:solidFill>
-                      <a:schemeClr val="lt1"/>
-                    </a:solidFill>
-                    <a:latin typeface="+mn-lt"/>
-                    <a:ea typeface="+mn-ea"/>
-                    <a:cs typeface="+mn-cs"/>
-                  </a:defRPr>
-                </a:lvl1pPr>
-                <a:lvl2pPr marL="457200" algn="l" defTabSz="914400" rtl="0" eaLnBrk="1" latinLnBrk="1" hangingPunct="1">
-                  <a:defRPr sz="1800" kern="1200">
-                    <a:solidFill>
-                      <a:schemeClr val="lt1"/>
-                    </a:solidFill>
-                    <a:latin typeface="+mn-lt"/>
-                    <a:ea typeface="+mn-ea"/>
-                    <a:cs typeface="+mn-cs"/>
-                  </a:defRPr>
-                </a:lvl2pPr>
-                <a:lvl3pPr marL="914400" algn="l" defTabSz="914400" rtl="0" eaLnBrk="1" latinLnBrk="1" hangingPunct="1">
-                  <a:defRPr sz="1800" kern="1200">
-                    <a:solidFill>
-                      <a:schemeClr val="lt1"/>
-                    </a:solidFill>
-                    <a:latin typeface="+mn-lt"/>
-                    <a:ea typeface="+mn-ea"/>
-                    <a:cs typeface="+mn-cs"/>
-                  </a:defRPr>
-                </a:lvl3pPr>
-                <a:lvl4pPr marL="1371600" algn="l" defTabSz="914400" rtl="0" eaLnBrk="1" latinLnBrk="1" hangingPunct="1">
-                  <a:defRPr sz="1800" kern="1200">
-                    <a:solidFill>
-                      <a:schemeClr val="lt1"/>
-                    </a:solidFill>
-                    <a:latin typeface="+mn-lt"/>
-                    <a:ea typeface="+mn-ea"/>
-                    <a:cs typeface="+mn-cs"/>
-                  </a:defRPr>
-                </a:lvl4pPr>
-                <a:lvl5pPr marL="1828800" algn="l" defTabSz="914400" rtl="0" eaLnBrk="1" latinLnBrk="1" hangingPunct="1">
-                  <a:defRPr sz="1800" kern="1200">
-                    <a:solidFill>
-                      <a:schemeClr val="lt1"/>
-                    </a:solidFill>
-                    <a:latin typeface="+mn-lt"/>
-                    <a:ea typeface="+mn-ea"/>
-                    <a:cs typeface="+mn-cs"/>
-                  </a:defRPr>
-                </a:lvl5pPr>
-                <a:lvl6pPr marL="2286000" algn="l" defTabSz="914400" rtl="0" eaLnBrk="1" latinLnBrk="1" hangingPunct="1">
-                  <a:defRPr sz="1800" kern="1200">
-                    <a:solidFill>
-                      <a:schemeClr val="lt1"/>
-                    </a:solidFill>
-                    <a:latin typeface="+mn-lt"/>
-                    <a:ea typeface="+mn-ea"/>
-                    <a:cs typeface="+mn-cs"/>
-                  </a:defRPr>
-                </a:lvl6pPr>
-                <a:lvl7pPr marL="2743200" algn="l" defTabSz="914400" rtl="0" eaLnBrk="1" latinLnBrk="1" hangingPunct="1">
-                  <a:defRPr sz="1800" kern="1200">
-                    <a:solidFill>
-                      <a:schemeClr val="lt1"/>
-                    </a:solidFill>
-                    <a:latin typeface="+mn-lt"/>
-                    <a:ea typeface="+mn-ea"/>
-                    <a:cs typeface="+mn-cs"/>
-                  </a:defRPr>
-                </a:lvl7pPr>
-                <a:lvl8pPr marL="3200400" algn="l" defTabSz="914400" rtl="0" eaLnBrk="1" latinLnBrk="1" hangingPunct="1">
-                  <a:defRPr sz="1800" kern="1200">
-                    <a:solidFill>
-                      <a:schemeClr val="lt1"/>
-                    </a:solidFill>
-                    <a:latin typeface="+mn-lt"/>
-                    <a:ea typeface="+mn-ea"/>
-                    <a:cs typeface="+mn-cs"/>
-                  </a:defRPr>
-                </a:lvl8pPr>
-                <a:lvl9pPr marL="3657600" algn="l" defTabSz="914400" rtl="0" eaLnBrk="1" latinLnBrk="1" hangingPunct="1">
-                  <a:defRPr sz="1800" kern="1200">
-                    <a:solidFill>
-                      <a:schemeClr val="lt1"/>
-                    </a:solidFill>
-                    <a:latin typeface="+mn-lt"/>
-                    <a:ea typeface="+mn-ea"/>
-                    <a:cs typeface="+mn-cs"/>
-                  </a:defRPr>
-                </a:lvl9pPr>
-              </a:lstStyle>
-              <a:p>
-                <a:pPr lvl="0" algn="ctr">
-                  <a:lnSpc>
-                    <a:spcPct val="150000"/>
-                  </a:lnSpc>
-                </a:pPr>
-                <a:r>
-                  <a:rPr lang="en-US" altLang="ko-KR" sz="1500" b="1">
-                    <a:solidFill>
-                      <a:schemeClr val="bg1"/>
-                    </a:solidFill>
-                    <a:latin typeface="조선일보명조" panose="02030304000000000000" pitchFamily="18" charset="-127"/>
-                    <a:ea typeface="조선일보명조" panose="02030304000000000000" pitchFamily="18" charset="-127"/>
-                    <a:cs typeface="조선일보명조" panose="02030304000000000000" pitchFamily="18" charset="-127"/>
-                  </a:rPr>
-                  <a:t>10.1.38</a:t>
-                </a:r>
-                <a:endParaRPr lang="en-US" altLang="ko-KR" sz="1500" b="1" dirty="0">
-                  <a:solidFill>
-                    <a:schemeClr val="bg1"/>
-                  </a:solidFill>
-                  <a:latin typeface="조선일보명조" panose="02030304000000000000" pitchFamily="18" charset="-127"/>
-                  <a:ea typeface="조선일보명조" panose="02030304000000000000" pitchFamily="18" charset="-127"/>
-                  <a:cs typeface="조선일보명조" panose="02030304000000000000" pitchFamily="18" charset="-127"/>
-                </a:endParaRPr>
-              </a:p>
-            </p:txBody>
-          </p:sp>
-        </p:grpSp>
-        <p:pic>
-          <p:nvPicPr>
-            <p:cNvPr id="14" name="그림 13">
-              <a:extLst>
-                <a:ext uri="{FF2B5EF4-FFF2-40B4-BE49-F238E27FC236}">
-                  <a16:creationId xmlns:a16="http://schemas.microsoft.com/office/drawing/2014/main" id="{044FDD70-64ED-4237-8D56-FCC975B52DA0}"/>
-                </a:ext>
-              </a:extLst>
-            </p:cNvPr>
-            <p:cNvPicPr>
-              <a:picLocks noChangeAspect="1"/>
-            </p:cNvPicPr>
-            <p:nvPr/>
-          </p:nvPicPr>
-          <p:blipFill rotWithShape="1">
-            <a:blip r:embed="rId4">
-              <a:extLst>
-                <a:ext uri="{28A0092B-C50C-407E-A947-70E740481C1C}">
-                  <a14:useLocalDpi xmlns:a14="http://schemas.microsoft.com/office/drawing/2010/main" val="0"/>
-                </a:ext>
-              </a:extLst>
-            </a:blip>
-            <a:srcRect l="-3633" r="-3633"/>
-            <a:stretch/>
-          </p:blipFill>
-          <p:spPr>
-            <a:xfrm>
-              <a:off x="4148764" y="2652260"/>
-              <a:ext cx="1864800" cy="536400"/>
-            </a:xfrm>
-            <a:prstGeom prst="rect">
-              <a:avLst/>
-            </a:prstGeom>
-          </p:spPr>
-        </p:pic>
-        <p:pic>
-          <p:nvPicPr>
-            <p:cNvPr id="15" name="그림 14">
-              <a:extLst>
-                <a:ext uri="{FF2B5EF4-FFF2-40B4-BE49-F238E27FC236}">
-                  <a16:creationId xmlns:a16="http://schemas.microsoft.com/office/drawing/2014/main" id="{A27D9935-6B66-48ED-B9AF-6B04F09414C0}"/>
-                </a:ext>
-              </a:extLst>
-            </p:cNvPr>
-            <p:cNvPicPr>
-              <a:picLocks/>
-            </p:cNvPicPr>
-            <p:nvPr/>
-          </p:nvPicPr>
-          <p:blipFill>
-            <a:blip r:embed="rId5">
-              <a:extLst>
-                <a:ext uri="{28A0092B-C50C-407E-A947-70E740481C1C}">
-                  <a14:useLocalDpi xmlns:a14="http://schemas.microsoft.com/office/drawing/2010/main" val="0"/>
-                </a:ext>
-              </a:extLst>
-            </a:blip>
-            <a:stretch>
-              <a:fillRect/>
-            </a:stretch>
-          </p:blipFill>
-          <p:spPr>
-            <a:xfrm>
-              <a:off x="4364106" y="3577036"/>
-              <a:ext cx="1440000" cy="1080000"/>
-            </a:xfrm>
-            <a:prstGeom prst="rect">
-              <a:avLst/>
-            </a:prstGeom>
-          </p:spPr>
-        </p:pic>
-      </p:grpSp>
-    </p:spTree>
-    <p:extLst>
-      <p:ext uri="{BB962C8B-B14F-4D97-AF65-F5344CB8AC3E}">
-        <p14:creationId xmlns:p14="http://schemas.microsoft.com/office/powerpoint/2010/main" val="2289209633"/>
       </p:ext>
     </p:extLst>
   </p:cSld>
